--- a/CSharper_Generic.pptx
+++ b/CSharper_Generic.pptx
@@ -5,36 +5,34 @@
     <p:sldMasterId id="2147483660" r:id="rId1"/>
   </p:sldMasterIdLst>
   <p:notesMasterIdLst>
-    <p:notesMasterId r:id="rId29"/>
+    <p:notesMasterId r:id="rId27"/>
   </p:notesMasterIdLst>
   <p:sldIdLst>
     <p:sldId id="257" r:id="rId2"/>
-    <p:sldId id="280" r:id="rId3"/>
-    <p:sldId id="292" r:id="rId4"/>
-    <p:sldId id="293" r:id="rId5"/>
-    <p:sldId id="300" r:id="rId6"/>
-    <p:sldId id="307" r:id="rId7"/>
-    <p:sldId id="305" r:id="rId8"/>
-    <p:sldId id="323" r:id="rId9"/>
-    <p:sldId id="308" r:id="rId10"/>
-    <p:sldId id="316" r:id="rId11"/>
-    <p:sldId id="317" r:id="rId12"/>
-    <p:sldId id="318" r:id="rId13"/>
-    <p:sldId id="298" r:id="rId14"/>
-    <p:sldId id="301" r:id="rId15"/>
-    <p:sldId id="310" r:id="rId16"/>
-    <p:sldId id="309" r:id="rId17"/>
-    <p:sldId id="302" r:id="rId18"/>
-    <p:sldId id="304" r:id="rId19"/>
-    <p:sldId id="324" r:id="rId20"/>
-    <p:sldId id="313" r:id="rId21"/>
-    <p:sldId id="311" r:id="rId22"/>
-    <p:sldId id="315" r:id="rId23"/>
-    <p:sldId id="322" r:id="rId24"/>
-    <p:sldId id="319" r:id="rId25"/>
-    <p:sldId id="325" r:id="rId26"/>
-    <p:sldId id="320" r:id="rId27"/>
-    <p:sldId id="284" r:id="rId28"/>
+    <p:sldId id="293" r:id="rId3"/>
+    <p:sldId id="300" r:id="rId4"/>
+    <p:sldId id="307" r:id="rId5"/>
+    <p:sldId id="305" r:id="rId6"/>
+    <p:sldId id="323" r:id="rId7"/>
+    <p:sldId id="308" r:id="rId8"/>
+    <p:sldId id="316" r:id="rId9"/>
+    <p:sldId id="317" r:id="rId10"/>
+    <p:sldId id="318" r:id="rId11"/>
+    <p:sldId id="298" r:id="rId12"/>
+    <p:sldId id="301" r:id="rId13"/>
+    <p:sldId id="310" r:id="rId14"/>
+    <p:sldId id="309" r:id="rId15"/>
+    <p:sldId id="302" r:id="rId16"/>
+    <p:sldId id="304" r:id="rId17"/>
+    <p:sldId id="324" r:id="rId18"/>
+    <p:sldId id="313" r:id="rId19"/>
+    <p:sldId id="311" r:id="rId20"/>
+    <p:sldId id="315" r:id="rId21"/>
+    <p:sldId id="322" r:id="rId22"/>
+    <p:sldId id="319" r:id="rId23"/>
+    <p:sldId id="325" r:id="rId24"/>
+    <p:sldId id="320" r:id="rId25"/>
+    <p:sldId id="284" r:id="rId26"/>
   </p:sldIdLst>
   <p:sldSz cx="12192000" cy="6858000"/>
   <p:notesSz cx="6858000" cy="9144000"/>
@@ -1645,7 +1643,7 @@
           <a:p>
             <a:fld id="{27FE23BF-9690-4FE9-AA7E-2058C7DF31A5}" type="datetimeFigureOut">
               <a:rPr lang="zh-TW" altLang="en-US" smtClean="0"/>
-              <a:t>2020/6/20</a:t>
+              <a:t>2025/01/02</a:t>
             </a:fld>
             <a:endParaRPr lang="zh-TW" altLang="en-US"/>
           </a:p>
@@ -1961,45 +1959,9 @@
             </a:pPr>
             <a:r>
               <a:rPr lang="zh-TW" altLang="en-US" dirty="0"/>
-              <a:t>是否有共用的實做</a:t>
+              <a:t>編成語言提供的一種機制</a:t>
             </a:r>
             <a:endParaRPr lang="en-US" altLang="zh-TW" dirty="0"/>
-          </a:p>
-          <a:p>
-            <a:pPr marL="228600" indent="-228600">
-              <a:buAutoNum type="arabicPeriod"/>
-            </a:pPr>
-            <a:r>
-              <a:rPr lang="zh-TW" altLang="en-US" dirty="0"/>
-              <a:t>各類別是否有關係</a:t>
-            </a:r>
-            <a:endParaRPr lang="en-US" altLang="zh-TW" dirty="0"/>
-          </a:p>
-          <a:p>
-            <a:pPr marL="228600" indent="-228600">
-              <a:buAutoNum type="arabicPeriod"/>
-            </a:pPr>
-            <a:r>
-              <a:rPr lang="zh-TW" altLang="en-US" dirty="0"/>
-              <a:t>從隔離上來看</a:t>
-            </a:r>
-            <a:endParaRPr lang="en-US" altLang="zh-TW" dirty="0"/>
-          </a:p>
-          <a:p>
-            <a:pPr marL="228600" indent="-228600">
-              <a:buAutoNum type="arabicPeriod"/>
-            </a:pPr>
-            <a:r>
-              <a:rPr lang="zh-TW" altLang="en-US" dirty="0"/>
-              <a:t>從擴充來看</a:t>
-            </a:r>
-            <a:endParaRPr lang="en-US" altLang="zh-TW" dirty="0"/>
-          </a:p>
-          <a:p>
-            <a:pPr marL="228600" indent="-228600">
-              <a:buAutoNum type="arabicPeriod"/>
-            </a:pPr>
-            <a:endParaRPr lang="zh-TW" altLang="en-US" dirty="0"/>
           </a:p>
         </p:txBody>
       </p:sp>
@@ -2020,7 +1982,7 @@
           <a:p>
             <a:fld id="{29AC346C-D228-4D56-8760-3DE59CAAF494}" type="slidenum">
               <a:rPr lang="zh-TW" altLang="en-US" smtClean="0"/>
-              <a:t>2</a:t>
+              <a:t>3</a:t>
             </a:fld>
             <a:endParaRPr lang="zh-TW" altLang="en-US"/>
           </a:p>
@@ -2029,7 +1991,7 @@
     </p:spTree>
     <p:extLst>
       <p:ext uri="{BB962C8B-B14F-4D97-AF65-F5344CB8AC3E}">
-        <p14:creationId xmlns:p14="http://schemas.microsoft.com/office/powerpoint/2010/main" val="2294889252"/>
+        <p14:creationId xmlns:p14="http://schemas.microsoft.com/office/powerpoint/2010/main" val="1528783971"/>
       </p:ext>
     </p:extLst>
   </p:cSld>
@@ -2083,9 +2045,118 @@
           <a:bodyPr/>
           <a:lstStyle/>
           <a:p>
-            <a:pPr marL="228600" indent="-228600">
+            <a:pPr marL="228600" marR="0" lvl="0" indent="-228600" algn="l" defTabSz="914400" rtl="0" eaLnBrk="1" fontAlgn="auto" latinLnBrk="0" hangingPunct="1">
+              <a:lnSpc>
+                <a:spcPct val="100000"/>
+              </a:lnSpc>
+              <a:spcBef>
+                <a:spcPts val="0"/>
+              </a:spcBef>
+              <a:spcAft>
+                <a:spcPts val="0"/>
+              </a:spcAft>
+              <a:buClrTx/>
+              <a:buSzTx/>
+              <a:buFontTx/>
               <a:buAutoNum type="arabicPeriod"/>
+              <a:tabLst/>
+              <a:defRPr/>
             </a:pPr>
+            <a:r>
+              <a:rPr lang="en-US" altLang="zh-TW" dirty="0"/>
+              <a:t>T</a:t>
+            </a:r>
+            <a:r>
+              <a:rPr lang="zh-TW" altLang="en-US" dirty="0"/>
+              <a:t>代表的意思，動態決定型別</a:t>
+            </a:r>
+            <a:endParaRPr lang="en-US" altLang="zh-TW" dirty="0"/>
+          </a:p>
+          <a:p>
+            <a:pPr marL="228600" marR="0" lvl="0" indent="-228600" algn="l" defTabSz="914400" rtl="0" eaLnBrk="1" fontAlgn="auto" latinLnBrk="0" hangingPunct="1">
+              <a:lnSpc>
+                <a:spcPct val="100000"/>
+              </a:lnSpc>
+              <a:spcBef>
+                <a:spcPts val="0"/>
+              </a:spcBef>
+              <a:spcAft>
+                <a:spcPts val="0"/>
+              </a:spcAft>
+              <a:buClrTx/>
+              <a:buSzTx/>
+              <a:buFontTx/>
+              <a:buAutoNum type="arabicPeriod"/>
+              <a:tabLst/>
+              <a:defRPr/>
+            </a:pPr>
+            <a:r>
+              <a:rPr lang="zh-TW" altLang="en-US" dirty="0"/>
+              <a:t>名詞解釋 </a:t>
+            </a:r>
+            <a:r>
+              <a:rPr lang="en-US" altLang="zh-TW" dirty="0"/>
+              <a:t>type parameter </a:t>
+            </a:r>
+            <a:r>
+              <a:rPr lang="zh-TW" altLang="en-US" dirty="0"/>
+              <a:t>和 </a:t>
+            </a:r>
+            <a:r>
+              <a:rPr lang="en-US" altLang="zh-TW" dirty="0"/>
+              <a:t>type argument</a:t>
+            </a:r>
+          </a:p>
+          <a:p>
+            <a:pPr marL="228600" marR="0" lvl="0" indent="-228600" algn="l" defTabSz="914400" rtl="0" eaLnBrk="1" fontAlgn="auto" latinLnBrk="0" hangingPunct="1">
+              <a:lnSpc>
+                <a:spcPct val="100000"/>
+              </a:lnSpc>
+              <a:spcBef>
+                <a:spcPts val="0"/>
+              </a:spcBef>
+              <a:spcAft>
+                <a:spcPts val="0"/>
+              </a:spcAft>
+              <a:buClrTx/>
+              <a:buSzTx/>
+              <a:buFontTx/>
+              <a:buAutoNum type="arabicPeriod"/>
+              <a:tabLst/>
+              <a:defRPr/>
+            </a:pPr>
+            <a:r>
+              <a:rPr lang="en-US" altLang="zh-TW" dirty="0"/>
+              <a:t>Sample</a:t>
+            </a:r>
+            <a:r>
+              <a:rPr lang="zh-TW" altLang="en-US" dirty="0"/>
+              <a:t>示例</a:t>
+            </a:r>
+            <a:endParaRPr lang="en-US" altLang="zh-TW" dirty="0"/>
+          </a:p>
+          <a:p>
+            <a:pPr marL="228600" marR="0" lvl="0" indent="-228600" algn="l" defTabSz="914400" rtl="0" eaLnBrk="1" fontAlgn="auto" latinLnBrk="0" hangingPunct="1">
+              <a:lnSpc>
+                <a:spcPct val="100000"/>
+              </a:lnSpc>
+              <a:spcBef>
+                <a:spcPts val="0"/>
+              </a:spcBef>
+              <a:spcAft>
+                <a:spcPts val="0"/>
+              </a:spcAft>
+              <a:buClrTx/>
+              <a:buSzTx/>
+              <a:buFontTx/>
+              <a:buAutoNum type="arabicPeriod"/>
+              <a:tabLst/>
+              <a:defRPr/>
+            </a:pPr>
+            <a:r>
+              <a:rPr lang="zh-TW" altLang="en-US" dirty="0"/>
+              <a:t>命名習慣</a:t>
+            </a:r>
             <a:endParaRPr lang="en-US" altLang="zh-TW" dirty="0"/>
           </a:p>
         </p:txBody>
@@ -2107,7 +2178,7 @@
           <a:p>
             <a:fld id="{29AC346C-D228-4D56-8760-3DE59CAAF494}" type="slidenum">
               <a:rPr lang="zh-TW" altLang="en-US" smtClean="0"/>
-              <a:t>13</a:t>
+              <a:t>12</a:t>
             </a:fld>
             <a:endParaRPr lang="zh-TW" altLang="en-US"/>
           </a:p>
@@ -2116,7 +2187,7 @@
     </p:spTree>
     <p:extLst>
       <p:ext uri="{BB962C8B-B14F-4D97-AF65-F5344CB8AC3E}">
-        <p14:creationId xmlns:p14="http://schemas.microsoft.com/office/powerpoint/2010/main" val="3109655924"/>
+        <p14:creationId xmlns:p14="http://schemas.microsoft.com/office/powerpoint/2010/main" val="713813173"/>
       </p:ext>
     </p:extLst>
   </p:cSld>
@@ -2170,119 +2241,10 @@
           <a:bodyPr/>
           <a:lstStyle/>
           <a:p>
-            <a:pPr marL="228600" marR="0" lvl="0" indent="-228600" algn="l" defTabSz="914400" rtl="0" eaLnBrk="1" fontAlgn="auto" latinLnBrk="0" hangingPunct="1">
-              <a:lnSpc>
-                <a:spcPct val="100000"/>
-              </a:lnSpc>
-              <a:spcBef>
-                <a:spcPts val="0"/>
-              </a:spcBef>
-              <a:spcAft>
-                <a:spcPts val="0"/>
-              </a:spcAft>
-              <a:buClrTx/>
-              <a:buSzTx/>
-              <a:buFontTx/>
+            <a:pPr marL="228600" indent="-228600">
               <a:buAutoNum type="arabicPeriod"/>
-              <a:tabLst/>
-              <a:defRPr/>
             </a:pPr>
-            <a:r>
-              <a:rPr lang="en-US" altLang="zh-TW" dirty="0"/>
-              <a:t>T</a:t>
-            </a:r>
-            <a:r>
-              <a:rPr lang="zh-TW" altLang="en-US" dirty="0"/>
-              <a:t>代表的意思，動態決定型別</a:t>
-            </a:r>
-            <a:endParaRPr lang="en-US" altLang="zh-TW" dirty="0"/>
-          </a:p>
-          <a:p>
-            <a:pPr marL="228600" marR="0" lvl="0" indent="-228600" algn="l" defTabSz="914400" rtl="0" eaLnBrk="1" fontAlgn="auto" latinLnBrk="0" hangingPunct="1">
-              <a:lnSpc>
-                <a:spcPct val="100000"/>
-              </a:lnSpc>
-              <a:spcBef>
-                <a:spcPts val="0"/>
-              </a:spcBef>
-              <a:spcAft>
-                <a:spcPts val="0"/>
-              </a:spcAft>
-              <a:buClrTx/>
-              <a:buSzTx/>
-              <a:buFontTx/>
-              <a:buAutoNum type="arabicPeriod"/>
-              <a:tabLst/>
-              <a:defRPr/>
-            </a:pPr>
-            <a:r>
-              <a:rPr lang="zh-TW" altLang="en-US" dirty="0"/>
-              <a:t>名詞解釋 </a:t>
-            </a:r>
-            <a:r>
-              <a:rPr lang="en-US" altLang="zh-TW" dirty="0"/>
-              <a:t>type parameter </a:t>
-            </a:r>
-            <a:r>
-              <a:rPr lang="zh-TW" altLang="en-US" dirty="0"/>
-              <a:t>和 </a:t>
-            </a:r>
-            <a:r>
-              <a:rPr lang="en-US" altLang="zh-TW" dirty="0"/>
-              <a:t>type argument</a:t>
-            </a:r>
-          </a:p>
-          <a:p>
-            <a:pPr marL="228600" marR="0" lvl="0" indent="-228600" algn="l" defTabSz="914400" rtl="0" eaLnBrk="1" fontAlgn="auto" latinLnBrk="0" hangingPunct="1">
-              <a:lnSpc>
-                <a:spcPct val="100000"/>
-              </a:lnSpc>
-              <a:spcBef>
-                <a:spcPts val="0"/>
-              </a:spcBef>
-              <a:spcAft>
-                <a:spcPts val="0"/>
-              </a:spcAft>
-              <a:buClrTx/>
-              <a:buSzTx/>
-              <a:buFontTx/>
-              <a:buAutoNum type="arabicPeriod"/>
-              <a:tabLst/>
-              <a:defRPr/>
-            </a:pPr>
-            <a:r>
-              <a:rPr lang="en-US" altLang="zh-TW" dirty="0"/>
-              <a:t>Sample</a:t>
-            </a:r>
-            <a:r>
-              <a:rPr lang="zh-TW" altLang="en-US" dirty="0"/>
-              <a:t>示例</a:t>
-            </a:r>
-            <a:endParaRPr lang="en-US" altLang="zh-TW" dirty="0"/>
-          </a:p>
-          <a:p>
-            <a:pPr marL="228600" marR="0" lvl="0" indent="-228600" algn="l" defTabSz="914400" rtl="0" eaLnBrk="1" fontAlgn="auto" latinLnBrk="0" hangingPunct="1">
-              <a:lnSpc>
-                <a:spcPct val="100000"/>
-              </a:lnSpc>
-              <a:spcBef>
-                <a:spcPts val="0"/>
-              </a:spcBef>
-              <a:spcAft>
-                <a:spcPts val="0"/>
-              </a:spcAft>
-              <a:buClrTx/>
-              <a:buSzTx/>
-              <a:buFontTx/>
-              <a:buAutoNum type="arabicPeriod"/>
-              <a:tabLst/>
-              <a:defRPr/>
-            </a:pPr>
-            <a:r>
-              <a:rPr lang="zh-TW" altLang="en-US" dirty="0"/>
-              <a:t>命名習慣</a:t>
-            </a:r>
-            <a:endParaRPr lang="en-US" altLang="zh-TW" dirty="0"/>
+            <a:endParaRPr lang="en-US" altLang="zh-TW"/>
           </a:p>
         </p:txBody>
       </p:sp>
@@ -2303,7 +2265,7 @@
           <a:p>
             <a:fld id="{29AC346C-D228-4D56-8760-3DE59CAAF494}" type="slidenum">
               <a:rPr lang="zh-TW" altLang="en-US" smtClean="0"/>
-              <a:t>14</a:t>
+              <a:t>13</a:t>
             </a:fld>
             <a:endParaRPr lang="zh-TW" altLang="en-US"/>
           </a:p>
@@ -2312,7 +2274,7 @@
     </p:spTree>
     <p:extLst>
       <p:ext uri="{BB962C8B-B14F-4D97-AF65-F5344CB8AC3E}">
-        <p14:creationId xmlns:p14="http://schemas.microsoft.com/office/powerpoint/2010/main" val="713813173"/>
+        <p14:creationId xmlns:p14="http://schemas.microsoft.com/office/powerpoint/2010/main" val="3465823540"/>
       </p:ext>
     </p:extLst>
   </p:cSld>
@@ -2366,8 +2328,22 @@
           <a:bodyPr/>
           <a:lstStyle/>
           <a:p>
-            <a:pPr marL="228600" indent="-228600">
+            <a:pPr marL="228600" marR="0" lvl="0" indent="-228600" algn="l" defTabSz="914400" rtl="0" eaLnBrk="1" fontAlgn="auto" latinLnBrk="0" hangingPunct="1">
+              <a:lnSpc>
+                <a:spcPct val="100000"/>
+              </a:lnSpc>
+              <a:spcBef>
+                <a:spcPts val="0"/>
+              </a:spcBef>
+              <a:spcAft>
+                <a:spcPts val="0"/>
+              </a:spcAft>
+              <a:buClrTx/>
+              <a:buSzTx/>
+              <a:buFontTx/>
               <a:buAutoNum type="arabicPeriod"/>
+              <a:tabLst/>
+              <a:defRPr/>
             </a:pPr>
             <a:endParaRPr lang="en-US" altLang="zh-TW"/>
           </a:p>
@@ -2390,7 +2366,7 @@
           <a:p>
             <a:fld id="{29AC346C-D228-4D56-8760-3DE59CAAF494}" type="slidenum">
               <a:rPr lang="zh-TW" altLang="en-US" smtClean="0"/>
-              <a:t>15</a:t>
+              <a:t>14</a:t>
             </a:fld>
             <a:endParaRPr lang="zh-TW" altLang="en-US"/>
           </a:p>
@@ -2399,7 +2375,7 @@
     </p:spTree>
     <p:extLst>
       <p:ext uri="{BB962C8B-B14F-4D97-AF65-F5344CB8AC3E}">
-        <p14:creationId xmlns:p14="http://schemas.microsoft.com/office/powerpoint/2010/main" val="3465823540"/>
+        <p14:creationId xmlns:p14="http://schemas.microsoft.com/office/powerpoint/2010/main" val="3617735841"/>
       </p:ext>
     </p:extLst>
   </p:cSld>
@@ -2453,24 +2429,54 @@
           <a:bodyPr/>
           <a:lstStyle/>
           <a:p>
-            <a:pPr marL="228600" marR="0" lvl="0" indent="-228600" algn="l" defTabSz="914400" rtl="0" eaLnBrk="1" fontAlgn="auto" latinLnBrk="0" hangingPunct="1">
-              <a:lnSpc>
-                <a:spcPct val="100000"/>
-              </a:lnSpc>
-              <a:spcBef>
-                <a:spcPts val="0"/>
-              </a:spcBef>
-              <a:spcAft>
-                <a:spcPts val="0"/>
-              </a:spcAft>
-              <a:buClrTx/>
-              <a:buSzTx/>
-              <a:buFontTx/>
+            <a:pPr marL="228600" indent="-228600">
               <a:buAutoNum type="arabicPeriod"/>
-              <a:tabLst/>
-              <a:defRPr/>
             </a:pPr>
-            <a:endParaRPr lang="en-US" altLang="zh-TW"/>
+            <a:r>
+              <a:rPr lang="zh-TW" altLang="en-US" dirty="0"/>
+              <a:t>不同的</a:t>
+            </a:r>
+            <a:r>
+              <a:rPr lang="en-US" altLang="zh-TW" dirty="0"/>
+              <a:t>type</a:t>
+            </a:r>
+            <a:r>
+              <a:rPr lang="zh-TW" altLang="en-US" dirty="0"/>
+              <a:t>在</a:t>
+            </a:r>
+            <a:r>
+              <a:rPr lang="en-US" altLang="zh-TW" dirty="0"/>
+              <a:t>static </a:t>
+            </a:r>
+            <a:r>
+              <a:rPr lang="en-US" altLang="zh-TW" dirty="0" err="1"/>
+              <a:t>ctor</a:t>
+            </a:r>
+            <a:r>
+              <a:rPr lang="zh-TW" altLang="en-US" dirty="0"/>
+              <a:t>上</a:t>
+            </a:r>
+            <a:endParaRPr lang="en-US" altLang="zh-TW" dirty="0"/>
+          </a:p>
+          <a:p>
+            <a:pPr marL="228600" indent="-228600">
+              <a:buAutoNum type="arabicPeriod"/>
+            </a:pPr>
+            <a:r>
+              <a:rPr lang="en-US" altLang="zh-TW" dirty="0" err="1"/>
+              <a:t>Int+string</a:t>
+            </a:r>
+            <a:endParaRPr lang="en-US" altLang="zh-TW" dirty="0"/>
+          </a:p>
+          <a:p>
+            <a:pPr marL="228600" indent="-228600">
+              <a:buAutoNum type="arabicPeriod"/>
+            </a:pPr>
+            <a:r>
+              <a:rPr lang="en-US" altLang="zh-TW" dirty="0" err="1"/>
+              <a:t>Int+string+string</a:t>
+            </a:r>
+            <a:endParaRPr lang="en-US" altLang="zh-TW" dirty="0"/>
           </a:p>
         </p:txBody>
       </p:sp>
@@ -2491,7 +2497,7 @@
           <a:p>
             <a:fld id="{29AC346C-D228-4D56-8760-3DE59CAAF494}" type="slidenum">
               <a:rPr lang="zh-TW" altLang="en-US" smtClean="0"/>
-              <a:t>16</a:t>
+              <a:t>15</a:t>
             </a:fld>
             <a:endParaRPr lang="zh-TW" altLang="en-US"/>
           </a:p>
@@ -2500,7 +2506,7 @@
     </p:spTree>
     <p:extLst>
       <p:ext uri="{BB962C8B-B14F-4D97-AF65-F5344CB8AC3E}">
-        <p14:creationId xmlns:p14="http://schemas.microsoft.com/office/powerpoint/2010/main" val="3617735841"/>
+        <p14:creationId xmlns:p14="http://schemas.microsoft.com/office/powerpoint/2010/main" val="2625979796"/>
       </p:ext>
     </p:extLst>
   </p:cSld>
@@ -2557,50 +2563,6 @@
             <a:pPr marL="228600" indent="-228600">
               <a:buAutoNum type="arabicPeriod"/>
             </a:pPr>
-            <a:r>
-              <a:rPr lang="zh-TW" altLang="en-US" dirty="0"/>
-              <a:t>不同的</a:t>
-            </a:r>
-            <a:r>
-              <a:rPr lang="en-US" altLang="zh-TW" dirty="0"/>
-              <a:t>type</a:t>
-            </a:r>
-            <a:r>
-              <a:rPr lang="zh-TW" altLang="en-US" dirty="0"/>
-              <a:t>在</a:t>
-            </a:r>
-            <a:r>
-              <a:rPr lang="en-US" altLang="zh-TW" dirty="0"/>
-              <a:t>static </a:t>
-            </a:r>
-            <a:r>
-              <a:rPr lang="en-US" altLang="zh-TW" dirty="0" err="1"/>
-              <a:t>ctor</a:t>
-            </a:r>
-            <a:r>
-              <a:rPr lang="zh-TW" altLang="en-US" dirty="0"/>
-              <a:t>上</a:t>
-            </a:r>
-            <a:endParaRPr lang="en-US" altLang="zh-TW" dirty="0"/>
-          </a:p>
-          <a:p>
-            <a:pPr marL="228600" indent="-228600">
-              <a:buAutoNum type="arabicPeriod"/>
-            </a:pPr>
-            <a:r>
-              <a:rPr lang="en-US" altLang="zh-TW" dirty="0" err="1"/>
-              <a:t>Int+string</a:t>
-            </a:r>
-            <a:endParaRPr lang="en-US" altLang="zh-TW" dirty="0"/>
-          </a:p>
-          <a:p>
-            <a:pPr marL="228600" indent="-228600">
-              <a:buAutoNum type="arabicPeriod"/>
-            </a:pPr>
-            <a:r>
-              <a:rPr lang="en-US" altLang="zh-TW" dirty="0" err="1"/>
-              <a:t>Int+string+string</a:t>
-            </a:r>
             <a:endParaRPr lang="en-US" altLang="zh-TW" dirty="0"/>
           </a:p>
         </p:txBody>
@@ -2622,7 +2584,7 @@
           <a:p>
             <a:fld id="{29AC346C-D228-4D56-8760-3DE59CAAF494}" type="slidenum">
               <a:rPr lang="zh-TW" altLang="en-US" smtClean="0"/>
-              <a:t>17</a:t>
+              <a:t>16</a:t>
             </a:fld>
             <a:endParaRPr lang="zh-TW" altLang="en-US"/>
           </a:p>
@@ -2631,7 +2593,7 @@
     </p:spTree>
     <p:extLst>
       <p:ext uri="{BB962C8B-B14F-4D97-AF65-F5344CB8AC3E}">
-        <p14:creationId xmlns:p14="http://schemas.microsoft.com/office/powerpoint/2010/main" val="2625979796"/>
+        <p14:creationId xmlns:p14="http://schemas.microsoft.com/office/powerpoint/2010/main" val="1681159795"/>
       </p:ext>
     </p:extLst>
   </p:cSld>
@@ -2709,7 +2671,7 @@
           <a:p>
             <a:fld id="{29AC346C-D228-4D56-8760-3DE59CAAF494}" type="slidenum">
               <a:rPr lang="zh-TW" altLang="en-US" smtClean="0"/>
-              <a:t>18</a:t>
+              <a:t>17</a:t>
             </a:fld>
             <a:endParaRPr lang="zh-TW" altLang="en-US"/>
           </a:p>
@@ -2718,7 +2680,7 @@
     </p:spTree>
     <p:extLst>
       <p:ext uri="{BB962C8B-B14F-4D97-AF65-F5344CB8AC3E}">
-        <p14:creationId xmlns:p14="http://schemas.microsoft.com/office/powerpoint/2010/main" val="1681159795"/>
+        <p14:creationId xmlns:p14="http://schemas.microsoft.com/office/powerpoint/2010/main" val="1627302736"/>
       </p:ext>
     </p:extLst>
   </p:cSld>
@@ -2775,6 +2737,28 @@
             <a:pPr marL="228600" indent="-228600">
               <a:buAutoNum type="arabicPeriod"/>
             </a:pPr>
+            <a:r>
+              <a:rPr lang="zh-TW" altLang="en-US" dirty="0"/>
+              <a:t>怎麼使用</a:t>
+            </a:r>
+            <a:endParaRPr lang="en-US" altLang="zh-TW" dirty="0"/>
+          </a:p>
+          <a:p>
+            <a:pPr marL="228600" indent="-228600">
+              <a:buAutoNum type="arabicPeriod"/>
+            </a:pPr>
+            <a:r>
+              <a:rPr lang="zh-TW" altLang="en-US" dirty="0"/>
+              <a:t>遇到不可</a:t>
+            </a:r>
+            <a:r>
+              <a:rPr lang="en-US" altLang="zh-TW" dirty="0"/>
+              <a:t>new</a:t>
+            </a:r>
+            <a:r>
+              <a:rPr lang="zh-TW" altLang="en-US" dirty="0"/>
+              <a:t>的型別</a:t>
+            </a:r>
             <a:endParaRPr lang="en-US" altLang="zh-TW" dirty="0"/>
           </a:p>
         </p:txBody>
@@ -2796,7 +2780,7 @@
           <a:p>
             <a:fld id="{29AC346C-D228-4D56-8760-3DE59CAAF494}" type="slidenum">
               <a:rPr lang="zh-TW" altLang="en-US" smtClean="0"/>
-              <a:t>19</a:t>
+              <a:t>18</a:t>
             </a:fld>
             <a:endParaRPr lang="zh-TW" altLang="en-US"/>
           </a:p>
@@ -2805,7 +2789,7 @@
     </p:spTree>
     <p:extLst>
       <p:ext uri="{BB962C8B-B14F-4D97-AF65-F5344CB8AC3E}">
-        <p14:creationId xmlns:p14="http://schemas.microsoft.com/office/powerpoint/2010/main" val="1627302736"/>
+        <p14:creationId xmlns:p14="http://schemas.microsoft.com/office/powerpoint/2010/main" val="3929927150"/>
       </p:ext>
     </p:extLst>
   </p:cSld>
@@ -2862,29 +2846,7 @@
             <a:pPr marL="228600" indent="-228600">
               <a:buAutoNum type="arabicPeriod"/>
             </a:pPr>
-            <a:r>
-              <a:rPr lang="zh-TW" altLang="en-US" dirty="0"/>
-              <a:t>怎麼使用</a:t>
-            </a:r>
-            <a:endParaRPr lang="en-US" altLang="zh-TW" dirty="0"/>
-          </a:p>
-          <a:p>
-            <a:pPr marL="228600" indent="-228600">
-              <a:buAutoNum type="arabicPeriod"/>
-            </a:pPr>
-            <a:r>
-              <a:rPr lang="zh-TW" altLang="en-US" dirty="0"/>
-              <a:t>遇到不可</a:t>
-            </a:r>
-            <a:r>
-              <a:rPr lang="en-US" altLang="zh-TW" dirty="0"/>
-              <a:t>new</a:t>
-            </a:r>
-            <a:r>
-              <a:rPr lang="zh-TW" altLang="en-US" dirty="0"/>
-              <a:t>的型別</a:t>
-            </a:r>
-            <a:endParaRPr lang="en-US" altLang="zh-TW" dirty="0"/>
+            <a:endParaRPr lang="en-US" altLang="zh-TW"/>
           </a:p>
         </p:txBody>
       </p:sp>
@@ -2905,7 +2867,7 @@
           <a:p>
             <a:fld id="{29AC346C-D228-4D56-8760-3DE59CAAF494}" type="slidenum">
               <a:rPr lang="zh-TW" altLang="en-US" smtClean="0"/>
-              <a:t>20</a:t>
+              <a:t>19</a:t>
             </a:fld>
             <a:endParaRPr lang="zh-TW" altLang="en-US"/>
           </a:p>
@@ -2914,7 +2876,7 @@
     </p:spTree>
     <p:extLst>
       <p:ext uri="{BB962C8B-B14F-4D97-AF65-F5344CB8AC3E}">
-        <p14:creationId xmlns:p14="http://schemas.microsoft.com/office/powerpoint/2010/main" val="3929927150"/>
+        <p14:creationId xmlns:p14="http://schemas.microsoft.com/office/powerpoint/2010/main" val="1230233722"/>
       </p:ext>
     </p:extLst>
   </p:cSld>
@@ -2992,7 +2954,7 @@
           <a:p>
             <a:fld id="{29AC346C-D228-4D56-8760-3DE59CAAF494}" type="slidenum">
               <a:rPr lang="zh-TW" altLang="en-US" smtClean="0"/>
-              <a:t>21</a:t>
+              <a:t>20</a:t>
             </a:fld>
             <a:endParaRPr lang="zh-TW" altLang="en-US"/>
           </a:p>
@@ -3001,7 +2963,7 @@
     </p:spTree>
     <p:extLst>
       <p:ext uri="{BB962C8B-B14F-4D97-AF65-F5344CB8AC3E}">
-        <p14:creationId xmlns:p14="http://schemas.microsoft.com/office/powerpoint/2010/main" val="1230233722"/>
+        <p14:creationId xmlns:p14="http://schemas.microsoft.com/office/powerpoint/2010/main" val="1793203648"/>
       </p:ext>
     </p:extLst>
   </p:cSld>
@@ -3079,7 +3041,7 @@
           <a:p>
             <a:fld id="{29AC346C-D228-4D56-8760-3DE59CAAF494}" type="slidenum">
               <a:rPr lang="zh-TW" altLang="en-US" smtClean="0"/>
-              <a:t>22</a:t>
+              <a:t>21</a:t>
             </a:fld>
             <a:endParaRPr lang="zh-TW" altLang="en-US"/>
           </a:p>
@@ -3088,7 +3050,7 @@
     </p:spTree>
     <p:extLst>
       <p:ext uri="{BB962C8B-B14F-4D97-AF65-F5344CB8AC3E}">
-        <p14:creationId xmlns:p14="http://schemas.microsoft.com/office/powerpoint/2010/main" val="1793203648"/>
+        <p14:creationId xmlns:p14="http://schemas.microsoft.com/office/powerpoint/2010/main" val="4148584736"/>
       </p:ext>
     </p:extLst>
   </p:cSld>
@@ -3147,7 +3109,25 @@
             </a:pPr>
             <a:r>
               <a:rPr lang="zh-TW" altLang="en-US" dirty="0"/>
-              <a:t>編成語言提供的一種機制</a:t>
+              <a:t>如果沒有，</a:t>
+            </a:r>
+            <a:r>
+              <a:rPr lang="en-US" altLang="zh-TW" dirty="0"/>
+              <a:t>Sample</a:t>
+            </a:r>
+            <a:r>
+              <a:rPr lang="zh-TW" altLang="en-US" dirty="0"/>
+              <a:t>的程式如何實現</a:t>
+            </a:r>
+            <a:endParaRPr lang="en-US" altLang="zh-TW" dirty="0"/>
+          </a:p>
+          <a:p>
+            <a:pPr marL="228600" indent="-228600">
+              <a:buAutoNum type="arabicPeriod"/>
+            </a:pPr>
+            <a:r>
+              <a:rPr lang="zh-TW" altLang="en-US" dirty="0"/>
+              <a:t>效能</a:t>
             </a:r>
             <a:endParaRPr lang="en-US" altLang="zh-TW" dirty="0"/>
           </a:p>
@@ -3170,7 +3150,7 @@
           <a:p>
             <a:fld id="{29AC346C-D228-4D56-8760-3DE59CAAF494}" type="slidenum">
               <a:rPr lang="zh-TW" altLang="en-US" smtClean="0"/>
-              <a:t>5</a:t>
+              <a:t>4</a:t>
             </a:fld>
             <a:endParaRPr lang="zh-TW" altLang="en-US"/>
           </a:p>
@@ -3179,7 +3159,7 @@
     </p:spTree>
     <p:extLst>
       <p:ext uri="{BB962C8B-B14F-4D97-AF65-F5344CB8AC3E}">
-        <p14:creationId xmlns:p14="http://schemas.microsoft.com/office/powerpoint/2010/main" val="1528783971"/>
+        <p14:creationId xmlns:p14="http://schemas.microsoft.com/office/powerpoint/2010/main" val="1313563080"/>
       </p:ext>
     </p:extLst>
   </p:cSld>
@@ -3257,7 +3237,7 @@
           <a:p>
             <a:fld id="{29AC346C-D228-4D56-8760-3DE59CAAF494}" type="slidenum">
               <a:rPr lang="zh-TW" altLang="en-US" smtClean="0"/>
-              <a:t>23</a:t>
+              <a:t>22</a:t>
             </a:fld>
             <a:endParaRPr lang="zh-TW" altLang="en-US"/>
           </a:p>
@@ -3266,7 +3246,7 @@
     </p:spTree>
     <p:extLst>
       <p:ext uri="{BB962C8B-B14F-4D97-AF65-F5344CB8AC3E}">
-        <p14:creationId xmlns:p14="http://schemas.microsoft.com/office/powerpoint/2010/main" val="4148584736"/>
+        <p14:creationId xmlns:p14="http://schemas.microsoft.com/office/powerpoint/2010/main" val="1982771142"/>
       </p:ext>
     </p:extLst>
   </p:cSld>
@@ -3344,7 +3324,7 @@
           <a:p>
             <a:fld id="{29AC346C-D228-4D56-8760-3DE59CAAF494}" type="slidenum">
               <a:rPr lang="zh-TW" altLang="en-US" smtClean="0"/>
-              <a:t>24</a:t>
+              <a:t>23</a:t>
             </a:fld>
             <a:endParaRPr lang="zh-TW" altLang="en-US"/>
           </a:p>
@@ -3353,7 +3333,7 @@
     </p:spTree>
     <p:extLst>
       <p:ext uri="{BB962C8B-B14F-4D97-AF65-F5344CB8AC3E}">
-        <p14:creationId xmlns:p14="http://schemas.microsoft.com/office/powerpoint/2010/main" val="1982771142"/>
+        <p14:creationId xmlns:p14="http://schemas.microsoft.com/office/powerpoint/2010/main" val="3787108322"/>
       </p:ext>
     </p:extLst>
   </p:cSld>
@@ -3431,94 +3411,7 @@
           <a:p>
             <a:fld id="{29AC346C-D228-4D56-8760-3DE59CAAF494}" type="slidenum">
               <a:rPr lang="zh-TW" altLang="en-US" smtClean="0"/>
-              <a:t>25</a:t>
-            </a:fld>
-            <a:endParaRPr lang="zh-TW" altLang="en-US"/>
-          </a:p>
-        </p:txBody>
-      </p:sp>
-    </p:spTree>
-    <p:extLst>
-      <p:ext uri="{BB962C8B-B14F-4D97-AF65-F5344CB8AC3E}">
-        <p14:creationId xmlns:p14="http://schemas.microsoft.com/office/powerpoint/2010/main" val="3787108322"/>
-      </p:ext>
-    </p:extLst>
-  </p:cSld>
-  <p:clrMapOvr>
-    <a:masterClrMapping/>
-  </p:clrMapOvr>
-</p:notes>
-</file>
-
-<file path=ppt/notesSlides/notesSlide23.xml><?xml version="1.0" encoding="utf-8"?>
-<p:notes xmlns:a="http://schemas.openxmlformats.org/drawingml/2006/main" xmlns:r="http://schemas.openxmlformats.org/officeDocument/2006/relationships" xmlns:p="http://schemas.openxmlformats.org/presentationml/2006/main">
-  <p:cSld>
-    <p:spTree>
-      <p:nvGrpSpPr>
-        <p:cNvPr id="1" name=""/>
-        <p:cNvGrpSpPr/>
-        <p:nvPr/>
-      </p:nvGrpSpPr>
-      <p:grpSpPr>
-        <a:xfrm>
-          <a:off x="0" y="0"/>
-          <a:ext cx="0" cy="0"/>
-          <a:chOff x="0" y="0"/>
-          <a:chExt cx="0" cy="0"/>
-        </a:xfrm>
-      </p:grpSpPr>
-      <p:sp>
-        <p:nvSpPr>
-          <p:cNvPr id="2" name="投影片影像版面配置區 1"/>
-          <p:cNvSpPr>
-            <a:spLocks noGrp="1" noRot="1" noChangeAspect="1"/>
-          </p:cNvSpPr>
-          <p:nvPr>
-            <p:ph type="sldImg"/>
-          </p:nvPr>
-        </p:nvSpPr>
-        <p:spPr/>
-      </p:sp>
-      <p:sp>
-        <p:nvSpPr>
-          <p:cNvPr id="3" name="備忘稿版面配置區 2"/>
-          <p:cNvSpPr>
-            <a:spLocks noGrp="1"/>
-          </p:cNvSpPr>
-          <p:nvPr>
-            <p:ph type="body" idx="1"/>
-          </p:nvPr>
-        </p:nvSpPr>
-        <p:spPr/>
-        <p:txBody>
-          <a:bodyPr/>
-          <a:lstStyle/>
-          <a:p>
-            <a:pPr marL="228600" indent="-228600">
-              <a:buAutoNum type="arabicPeriod"/>
-            </a:pPr>
-            <a:endParaRPr lang="en-US" altLang="zh-TW"/>
-          </a:p>
-        </p:txBody>
-      </p:sp>
-      <p:sp>
-        <p:nvSpPr>
-          <p:cNvPr id="4" name="投影片編號版面配置區 3"/>
-          <p:cNvSpPr>
-            <a:spLocks noGrp="1"/>
-          </p:cNvSpPr>
-          <p:nvPr>
-            <p:ph type="sldNum" sz="quarter" idx="5"/>
-          </p:nvPr>
-        </p:nvSpPr>
-        <p:spPr/>
-        <p:txBody>
-          <a:bodyPr/>
-          <a:lstStyle/>
-          <a:p>
-            <a:fld id="{29AC346C-D228-4D56-8760-3DE59CAAF494}" type="slidenum">
-              <a:rPr lang="zh-TW" altLang="en-US" smtClean="0"/>
-              <a:t>26</a:t>
+              <a:t>24</a:t>
             </a:fld>
             <a:endParaRPr lang="zh-TW" altLang="en-US"/>
           </a:p>
@@ -3586,15 +3479,11 @@
             </a:pPr>
             <a:r>
               <a:rPr lang="zh-TW" altLang="en-US" dirty="0"/>
-              <a:t>如果沒有，</a:t>
-            </a:r>
-            <a:r>
-              <a:rPr lang="en-US" altLang="zh-TW" dirty="0"/>
-              <a:t>Sample</a:t>
-            </a:r>
-            <a:r>
-              <a:rPr lang="zh-TW" altLang="en-US" dirty="0"/>
-              <a:t>的程式如何實現</a:t>
+              <a:t>介紹</a:t>
+            </a:r>
+            <a:r>
+              <a:rPr lang="en-US" altLang="zh-TW" dirty="0" err="1"/>
+              <a:t>ArrayList</a:t>
             </a:r>
             <a:endParaRPr lang="en-US" altLang="zh-TW" dirty="0"/>
           </a:p>
@@ -3604,9 +3493,12 @@
             </a:pPr>
             <a:r>
               <a:rPr lang="zh-TW" altLang="en-US" dirty="0"/>
-              <a:t>效能</a:t>
-            </a:r>
-            <a:endParaRPr lang="en-US" altLang="zh-TW" dirty="0"/>
+              <a:t>帶入</a:t>
+            </a:r>
+            <a:r>
+              <a:rPr lang="en-US" altLang="zh-TW" dirty="0"/>
+              <a:t>sample</a:t>
+            </a:r>
           </a:p>
         </p:txBody>
       </p:sp>
@@ -3627,7 +3519,7 @@
           <a:p>
             <a:fld id="{29AC346C-D228-4D56-8760-3DE59CAAF494}" type="slidenum">
               <a:rPr lang="zh-TW" altLang="en-US" smtClean="0"/>
-              <a:t>6</a:t>
+              <a:t>5</a:t>
             </a:fld>
             <a:endParaRPr lang="zh-TW" altLang="en-US"/>
           </a:p>
@@ -3636,7 +3528,7 @@
     </p:spTree>
     <p:extLst>
       <p:ext uri="{BB962C8B-B14F-4D97-AF65-F5344CB8AC3E}">
-        <p14:creationId xmlns:p14="http://schemas.microsoft.com/office/powerpoint/2010/main" val="1313563080"/>
+        <p14:creationId xmlns:p14="http://schemas.microsoft.com/office/powerpoint/2010/main" val="4289331526"/>
       </p:ext>
     </p:extLst>
   </p:cSld>
@@ -3695,11 +3587,15 @@
             </a:pPr>
             <a:r>
               <a:rPr lang="zh-TW" altLang="en-US" dirty="0"/>
-              <a:t>介紹</a:t>
-            </a:r>
-            <a:r>
-              <a:rPr lang="en-US" altLang="zh-TW" dirty="0" err="1"/>
-              <a:t>ArrayList</a:t>
+              <a:t>如果沒有，</a:t>
+            </a:r>
+            <a:r>
+              <a:rPr lang="en-US" altLang="zh-TW" dirty="0"/>
+              <a:t>Sample</a:t>
+            </a:r>
+            <a:r>
+              <a:rPr lang="zh-TW" altLang="en-US" dirty="0"/>
+              <a:t>的程式如何實現</a:t>
             </a:r>
             <a:endParaRPr lang="en-US" altLang="zh-TW" dirty="0"/>
           </a:p>
@@ -3709,12 +3605,9 @@
             </a:pPr>
             <a:r>
               <a:rPr lang="zh-TW" altLang="en-US" dirty="0"/>
-              <a:t>帶入</a:t>
-            </a:r>
-            <a:r>
-              <a:rPr lang="en-US" altLang="zh-TW" dirty="0"/>
-              <a:t>sample</a:t>
-            </a:r>
+              <a:t>效能</a:t>
+            </a:r>
+            <a:endParaRPr lang="en-US" altLang="zh-TW" dirty="0"/>
           </a:p>
         </p:txBody>
       </p:sp>
@@ -3735,7 +3628,7 @@
           <a:p>
             <a:fld id="{29AC346C-D228-4D56-8760-3DE59CAAF494}" type="slidenum">
               <a:rPr lang="zh-TW" altLang="en-US" smtClean="0"/>
-              <a:t>7</a:t>
+              <a:t>6</a:t>
             </a:fld>
             <a:endParaRPr lang="zh-TW" altLang="en-US"/>
           </a:p>
@@ -3744,7 +3637,7 @@
     </p:spTree>
     <p:extLst>
       <p:ext uri="{BB962C8B-B14F-4D97-AF65-F5344CB8AC3E}">
-        <p14:creationId xmlns:p14="http://schemas.microsoft.com/office/powerpoint/2010/main" val="4289331526"/>
+        <p14:creationId xmlns:p14="http://schemas.microsoft.com/office/powerpoint/2010/main" val="851123306"/>
       </p:ext>
     </p:extLst>
   </p:cSld>
@@ -3803,25 +3696,7 @@
             </a:pPr>
             <a:r>
               <a:rPr lang="zh-TW" altLang="en-US" dirty="0"/>
-              <a:t>如果沒有，</a:t>
-            </a:r>
-            <a:r>
-              <a:rPr lang="en-US" altLang="zh-TW" dirty="0"/>
-              <a:t>Sample</a:t>
-            </a:r>
-            <a:r>
-              <a:rPr lang="zh-TW" altLang="en-US" dirty="0"/>
-              <a:t>的程式如何實現</a:t>
-            </a:r>
-            <a:endParaRPr lang="en-US" altLang="zh-TW" dirty="0"/>
-          </a:p>
-          <a:p>
-            <a:pPr marL="228600" indent="-228600">
-              <a:buAutoNum type="arabicPeriod"/>
-            </a:pPr>
-            <a:r>
-              <a:rPr lang="zh-TW" altLang="en-US" dirty="0"/>
-              <a:t>效能</a:t>
+              <a:t>說明導致的問題</a:t>
             </a:r>
             <a:endParaRPr lang="en-US" altLang="zh-TW" dirty="0"/>
           </a:p>
@@ -3844,7 +3719,7 @@
           <a:p>
             <a:fld id="{29AC346C-D228-4D56-8760-3DE59CAAF494}" type="slidenum">
               <a:rPr lang="zh-TW" altLang="en-US" smtClean="0"/>
-              <a:t>8</a:t>
+              <a:t>7</a:t>
             </a:fld>
             <a:endParaRPr lang="zh-TW" altLang="en-US"/>
           </a:p>
@@ -3853,7 +3728,7 @@
     </p:spTree>
     <p:extLst>
       <p:ext uri="{BB962C8B-B14F-4D97-AF65-F5344CB8AC3E}">
-        <p14:creationId xmlns:p14="http://schemas.microsoft.com/office/powerpoint/2010/main" val="851123306"/>
+        <p14:creationId xmlns:p14="http://schemas.microsoft.com/office/powerpoint/2010/main" val="2388725240"/>
       </p:ext>
     </p:extLst>
   </p:cSld>
@@ -3910,10 +3785,6 @@
             <a:pPr marL="228600" indent="-228600">
               <a:buAutoNum type="arabicPeriod"/>
             </a:pPr>
-            <a:r>
-              <a:rPr lang="zh-TW" altLang="en-US" dirty="0"/>
-              <a:t>說明導致的問題</a:t>
-            </a:r>
             <a:endParaRPr lang="en-US" altLang="zh-TW" dirty="0"/>
           </a:p>
         </p:txBody>
@@ -3935,7 +3806,7 @@
           <a:p>
             <a:fld id="{29AC346C-D228-4D56-8760-3DE59CAAF494}" type="slidenum">
               <a:rPr lang="zh-TW" altLang="en-US" smtClean="0"/>
-              <a:t>9</a:t>
+              <a:t>8</a:t>
             </a:fld>
             <a:endParaRPr lang="zh-TW" altLang="en-US"/>
           </a:p>
@@ -3944,7 +3815,7 @@
     </p:spTree>
     <p:extLst>
       <p:ext uri="{BB962C8B-B14F-4D97-AF65-F5344CB8AC3E}">
-        <p14:creationId xmlns:p14="http://schemas.microsoft.com/office/powerpoint/2010/main" val="2388725240"/>
+        <p14:creationId xmlns:p14="http://schemas.microsoft.com/office/powerpoint/2010/main" val="3406071272"/>
       </p:ext>
     </p:extLst>
   </p:cSld>
@@ -4022,7 +3893,7 @@
           <a:p>
             <a:fld id="{29AC346C-D228-4D56-8760-3DE59CAAF494}" type="slidenum">
               <a:rPr lang="zh-TW" altLang="en-US" smtClean="0"/>
-              <a:t>10</a:t>
+              <a:t>9</a:t>
             </a:fld>
             <a:endParaRPr lang="zh-TW" altLang="en-US"/>
           </a:p>
@@ -4031,7 +3902,7 @@
     </p:spTree>
     <p:extLst>
       <p:ext uri="{BB962C8B-B14F-4D97-AF65-F5344CB8AC3E}">
-        <p14:creationId xmlns:p14="http://schemas.microsoft.com/office/powerpoint/2010/main" val="3406071272"/>
+        <p14:creationId xmlns:p14="http://schemas.microsoft.com/office/powerpoint/2010/main" val="4283276512"/>
       </p:ext>
     </p:extLst>
   </p:cSld>
@@ -4109,7 +3980,7 @@
           <a:p>
             <a:fld id="{29AC346C-D228-4D56-8760-3DE59CAAF494}" type="slidenum">
               <a:rPr lang="zh-TW" altLang="en-US" smtClean="0"/>
-              <a:t>11</a:t>
+              <a:t>10</a:t>
             </a:fld>
             <a:endParaRPr lang="zh-TW" altLang="en-US"/>
           </a:p>
@@ -4118,7 +3989,7 @@
     </p:spTree>
     <p:extLst>
       <p:ext uri="{BB962C8B-B14F-4D97-AF65-F5344CB8AC3E}">
-        <p14:creationId xmlns:p14="http://schemas.microsoft.com/office/powerpoint/2010/main" val="4283276512"/>
+        <p14:creationId xmlns:p14="http://schemas.microsoft.com/office/powerpoint/2010/main" val="2591972138"/>
       </p:ext>
     </p:extLst>
   </p:cSld>
@@ -4196,7 +4067,7 @@
           <a:p>
             <a:fld id="{29AC346C-D228-4D56-8760-3DE59CAAF494}" type="slidenum">
               <a:rPr lang="zh-TW" altLang="en-US" smtClean="0"/>
-              <a:t>12</a:t>
+              <a:t>11</a:t>
             </a:fld>
             <a:endParaRPr lang="zh-TW" altLang="en-US"/>
           </a:p>
@@ -4205,7 +4076,7 @@
     </p:spTree>
     <p:extLst>
       <p:ext uri="{BB962C8B-B14F-4D97-AF65-F5344CB8AC3E}">
-        <p14:creationId xmlns:p14="http://schemas.microsoft.com/office/powerpoint/2010/main" val="2591972138"/>
+        <p14:creationId xmlns:p14="http://schemas.microsoft.com/office/powerpoint/2010/main" val="3109655924"/>
       </p:ext>
     </p:extLst>
   </p:cSld>
@@ -4937,7 +4808,7 @@
           <a:p>
             <a:fld id="{B597E090-3C1D-4A9D-8590-08B7B0908397}" type="datetimeFigureOut">
               <a:rPr lang="zh-TW" altLang="en-US" smtClean="0"/>
-              <a:t>2020/6/20</a:t>
+              <a:t>2025/01/02</a:t>
             </a:fld>
             <a:endParaRPr lang="zh-TW" altLang="en-US"/>
           </a:p>
@@ -5188,7 +5059,7 @@
           <a:p>
             <a:fld id="{B597E090-3C1D-4A9D-8590-08B7B0908397}" type="datetimeFigureOut">
               <a:rPr lang="zh-TW" altLang="en-US" smtClean="0"/>
-              <a:t>2020/6/20</a:t>
+              <a:t>2025/01/02</a:t>
             </a:fld>
             <a:endParaRPr lang="zh-TW" altLang="en-US"/>
           </a:p>
@@ -5502,7 +5373,7 @@
           <a:p>
             <a:fld id="{B597E090-3C1D-4A9D-8590-08B7B0908397}" type="datetimeFigureOut">
               <a:rPr lang="zh-TW" altLang="en-US" smtClean="0"/>
-              <a:t>2020/6/20</a:t>
+              <a:t>2025/01/02</a:t>
             </a:fld>
             <a:endParaRPr lang="zh-TW" altLang="en-US"/>
           </a:p>
@@ -5843,7 +5714,7 @@
           <a:p>
             <a:fld id="{B597E090-3C1D-4A9D-8590-08B7B0908397}" type="datetimeFigureOut">
               <a:rPr lang="zh-TW" altLang="en-US" smtClean="0"/>
-              <a:t>2020/6/20</a:t>
+              <a:t>2025/01/02</a:t>
             </a:fld>
             <a:endParaRPr lang="zh-TW" altLang="en-US"/>
           </a:p>
@@ -6157,7 +6028,7 @@
           <a:p>
             <a:fld id="{B597E090-3C1D-4A9D-8590-08B7B0908397}" type="datetimeFigureOut">
               <a:rPr lang="zh-TW" altLang="en-US" smtClean="0"/>
-              <a:t>2020/6/20</a:t>
+              <a:t>2025/01/02</a:t>
             </a:fld>
             <a:endParaRPr lang="zh-TW" altLang="en-US"/>
           </a:p>
@@ -6550,7 +6421,7 @@
           <a:p>
             <a:fld id="{B597E090-3C1D-4A9D-8590-08B7B0908397}" type="datetimeFigureOut">
               <a:rPr lang="zh-TW" altLang="en-US" smtClean="0"/>
-              <a:t>2020/6/20</a:t>
+              <a:t>2025/01/02</a:t>
             </a:fld>
             <a:endParaRPr lang="zh-TW" altLang="en-US"/>
           </a:p>
@@ -6720,7 +6591,7 @@
           <a:p>
             <a:fld id="{B597E090-3C1D-4A9D-8590-08B7B0908397}" type="datetimeFigureOut">
               <a:rPr lang="zh-TW" altLang="en-US" smtClean="0"/>
-              <a:t>2020/6/20</a:t>
+              <a:t>2025/01/02</a:t>
             </a:fld>
             <a:endParaRPr lang="zh-TW" altLang="en-US"/>
           </a:p>
@@ -6900,7 +6771,7 @@
           <a:p>
             <a:fld id="{B597E090-3C1D-4A9D-8590-08B7B0908397}" type="datetimeFigureOut">
               <a:rPr lang="zh-TW" altLang="en-US" smtClean="0"/>
-              <a:t>2020/6/20</a:t>
+              <a:t>2025/01/02</a:t>
             </a:fld>
             <a:endParaRPr lang="zh-TW" altLang="en-US"/>
           </a:p>
@@ -7076,7 +6947,7 @@
           <a:p>
             <a:fld id="{B597E090-3C1D-4A9D-8590-08B7B0908397}" type="datetimeFigureOut">
               <a:rPr lang="zh-TW" altLang="en-US" smtClean="0"/>
-              <a:t>2020/6/20</a:t>
+              <a:t>2025/01/02</a:t>
             </a:fld>
             <a:endParaRPr lang="zh-TW" altLang="en-US"/>
           </a:p>
@@ -7323,7 +7194,7 @@
           <a:p>
             <a:fld id="{B597E090-3C1D-4A9D-8590-08B7B0908397}" type="datetimeFigureOut">
               <a:rPr lang="zh-TW" altLang="en-US" smtClean="0"/>
-              <a:t>2020/6/20</a:t>
+              <a:t>2025/01/02</a:t>
             </a:fld>
             <a:endParaRPr lang="zh-TW" altLang="en-US"/>
           </a:p>
@@ -7555,7 +7426,7 @@
           <a:p>
             <a:fld id="{B597E090-3C1D-4A9D-8590-08B7B0908397}" type="datetimeFigureOut">
               <a:rPr lang="zh-TW" altLang="en-US" smtClean="0"/>
-              <a:t>2020/6/20</a:t>
+              <a:t>2025/01/02</a:t>
             </a:fld>
             <a:endParaRPr lang="zh-TW" altLang="en-US"/>
           </a:p>
@@ -7929,7 +7800,7 @@
           <a:p>
             <a:fld id="{B597E090-3C1D-4A9D-8590-08B7B0908397}" type="datetimeFigureOut">
               <a:rPr lang="zh-TW" altLang="en-US" smtClean="0"/>
-              <a:t>2020/6/20</a:t>
+              <a:t>2025/01/02</a:t>
             </a:fld>
             <a:endParaRPr lang="zh-TW" altLang="en-US"/>
           </a:p>
@@ -8052,7 +7923,7 @@
           <a:p>
             <a:fld id="{B597E090-3C1D-4A9D-8590-08B7B0908397}" type="datetimeFigureOut">
               <a:rPr lang="zh-TW" altLang="en-US" smtClean="0"/>
-              <a:t>2020/6/20</a:t>
+              <a:t>2025/01/02</a:t>
             </a:fld>
             <a:endParaRPr lang="zh-TW" altLang="en-US"/>
           </a:p>
@@ -8147,7 +8018,7 @@
           <a:p>
             <a:fld id="{B597E090-3C1D-4A9D-8590-08B7B0908397}" type="datetimeFigureOut">
               <a:rPr lang="zh-TW" altLang="en-US" smtClean="0"/>
-              <a:t>2020/6/20</a:t>
+              <a:t>2025/01/02</a:t>
             </a:fld>
             <a:endParaRPr lang="zh-TW" altLang="en-US"/>
           </a:p>
@@ -8402,7 +8273,7 @@
           <a:p>
             <a:fld id="{B597E090-3C1D-4A9D-8590-08B7B0908397}" type="datetimeFigureOut">
               <a:rPr lang="zh-TW" altLang="en-US" smtClean="0"/>
-              <a:t>2020/6/20</a:t>
+              <a:t>2025/01/02</a:t>
             </a:fld>
             <a:endParaRPr lang="zh-TW" altLang="en-US"/>
           </a:p>
@@ -8665,7 +8536,7 @@
           <a:p>
             <a:fld id="{B597E090-3C1D-4A9D-8590-08B7B0908397}" type="datetimeFigureOut">
               <a:rPr lang="zh-TW" altLang="en-US" smtClean="0"/>
-              <a:t>2020/6/20</a:t>
+              <a:t>2025/01/02</a:t>
             </a:fld>
             <a:endParaRPr lang="zh-TW" altLang="en-US"/>
           </a:p>
@@ -9408,7 +9279,7 @@
           <a:p>
             <a:fld id="{B597E090-3C1D-4A9D-8590-08B7B0908397}" type="datetimeFigureOut">
               <a:rPr lang="zh-TW" altLang="en-US" smtClean="0"/>
-              <a:t>2020/6/20</a:t>
+              <a:t>2025/01/02</a:t>
             </a:fld>
             <a:endParaRPr lang="zh-TW" altLang="en-US"/>
           </a:p>
@@ -9994,7 +9865,7 @@
           <a:p>
             <a:r>
               <a:rPr lang="en-US" altLang="zh-TW" dirty="0"/>
-              <a:t>2019/11/11</a:t>
+              <a:t>2025/01/02</a:t>
             </a:r>
             <a:endParaRPr lang="zh-TW" altLang="en-US" dirty="0"/>
           </a:p>
@@ -10014,6 +9885,2745 @@
 </file>
 
 <file path=ppt/slides/slide10.xml><?xml version="1.0" encoding="utf-8"?>
+<p:sld xmlns:a="http://schemas.openxmlformats.org/drawingml/2006/main" xmlns:r="http://schemas.openxmlformats.org/officeDocument/2006/relationships" xmlns:p="http://schemas.openxmlformats.org/presentationml/2006/main">
+  <p:cSld>
+    <p:spTree>
+      <p:nvGrpSpPr>
+        <p:cNvPr id="1" name=""/>
+        <p:cNvGrpSpPr/>
+        <p:nvPr/>
+      </p:nvGrpSpPr>
+      <p:grpSpPr>
+        <a:xfrm>
+          <a:off x="0" y="0"/>
+          <a:ext cx="0" cy="0"/>
+          <a:chOff x="0" y="0"/>
+          <a:chExt cx="0" cy="0"/>
+        </a:xfrm>
+      </p:grpSpPr>
+      <p:sp>
+        <p:nvSpPr>
+          <p:cNvPr id="2" name="標題 1">
+            <a:extLst>
+              <a:ext uri="{FF2B5EF4-FFF2-40B4-BE49-F238E27FC236}">
+                <a16:creationId xmlns:a16="http://schemas.microsoft.com/office/drawing/2014/main" id="{51AAE519-7BCD-4D8C-B614-B9283C20DB33}"/>
+              </a:ext>
+            </a:extLst>
+          </p:cNvPr>
+          <p:cNvSpPr>
+            <a:spLocks noGrp="1"/>
+          </p:cNvSpPr>
+          <p:nvPr>
+            <p:ph type="title"/>
+          </p:nvPr>
+        </p:nvSpPr>
+        <p:spPr/>
+        <p:txBody>
+          <a:bodyPr/>
+          <a:lstStyle/>
+          <a:p>
+            <a:r>
+              <a:rPr lang="en-US" altLang="zh-TW" dirty="0"/>
+              <a:t>Boxing</a:t>
+            </a:r>
+            <a:r>
+              <a:rPr lang="zh-TW" altLang="en-US" dirty="0"/>
+              <a:t>、</a:t>
+            </a:r>
+            <a:r>
+              <a:rPr lang="en-US" altLang="zh-TW" dirty="0"/>
+              <a:t> Unboxing</a:t>
+            </a:r>
+          </a:p>
+        </p:txBody>
+      </p:sp>
+      <p:sp>
+        <p:nvSpPr>
+          <p:cNvPr id="3" name="內容版面配置區 2">
+            <a:extLst>
+              <a:ext uri="{FF2B5EF4-FFF2-40B4-BE49-F238E27FC236}">
+                <a16:creationId xmlns:a16="http://schemas.microsoft.com/office/drawing/2014/main" id="{7467E32A-E302-401F-A84B-B6842F2EC954}"/>
+              </a:ext>
+            </a:extLst>
+          </p:cNvPr>
+          <p:cNvSpPr>
+            <a:spLocks noGrp="1"/>
+          </p:cNvSpPr>
+          <p:nvPr>
+            <p:ph idx="1"/>
+          </p:nvPr>
+        </p:nvSpPr>
+        <p:spPr/>
+        <p:txBody>
+          <a:bodyPr/>
+          <a:lstStyle/>
+          <a:p>
+            <a:r>
+              <a:rPr lang="zh-TW" altLang="en-US" dirty="0"/>
+              <a:t>造成的效能問題？</a:t>
+            </a:r>
+            <a:endParaRPr lang="en-US" altLang="zh-TW" dirty="0"/>
+          </a:p>
+          <a:p>
+            <a:r>
+              <a:rPr lang="zh-TW" altLang="en-US" dirty="0"/>
+              <a:t>使用上的問題？</a:t>
+            </a:r>
+            <a:endParaRPr lang="en-US" altLang="zh-TW" dirty="0"/>
+          </a:p>
+        </p:txBody>
+      </p:sp>
+      <p:sp>
+        <p:nvSpPr>
+          <p:cNvPr id="4" name="文字方塊 3">
+            <a:extLst>
+              <a:ext uri="{FF2B5EF4-FFF2-40B4-BE49-F238E27FC236}">
+                <a16:creationId xmlns:a16="http://schemas.microsoft.com/office/drawing/2014/main" id="{F6306F26-DFF1-41CC-85C6-343A5FCE5582}"/>
+              </a:ext>
+            </a:extLst>
+          </p:cNvPr>
+          <p:cNvSpPr txBox="1"/>
+          <p:nvPr/>
+        </p:nvSpPr>
+        <p:spPr>
+          <a:xfrm>
+            <a:off x="6096000" y="5672030"/>
+            <a:ext cx="2762250" cy="646331"/>
+          </a:xfrm>
+          <a:prstGeom prst="rect">
+            <a:avLst/>
+          </a:prstGeom>
+          <a:noFill/>
+        </p:spPr>
+        <p:txBody>
+          <a:bodyPr wrap="square" rtlCol="0">
+            <a:spAutoFit/>
+          </a:bodyPr>
+          <a:lstStyle/>
+          <a:p>
+            <a:r>
+              <a:rPr lang="en-US" altLang="zh-TW" dirty="0"/>
+              <a:t>GenericSample_5</a:t>
+            </a:r>
+          </a:p>
+          <a:p>
+            <a:r>
+              <a:rPr lang="en-US" altLang="zh-TW" dirty="0"/>
+              <a:t>GenericSample_05_1</a:t>
+            </a:r>
+            <a:endParaRPr lang="zh-TW" altLang="en-US" dirty="0"/>
+          </a:p>
+        </p:txBody>
+      </p:sp>
+    </p:spTree>
+    <p:extLst>
+      <p:ext uri="{BB962C8B-B14F-4D97-AF65-F5344CB8AC3E}">
+        <p14:creationId xmlns:p14="http://schemas.microsoft.com/office/powerpoint/2010/main" val="2659107768"/>
+      </p:ext>
+    </p:extLst>
+  </p:cSld>
+  <p:clrMapOvr>
+    <a:masterClrMapping/>
+  </p:clrMapOvr>
+</p:sld>
+</file>
+
+<file path=ppt/slides/slide11.xml><?xml version="1.0" encoding="utf-8"?>
+<p:sld xmlns:a="http://schemas.openxmlformats.org/drawingml/2006/main" xmlns:r="http://schemas.openxmlformats.org/officeDocument/2006/relationships" xmlns:p="http://schemas.openxmlformats.org/presentationml/2006/main">
+  <p:cSld>
+    <p:spTree>
+      <p:nvGrpSpPr>
+        <p:cNvPr id="1" name=""/>
+        <p:cNvGrpSpPr/>
+        <p:nvPr/>
+      </p:nvGrpSpPr>
+      <p:grpSpPr>
+        <a:xfrm>
+          <a:off x="0" y="0"/>
+          <a:ext cx="0" cy="0"/>
+          <a:chOff x="0" y="0"/>
+          <a:chExt cx="0" cy="0"/>
+        </a:xfrm>
+      </p:grpSpPr>
+      <p:sp>
+        <p:nvSpPr>
+          <p:cNvPr id="2" name="標題 1">
+            <a:extLst>
+              <a:ext uri="{FF2B5EF4-FFF2-40B4-BE49-F238E27FC236}">
+                <a16:creationId xmlns:a16="http://schemas.microsoft.com/office/drawing/2014/main" id="{51AAE519-7BCD-4D8C-B614-B9283C20DB33}"/>
+              </a:ext>
+            </a:extLst>
+          </p:cNvPr>
+          <p:cNvSpPr>
+            <a:spLocks noGrp="1"/>
+          </p:cNvSpPr>
+          <p:nvPr>
+            <p:ph type="title"/>
+          </p:nvPr>
+        </p:nvSpPr>
+        <p:spPr/>
+        <p:txBody>
+          <a:bodyPr/>
+          <a:lstStyle/>
+          <a:p>
+            <a:r>
+              <a:rPr lang="zh-TW" altLang="en-US" dirty="0"/>
+              <a:t>泛型</a:t>
+            </a:r>
+          </a:p>
+        </p:txBody>
+      </p:sp>
+      <p:sp>
+        <p:nvSpPr>
+          <p:cNvPr id="3" name="內容版面配置區 2">
+            <a:extLst>
+              <a:ext uri="{FF2B5EF4-FFF2-40B4-BE49-F238E27FC236}">
+                <a16:creationId xmlns:a16="http://schemas.microsoft.com/office/drawing/2014/main" id="{7467E32A-E302-401F-A84B-B6842F2EC954}"/>
+              </a:ext>
+            </a:extLst>
+          </p:cNvPr>
+          <p:cNvSpPr>
+            <a:spLocks noGrp="1"/>
+          </p:cNvSpPr>
+          <p:nvPr>
+            <p:ph idx="1"/>
+          </p:nvPr>
+        </p:nvSpPr>
+        <p:spPr/>
+        <p:txBody>
+          <a:bodyPr/>
+          <a:lstStyle/>
+          <a:p>
+            <a:r>
+              <a:rPr lang="en-US" altLang="zh-TW" dirty="0"/>
+              <a:t>Member</a:t>
+            </a:r>
+          </a:p>
+          <a:p>
+            <a:pPr lvl="1"/>
+            <a:r>
+              <a:rPr lang="en-US" altLang="zh-TW" dirty="0"/>
+              <a:t>Class</a:t>
+            </a:r>
+          </a:p>
+          <a:p>
+            <a:pPr lvl="1"/>
+            <a:r>
+              <a:rPr lang="en-US" altLang="zh-TW" dirty="0"/>
+              <a:t>Interface</a:t>
+            </a:r>
+          </a:p>
+          <a:p>
+            <a:pPr lvl="1"/>
+            <a:r>
+              <a:rPr lang="en-US" altLang="zh-TW" dirty="0"/>
+              <a:t>Method</a:t>
+            </a:r>
+          </a:p>
+          <a:p>
+            <a:pPr lvl="1"/>
+            <a:r>
+              <a:rPr lang="en-US" altLang="zh-TW" dirty="0"/>
+              <a:t>Delegate</a:t>
+            </a:r>
+          </a:p>
+          <a:p>
+            <a:pPr lvl="1"/>
+            <a:r>
+              <a:rPr lang="en-US" altLang="zh-TW" dirty="0"/>
+              <a:t>Field</a:t>
+            </a:r>
+          </a:p>
+          <a:p>
+            <a:pPr lvl="1"/>
+            <a:r>
+              <a:rPr lang="en-US" altLang="zh-TW" dirty="0"/>
+              <a:t>Property</a:t>
+            </a:r>
+          </a:p>
+        </p:txBody>
+      </p:sp>
+      <p:sp>
+        <p:nvSpPr>
+          <p:cNvPr id="4" name="文字方塊 3">
+            <a:extLst>
+              <a:ext uri="{FF2B5EF4-FFF2-40B4-BE49-F238E27FC236}">
+                <a16:creationId xmlns:a16="http://schemas.microsoft.com/office/drawing/2014/main" id="{56C408CD-08CF-4CEA-B566-E56532FCD5A4}"/>
+              </a:ext>
+            </a:extLst>
+          </p:cNvPr>
+          <p:cNvSpPr txBox="1"/>
+          <p:nvPr/>
+        </p:nvSpPr>
+        <p:spPr>
+          <a:xfrm>
+            <a:off x="6096000" y="5672030"/>
+            <a:ext cx="2005263" cy="369332"/>
+          </a:xfrm>
+          <a:prstGeom prst="rect">
+            <a:avLst/>
+          </a:prstGeom>
+          <a:noFill/>
+        </p:spPr>
+        <p:txBody>
+          <a:bodyPr wrap="square" rtlCol="0">
+            <a:spAutoFit/>
+          </a:bodyPr>
+          <a:lstStyle/>
+          <a:p>
+            <a:r>
+              <a:rPr lang="en-US" altLang="zh-TW" dirty="0"/>
+              <a:t>GenericSample_6</a:t>
+            </a:r>
+            <a:endParaRPr lang="zh-TW" altLang="en-US" dirty="0"/>
+          </a:p>
+        </p:txBody>
+      </p:sp>
+    </p:spTree>
+    <p:extLst>
+      <p:ext uri="{BB962C8B-B14F-4D97-AF65-F5344CB8AC3E}">
+        <p14:creationId xmlns:p14="http://schemas.microsoft.com/office/powerpoint/2010/main" val="3805626618"/>
+      </p:ext>
+    </p:extLst>
+  </p:cSld>
+  <p:clrMapOvr>
+    <a:masterClrMapping/>
+  </p:clrMapOvr>
+</p:sld>
+</file>
+
+<file path=ppt/slides/slide12.xml><?xml version="1.0" encoding="utf-8"?>
+<p:sld xmlns:a="http://schemas.openxmlformats.org/drawingml/2006/main" xmlns:r="http://schemas.openxmlformats.org/officeDocument/2006/relationships" xmlns:p="http://schemas.openxmlformats.org/presentationml/2006/main">
+  <p:cSld>
+    <p:spTree>
+      <p:nvGrpSpPr>
+        <p:cNvPr id="1" name=""/>
+        <p:cNvGrpSpPr/>
+        <p:nvPr/>
+      </p:nvGrpSpPr>
+      <p:grpSpPr>
+        <a:xfrm>
+          <a:off x="0" y="0"/>
+          <a:ext cx="0" cy="0"/>
+          <a:chOff x="0" y="0"/>
+          <a:chExt cx="0" cy="0"/>
+        </a:xfrm>
+      </p:grpSpPr>
+      <p:sp>
+        <p:nvSpPr>
+          <p:cNvPr id="2" name="標題 1">
+            <a:extLst>
+              <a:ext uri="{FF2B5EF4-FFF2-40B4-BE49-F238E27FC236}">
+                <a16:creationId xmlns:a16="http://schemas.microsoft.com/office/drawing/2014/main" id="{51AAE519-7BCD-4D8C-B614-B9283C20DB33}"/>
+              </a:ext>
+            </a:extLst>
+          </p:cNvPr>
+          <p:cNvSpPr>
+            <a:spLocks noGrp="1"/>
+          </p:cNvSpPr>
+          <p:nvPr>
+            <p:ph type="title"/>
+          </p:nvPr>
+        </p:nvSpPr>
+        <p:spPr/>
+        <p:txBody>
+          <a:bodyPr/>
+          <a:lstStyle/>
+          <a:p>
+            <a:r>
+              <a:rPr lang="zh-TW" altLang="en-US" dirty="0"/>
+              <a:t>泛型</a:t>
+            </a:r>
+          </a:p>
+        </p:txBody>
+      </p:sp>
+      <p:sp>
+        <p:nvSpPr>
+          <p:cNvPr id="3" name="內容版面配置區 2">
+            <a:extLst>
+              <a:ext uri="{FF2B5EF4-FFF2-40B4-BE49-F238E27FC236}">
+                <a16:creationId xmlns:a16="http://schemas.microsoft.com/office/drawing/2014/main" id="{7467E32A-E302-401F-A84B-B6842F2EC954}"/>
+              </a:ext>
+            </a:extLst>
+          </p:cNvPr>
+          <p:cNvSpPr>
+            <a:spLocks noGrp="1"/>
+          </p:cNvSpPr>
+          <p:nvPr>
+            <p:ph idx="1"/>
+          </p:nvPr>
+        </p:nvSpPr>
+        <p:spPr/>
+        <p:txBody>
+          <a:bodyPr/>
+          <a:lstStyle/>
+          <a:p>
+            <a:r>
+              <a:rPr lang="en-US" altLang="zh-TW" dirty="0"/>
+              <a:t>&lt;T&gt;</a:t>
+            </a:r>
+          </a:p>
+          <a:p>
+            <a:r>
+              <a:rPr lang="en-US" altLang="zh-TW" dirty="0"/>
+              <a:t>Type Parameter</a:t>
+            </a:r>
+          </a:p>
+          <a:p>
+            <a:r>
+              <a:rPr lang="en-US" altLang="zh-TW" dirty="0"/>
+              <a:t>Type Argument</a:t>
+            </a:r>
+          </a:p>
+        </p:txBody>
+      </p:sp>
+      <p:sp>
+        <p:nvSpPr>
+          <p:cNvPr id="4" name="文字方塊 3">
+            <a:extLst>
+              <a:ext uri="{FF2B5EF4-FFF2-40B4-BE49-F238E27FC236}">
+                <a16:creationId xmlns:a16="http://schemas.microsoft.com/office/drawing/2014/main" id="{BE89AA13-4576-4C34-95FD-7D815E571201}"/>
+              </a:ext>
+            </a:extLst>
+          </p:cNvPr>
+          <p:cNvSpPr txBox="1"/>
+          <p:nvPr/>
+        </p:nvSpPr>
+        <p:spPr>
+          <a:xfrm>
+            <a:off x="6096000" y="5672030"/>
+            <a:ext cx="2005263" cy="369332"/>
+          </a:xfrm>
+          <a:prstGeom prst="rect">
+            <a:avLst/>
+          </a:prstGeom>
+          <a:noFill/>
+        </p:spPr>
+        <p:txBody>
+          <a:bodyPr wrap="square" rtlCol="0">
+            <a:spAutoFit/>
+          </a:bodyPr>
+          <a:lstStyle/>
+          <a:p>
+            <a:r>
+              <a:rPr lang="en-US" altLang="zh-TW" dirty="0"/>
+              <a:t>GenericSample_7</a:t>
+            </a:r>
+            <a:endParaRPr lang="zh-TW" altLang="en-US" dirty="0"/>
+          </a:p>
+        </p:txBody>
+      </p:sp>
+    </p:spTree>
+    <p:extLst>
+      <p:ext uri="{BB962C8B-B14F-4D97-AF65-F5344CB8AC3E}">
+        <p14:creationId xmlns:p14="http://schemas.microsoft.com/office/powerpoint/2010/main" val="2354601846"/>
+      </p:ext>
+    </p:extLst>
+  </p:cSld>
+  <p:clrMapOvr>
+    <a:masterClrMapping/>
+  </p:clrMapOvr>
+</p:sld>
+</file>
+
+<file path=ppt/slides/slide13.xml><?xml version="1.0" encoding="utf-8"?>
+<p:sld xmlns:a="http://schemas.openxmlformats.org/drawingml/2006/main" xmlns:r="http://schemas.openxmlformats.org/officeDocument/2006/relationships" xmlns:p="http://schemas.openxmlformats.org/presentationml/2006/main">
+  <p:cSld>
+    <p:spTree>
+      <p:nvGrpSpPr>
+        <p:cNvPr id="1" name=""/>
+        <p:cNvGrpSpPr/>
+        <p:nvPr/>
+      </p:nvGrpSpPr>
+      <p:grpSpPr>
+        <a:xfrm>
+          <a:off x="0" y="0"/>
+          <a:ext cx="0" cy="0"/>
+          <a:chOff x="0" y="0"/>
+          <a:chExt cx="0" cy="0"/>
+        </a:xfrm>
+      </p:grpSpPr>
+      <p:sp>
+        <p:nvSpPr>
+          <p:cNvPr id="2" name="標題 1">
+            <a:extLst>
+              <a:ext uri="{FF2B5EF4-FFF2-40B4-BE49-F238E27FC236}">
+                <a16:creationId xmlns:a16="http://schemas.microsoft.com/office/drawing/2014/main" id="{51AAE519-7BCD-4D8C-B614-B9283C20DB33}"/>
+              </a:ext>
+            </a:extLst>
+          </p:cNvPr>
+          <p:cNvSpPr>
+            <a:spLocks noGrp="1"/>
+          </p:cNvSpPr>
+          <p:nvPr>
+            <p:ph type="title"/>
+          </p:nvPr>
+        </p:nvSpPr>
+        <p:spPr/>
+        <p:txBody>
+          <a:bodyPr/>
+          <a:lstStyle/>
+          <a:p>
+            <a:r>
+              <a:rPr lang="zh-TW" altLang="en-US"/>
+              <a:t>泛型</a:t>
+            </a:r>
+            <a:endParaRPr lang="en-US" altLang="zh-TW"/>
+          </a:p>
+        </p:txBody>
+      </p:sp>
+      <p:sp>
+        <p:nvSpPr>
+          <p:cNvPr id="3" name="內容版面配置區 2">
+            <a:extLst>
+              <a:ext uri="{FF2B5EF4-FFF2-40B4-BE49-F238E27FC236}">
+                <a16:creationId xmlns:a16="http://schemas.microsoft.com/office/drawing/2014/main" id="{7467E32A-E302-401F-A84B-B6842F2EC954}"/>
+              </a:ext>
+            </a:extLst>
+          </p:cNvPr>
+          <p:cNvSpPr>
+            <a:spLocks noGrp="1"/>
+          </p:cNvSpPr>
+          <p:nvPr>
+            <p:ph idx="1"/>
+          </p:nvPr>
+        </p:nvSpPr>
+        <p:spPr/>
+        <p:txBody>
+          <a:bodyPr/>
+          <a:lstStyle/>
+          <a:p>
+            <a:r>
+              <a:rPr lang="zh-TW" altLang="en-US"/>
+              <a:t>自動推斷</a:t>
+            </a:r>
+            <a:r>
+              <a:rPr lang="en-US" altLang="zh-TW"/>
+              <a:t>&lt;T&gt;</a:t>
+            </a:r>
+            <a:r>
+              <a:rPr lang="zh-TW" altLang="en-US"/>
+              <a:t>的類型</a:t>
+            </a:r>
+            <a:endParaRPr lang="en-US" altLang="zh-TW"/>
+          </a:p>
+        </p:txBody>
+      </p:sp>
+      <p:sp>
+        <p:nvSpPr>
+          <p:cNvPr id="4" name="文字方塊 3">
+            <a:extLst>
+              <a:ext uri="{FF2B5EF4-FFF2-40B4-BE49-F238E27FC236}">
+                <a16:creationId xmlns:a16="http://schemas.microsoft.com/office/drawing/2014/main" id="{4C94C593-A8F7-44B4-A9C9-16481311C2C7}"/>
+              </a:ext>
+            </a:extLst>
+          </p:cNvPr>
+          <p:cNvSpPr txBox="1"/>
+          <p:nvPr/>
+        </p:nvSpPr>
+        <p:spPr>
+          <a:xfrm>
+            <a:off x="6096000" y="5672030"/>
+            <a:ext cx="2005263" cy="369332"/>
+          </a:xfrm>
+          <a:prstGeom prst="rect">
+            <a:avLst/>
+          </a:prstGeom>
+          <a:noFill/>
+        </p:spPr>
+        <p:txBody>
+          <a:bodyPr wrap="square" rtlCol="0">
+            <a:spAutoFit/>
+          </a:bodyPr>
+          <a:lstStyle/>
+          <a:p>
+            <a:r>
+              <a:rPr lang="en-US" altLang="zh-TW" dirty="0"/>
+              <a:t>GenericSample_8</a:t>
+            </a:r>
+            <a:endParaRPr lang="zh-TW" altLang="en-US" dirty="0"/>
+          </a:p>
+        </p:txBody>
+      </p:sp>
+    </p:spTree>
+    <p:extLst>
+      <p:ext uri="{BB962C8B-B14F-4D97-AF65-F5344CB8AC3E}">
+        <p14:creationId xmlns:p14="http://schemas.microsoft.com/office/powerpoint/2010/main" val="2711485464"/>
+      </p:ext>
+    </p:extLst>
+  </p:cSld>
+  <p:clrMapOvr>
+    <a:masterClrMapping/>
+  </p:clrMapOvr>
+</p:sld>
+</file>
+
+<file path=ppt/slides/slide14.xml><?xml version="1.0" encoding="utf-8"?>
+<p:sld xmlns:a="http://schemas.openxmlformats.org/drawingml/2006/main" xmlns:r="http://schemas.openxmlformats.org/officeDocument/2006/relationships" xmlns:p="http://schemas.openxmlformats.org/presentationml/2006/main">
+  <p:cSld>
+    <p:spTree>
+      <p:nvGrpSpPr>
+        <p:cNvPr id="1" name=""/>
+        <p:cNvGrpSpPr/>
+        <p:nvPr/>
+      </p:nvGrpSpPr>
+      <p:grpSpPr>
+        <a:xfrm>
+          <a:off x="0" y="0"/>
+          <a:ext cx="0" cy="0"/>
+          <a:chOff x="0" y="0"/>
+          <a:chExt cx="0" cy="0"/>
+        </a:xfrm>
+      </p:grpSpPr>
+      <p:sp>
+        <p:nvSpPr>
+          <p:cNvPr id="2" name="標題 1">
+            <a:extLst>
+              <a:ext uri="{FF2B5EF4-FFF2-40B4-BE49-F238E27FC236}">
+                <a16:creationId xmlns:a16="http://schemas.microsoft.com/office/drawing/2014/main" id="{51AAE519-7BCD-4D8C-B614-B9283C20DB33}"/>
+              </a:ext>
+            </a:extLst>
+          </p:cNvPr>
+          <p:cNvSpPr>
+            <a:spLocks noGrp="1"/>
+          </p:cNvSpPr>
+          <p:nvPr>
+            <p:ph type="title"/>
+          </p:nvPr>
+        </p:nvSpPr>
+        <p:spPr/>
+        <p:txBody>
+          <a:bodyPr/>
+          <a:lstStyle/>
+          <a:p>
+            <a:r>
+              <a:rPr lang="zh-TW" altLang="en-US" dirty="0"/>
+              <a:t>不同</a:t>
+            </a:r>
+            <a:r>
+              <a:rPr lang="en-US" altLang="zh-TW" dirty="0"/>
+              <a:t>type</a:t>
+            </a:r>
+            <a:r>
+              <a:rPr lang="zh-TW" altLang="en-US" dirty="0"/>
+              <a:t>的</a:t>
+            </a:r>
+            <a:r>
+              <a:rPr lang="en-US" altLang="zh-TW" dirty="0"/>
+              <a:t>&lt;T&gt;</a:t>
+            </a:r>
+            <a:r>
+              <a:rPr lang="zh-TW" altLang="en-US" dirty="0"/>
+              <a:t>是相同型別嗎？</a:t>
+            </a:r>
+          </a:p>
+        </p:txBody>
+      </p:sp>
+      <p:sp>
+        <p:nvSpPr>
+          <p:cNvPr id="3" name="內容版面配置區 2">
+            <a:extLst>
+              <a:ext uri="{FF2B5EF4-FFF2-40B4-BE49-F238E27FC236}">
+                <a16:creationId xmlns:a16="http://schemas.microsoft.com/office/drawing/2014/main" id="{7467E32A-E302-401F-A84B-B6842F2EC954}"/>
+              </a:ext>
+            </a:extLst>
+          </p:cNvPr>
+          <p:cNvSpPr>
+            <a:spLocks noGrp="1"/>
+          </p:cNvSpPr>
+          <p:nvPr>
+            <p:ph idx="1"/>
+          </p:nvPr>
+        </p:nvSpPr>
+        <p:spPr/>
+        <p:txBody>
+          <a:bodyPr/>
+          <a:lstStyle/>
+          <a:p>
+            <a:r>
+              <a:rPr lang="en-US" altLang="zh-TW" dirty="0"/>
+              <a:t>Ex:</a:t>
+            </a:r>
+          </a:p>
+          <a:p>
+            <a:r>
+              <a:rPr lang="en-US" altLang="zh-TW" dirty="0" err="1"/>
+              <a:t>MyClass</a:t>
+            </a:r>
+            <a:r>
+              <a:rPr lang="en-US" altLang="zh-TW" dirty="0"/>
+              <a:t>&lt;int&gt;</a:t>
+            </a:r>
+          </a:p>
+          <a:p>
+            <a:r>
+              <a:rPr lang="en-US" altLang="zh-TW" dirty="0" err="1"/>
+              <a:t>MyClass</a:t>
+            </a:r>
+            <a:r>
+              <a:rPr lang="en-US" altLang="zh-TW" dirty="0"/>
+              <a:t>&lt;string&gt;</a:t>
+            </a:r>
+          </a:p>
+        </p:txBody>
+      </p:sp>
+    </p:spTree>
+    <p:extLst>
+      <p:ext uri="{BB962C8B-B14F-4D97-AF65-F5344CB8AC3E}">
+        <p14:creationId xmlns:p14="http://schemas.microsoft.com/office/powerpoint/2010/main" val="3823825571"/>
+      </p:ext>
+    </p:extLst>
+  </p:cSld>
+  <p:clrMapOvr>
+    <a:masterClrMapping/>
+  </p:clrMapOvr>
+</p:sld>
+</file>
+
+<file path=ppt/slides/slide15.xml><?xml version="1.0" encoding="utf-8"?>
+<p:sld xmlns:a="http://schemas.openxmlformats.org/drawingml/2006/main" xmlns:r="http://schemas.openxmlformats.org/officeDocument/2006/relationships" xmlns:p="http://schemas.openxmlformats.org/presentationml/2006/main">
+  <p:cSld>
+    <p:spTree>
+      <p:nvGrpSpPr>
+        <p:cNvPr id="1" name=""/>
+        <p:cNvGrpSpPr/>
+        <p:nvPr/>
+      </p:nvGrpSpPr>
+      <p:grpSpPr>
+        <a:xfrm>
+          <a:off x="0" y="0"/>
+          <a:ext cx="0" cy="0"/>
+          <a:chOff x="0" y="0"/>
+          <a:chExt cx="0" cy="0"/>
+        </a:xfrm>
+      </p:grpSpPr>
+      <p:sp>
+        <p:nvSpPr>
+          <p:cNvPr id="2" name="標題 1">
+            <a:extLst>
+              <a:ext uri="{FF2B5EF4-FFF2-40B4-BE49-F238E27FC236}">
+                <a16:creationId xmlns:a16="http://schemas.microsoft.com/office/drawing/2014/main" id="{51AAE519-7BCD-4D8C-B614-B9283C20DB33}"/>
+              </a:ext>
+            </a:extLst>
+          </p:cNvPr>
+          <p:cNvSpPr>
+            <a:spLocks noGrp="1"/>
+          </p:cNvSpPr>
+          <p:nvPr>
+            <p:ph type="title"/>
+          </p:nvPr>
+        </p:nvSpPr>
+        <p:spPr/>
+        <p:txBody>
+          <a:bodyPr/>
+          <a:lstStyle/>
+          <a:p>
+            <a:r>
+              <a:rPr lang="zh-TW" altLang="en-US" dirty="0"/>
+              <a:t>泛型</a:t>
+            </a:r>
+            <a:endParaRPr lang="en-US" altLang="zh-TW" dirty="0"/>
+          </a:p>
+        </p:txBody>
+      </p:sp>
+      <p:sp>
+        <p:nvSpPr>
+          <p:cNvPr id="3" name="內容版面配置區 2">
+            <a:extLst>
+              <a:ext uri="{FF2B5EF4-FFF2-40B4-BE49-F238E27FC236}">
+                <a16:creationId xmlns:a16="http://schemas.microsoft.com/office/drawing/2014/main" id="{7467E32A-E302-401F-A84B-B6842F2EC954}"/>
+              </a:ext>
+            </a:extLst>
+          </p:cNvPr>
+          <p:cNvSpPr>
+            <a:spLocks noGrp="1"/>
+          </p:cNvSpPr>
+          <p:nvPr>
+            <p:ph idx="1"/>
+          </p:nvPr>
+        </p:nvSpPr>
+        <p:spPr/>
+        <p:txBody>
+          <a:bodyPr/>
+          <a:lstStyle/>
+          <a:p>
+            <a:r>
+              <a:rPr lang="en-US" altLang="zh-TW" dirty="0"/>
+              <a:t>Static Constructors</a:t>
+            </a:r>
+          </a:p>
+        </p:txBody>
+      </p:sp>
+      <p:sp>
+        <p:nvSpPr>
+          <p:cNvPr id="4" name="文字方塊 3">
+            <a:extLst>
+              <a:ext uri="{FF2B5EF4-FFF2-40B4-BE49-F238E27FC236}">
+                <a16:creationId xmlns:a16="http://schemas.microsoft.com/office/drawing/2014/main" id="{559C9831-F7DC-4B78-B4F3-CF197B3D9733}"/>
+              </a:ext>
+            </a:extLst>
+          </p:cNvPr>
+          <p:cNvSpPr txBox="1"/>
+          <p:nvPr/>
+        </p:nvSpPr>
+        <p:spPr>
+          <a:xfrm>
+            <a:off x="6096000" y="5672030"/>
+            <a:ext cx="2005263" cy="369332"/>
+          </a:xfrm>
+          <a:prstGeom prst="rect">
+            <a:avLst/>
+          </a:prstGeom>
+          <a:noFill/>
+        </p:spPr>
+        <p:txBody>
+          <a:bodyPr wrap="square" rtlCol="0">
+            <a:spAutoFit/>
+          </a:bodyPr>
+          <a:lstStyle/>
+          <a:p>
+            <a:r>
+              <a:rPr lang="en-US" altLang="zh-TW" dirty="0"/>
+              <a:t>GenericSample_9</a:t>
+            </a:r>
+            <a:endParaRPr lang="zh-TW" altLang="en-US" dirty="0"/>
+          </a:p>
+        </p:txBody>
+      </p:sp>
+    </p:spTree>
+    <p:extLst>
+      <p:ext uri="{BB962C8B-B14F-4D97-AF65-F5344CB8AC3E}">
+        <p14:creationId xmlns:p14="http://schemas.microsoft.com/office/powerpoint/2010/main" val="1264265781"/>
+      </p:ext>
+    </p:extLst>
+  </p:cSld>
+  <p:clrMapOvr>
+    <a:masterClrMapping/>
+  </p:clrMapOvr>
+</p:sld>
+</file>
+
+<file path=ppt/slides/slide16.xml><?xml version="1.0" encoding="utf-8"?>
+<p:sld xmlns:a="http://schemas.openxmlformats.org/drawingml/2006/main" xmlns:r="http://schemas.openxmlformats.org/officeDocument/2006/relationships" xmlns:p="http://schemas.openxmlformats.org/presentationml/2006/main">
+  <p:cSld>
+    <p:spTree>
+      <p:nvGrpSpPr>
+        <p:cNvPr id="1" name=""/>
+        <p:cNvGrpSpPr/>
+        <p:nvPr/>
+      </p:nvGrpSpPr>
+      <p:grpSpPr>
+        <a:xfrm>
+          <a:off x="0" y="0"/>
+          <a:ext cx="0" cy="0"/>
+          <a:chOff x="0" y="0"/>
+          <a:chExt cx="0" cy="0"/>
+        </a:xfrm>
+      </p:grpSpPr>
+      <p:sp>
+        <p:nvSpPr>
+          <p:cNvPr id="2" name="標題 1">
+            <a:extLst>
+              <a:ext uri="{FF2B5EF4-FFF2-40B4-BE49-F238E27FC236}">
+                <a16:creationId xmlns:a16="http://schemas.microsoft.com/office/drawing/2014/main" id="{51AAE519-7BCD-4D8C-B614-B9283C20DB33}"/>
+              </a:ext>
+            </a:extLst>
+          </p:cNvPr>
+          <p:cNvSpPr>
+            <a:spLocks noGrp="1"/>
+          </p:cNvSpPr>
+          <p:nvPr>
+            <p:ph type="title"/>
+          </p:nvPr>
+        </p:nvSpPr>
+        <p:spPr/>
+        <p:txBody>
+          <a:bodyPr/>
+          <a:lstStyle/>
+          <a:p>
+            <a:r>
+              <a:rPr lang="zh-TW" altLang="en-US" dirty="0"/>
+              <a:t>如果方法裡面會用到特定</a:t>
+            </a:r>
+            <a:r>
+              <a:rPr lang="en-US" altLang="zh-TW" dirty="0"/>
+              <a:t>Type</a:t>
+            </a:r>
+            <a:r>
+              <a:rPr lang="zh-TW" altLang="en-US" dirty="0"/>
+              <a:t>的</a:t>
+            </a:r>
+            <a:r>
+              <a:rPr lang="en-US" altLang="zh-TW" dirty="0"/>
+              <a:t>Member…</a:t>
+            </a:r>
+          </a:p>
+        </p:txBody>
+      </p:sp>
+      <p:sp>
+        <p:nvSpPr>
+          <p:cNvPr id="3" name="內容版面配置區 2">
+            <a:extLst>
+              <a:ext uri="{FF2B5EF4-FFF2-40B4-BE49-F238E27FC236}">
+                <a16:creationId xmlns:a16="http://schemas.microsoft.com/office/drawing/2014/main" id="{7467E32A-E302-401F-A84B-B6842F2EC954}"/>
+              </a:ext>
+            </a:extLst>
+          </p:cNvPr>
+          <p:cNvSpPr>
+            <a:spLocks noGrp="1"/>
+          </p:cNvSpPr>
+          <p:nvPr>
+            <p:ph idx="1"/>
+          </p:nvPr>
+        </p:nvSpPr>
+        <p:spPr/>
+        <p:txBody>
+          <a:bodyPr/>
+          <a:lstStyle/>
+          <a:p>
+            <a:endParaRPr lang="en-US" altLang="zh-TW" dirty="0"/>
+          </a:p>
+        </p:txBody>
+      </p:sp>
+      <p:sp>
+        <p:nvSpPr>
+          <p:cNvPr id="4" name="文字方塊 3">
+            <a:extLst>
+              <a:ext uri="{FF2B5EF4-FFF2-40B4-BE49-F238E27FC236}">
+                <a16:creationId xmlns:a16="http://schemas.microsoft.com/office/drawing/2014/main" id="{16B491FA-8595-4672-AAA7-64E879D67EF2}"/>
+              </a:ext>
+            </a:extLst>
+          </p:cNvPr>
+          <p:cNvSpPr txBox="1"/>
+          <p:nvPr/>
+        </p:nvSpPr>
+        <p:spPr>
+          <a:xfrm>
+            <a:off x="6096000" y="5672030"/>
+            <a:ext cx="2398143" cy="369332"/>
+          </a:xfrm>
+          <a:prstGeom prst="rect">
+            <a:avLst/>
+          </a:prstGeom>
+          <a:noFill/>
+        </p:spPr>
+        <p:txBody>
+          <a:bodyPr wrap="square" rtlCol="0">
+            <a:spAutoFit/>
+          </a:bodyPr>
+          <a:lstStyle/>
+          <a:p>
+            <a:r>
+              <a:rPr lang="en-US" altLang="zh-TW" dirty="0"/>
+              <a:t>GenericSample_13</a:t>
+            </a:r>
+            <a:endParaRPr lang="zh-TW" altLang="en-US" dirty="0"/>
+          </a:p>
+        </p:txBody>
+      </p:sp>
+    </p:spTree>
+    <p:extLst>
+      <p:ext uri="{BB962C8B-B14F-4D97-AF65-F5344CB8AC3E}">
+        <p14:creationId xmlns:p14="http://schemas.microsoft.com/office/powerpoint/2010/main" val="2090021945"/>
+      </p:ext>
+    </p:extLst>
+  </p:cSld>
+  <p:clrMapOvr>
+    <a:masterClrMapping/>
+  </p:clrMapOvr>
+</p:sld>
+</file>
+
+<file path=ppt/slides/slide17.xml><?xml version="1.0" encoding="utf-8"?>
+<p:sld xmlns:a="http://schemas.openxmlformats.org/drawingml/2006/main" xmlns:r="http://schemas.openxmlformats.org/officeDocument/2006/relationships" xmlns:p="http://schemas.openxmlformats.org/presentationml/2006/main">
+  <p:cSld>
+    <p:spTree>
+      <p:nvGrpSpPr>
+        <p:cNvPr id="1" name=""/>
+        <p:cNvGrpSpPr/>
+        <p:nvPr/>
+      </p:nvGrpSpPr>
+      <p:grpSpPr>
+        <a:xfrm>
+          <a:off x="0" y="0"/>
+          <a:ext cx="0" cy="0"/>
+          <a:chOff x="0" y="0"/>
+          <a:chExt cx="0" cy="0"/>
+        </a:xfrm>
+      </p:grpSpPr>
+      <p:sp>
+        <p:nvSpPr>
+          <p:cNvPr id="2" name="標題 1">
+            <a:extLst>
+              <a:ext uri="{FF2B5EF4-FFF2-40B4-BE49-F238E27FC236}">
+                <a16:creationId xmlns:a16="http://schemas.microsoft.com/office/drawing/2014/main" id="{51AAE519-7BCD-4D8C-B614-B9283C20DB33}"/>
+              </a:ext>
+            </a:extLst>
+          </p:cNvPr>
+          <p:cNvSpPr>
+            <a:spLocks noGrp="1"/>
+          </p:cNvSpPr>
+          <p:nvPr>
+            <p:ph type="title"/>
+          </p:nvPr>
+        </p:nvSpPr>
+        <p:spPr/>
+        <p:txBody>
+          <a:bodyPr/>
+          <a:lstStyle/>
+          <a:p>
+            <a:r>
+              <a:rPr lang="zh-TW" altLang="en-US" dirty="0"/>
+              <a:t>泛型</a:t>
+            </a:r>
+            <a:r>
+              <a:rPr lang="zh-TW" altLang="en-US"/>
+              <a:t>條件</a:t>
+            </a:r>
+            <a:r>
+              <a:rPr lang="zh-TW" altLang="en-US" dirty="0"/>
+              <a:t>約束</a:t>
+            </a:r>
+            <a:endParaRPr lang="en-US" altLang="zh-TW" dirty="0"/>
+          </a:p>
+        </p:txBody>
+      </p:sp>
+      <p:sp>
+        <p:nvSpPr>
+          <p:cNvPr id="3" name="內容版面配置區 2">
+            <a:extLst>
+              <a:ext uri="{FF2B5EF4-FFF2-40B4-BE49-F238E27FC236}">
+                <a16:creationId xmlns:a16="http://schemas.microsoft.com/office/drawing/2014/main" id="{7467E32A-E302-401F-A84B-B6842F2EC954}"/>
+              </a:ext>
+            </a:extLst>
+          </p:cNvPr>
+          <p:cNvSpPr>
+            <a:spLocks noGrp="1"/>
+          </p:cNvSpPr>
+          <p:nvPr>
+            <p:ph idx="1"/>
+          </p:nvPr>
+        </p:nvSpPr>
+        <p:spPr/>
+        <p:txBody>
+          <a:bodyPr/>
+          <a:lstStyle/>
+          <a:p>
+            <a:r>
+              <a:rPr lang="en-US" altLang="zh-TW" dirty="0"/>
+              <a:t>where</a:t>
+            </a:r>
+          </a:p>
+        </p:txBody>
+      </p:sp>
+    </p:spTree>
+    <p:extLst>
+      <p:ext uri="{BB962C8B-B14F-4D97-AF65-F5344CB8AC3E}">
+        <p14:creationId xmlns:p14="http://schemas.microsoft.com/office/powerpoint/2010/main" val="2559167005"/>
+      </p:ext>
+    </p:extLst>
+  </p:cSld>
+  <p:clrMapOvr>
+    <a:masterClrMapping/>
+  </p:clrMapOvr>
+</p:sld>
+</file>
+
+<file path=ppt/slides/slide18.xml><?xml version="1.0" encoding="utf-8"?>
+<p:sld xmlns:a="http://schemas.openxmlformats.org/drawingml/2006/main" xmlns:r="http://schemas.openxmlformats.org/officeDocument/2006/relationships" xmlns:p="http://schemas.openxmlformats.org/presentationml/2006/main">
+  <p:cSld>
+    <p:spTree>
+      <p:nvGrpSpPr>
+        <p:cNvPr id="1" name=""/>
+        <p:cNvGrpSpPr/>
+        <p:nvPr/>
+      </p:nvGrpSpPr>
+      <p:grpSpPr>
+        <a:xfrm>
+          <a:off x="0" y="0"/>
+          <a:ext cx="0" cy="0"/>
+          <a:chOff x="0" y="0"/>
+          <a:chExt cx="0" cy="0"/>
+        </a:xfrm>
+      </p:grpSpPr>
+      <p:sp>
+        <p:nvSpPr>
+          <p:cNvPr id="2" name="標題 1">
+            <a:extLst>
+              <a:ext uri="{FF2B5EF4-FFF2-40B4-BE49-F238E27FC236}">
+                <a16:creationId xmlns:a16="http://schemas.microsoft.com/office/drawing/2014/main" id="{51AAE519-7BCD-4D8C-B614-B9283C20DB33}"/>
+              </a:ext>
+            </a:extLst>
+          </p:cNvPr>
+          <p:cNvSpPr>
+            <a:spLocks noGrp="1"/>
+          </p:cNvSpPr>
+          <p:nvPr>
+            <p:ph type="title"/>
+          </p:nvPr>
+        </p:nvSpPr>
+        <p:spPr/>
+        <p:txBody>
+          <a:bodyPr/>
+          <a:lstStyle/>
+          <a:p>
+            <a:r>
+              <a:rPr lang="zh-TW" altLang="en-US"/>
+              <a:t>泛型條件約束</a:t>
+            </a:r>
+            <a:endParaRPr lang="en-US" altLang="zh-TW"/>
+          </a:p>
+        </p:txBody>
+      </p:sp>
+      <p:sp>
+        <p:nvSpPr>
+          <p:cNvPr id="3" name="內容版面配置區 2">
+            <a:extLst>
+              <a:ext uri="{FF2B5EF4-FFF2-40B4-BE49-F238E27FC236}">
+                <a16:creationId xmlns:a16="http://schemas.microsoft.com/office/drawing/2014/main" id="{7467E32A-E302-401F-A84B-B6842F2EC954}"/>
+              </a:ext>
+            </a:extLst>
+          </p:cNvPr>
+          <p:cNvSpPr>
+            <a:spLocks noGrp="1"/>
+          </p:cNvSpPr>
+          <p:nvPr>
+            <p:ph idx="1"/>
+          </p:nvPr>
+        </p:nvSpPr>
+        <p:spPr/>
+        <p:txBody>
+          <a:bodyPr/>
+          <a:lstStyle/>
+          <a:p>
+            <a:r>
+              <a:rPr lang="en-US" altLang="zh-TW"/>
+              <a:t>new()</a:t>
+            </a:r>
+          </a:p>
+        </p:txBody>
+      </p:sp>
+      <p:sp>
+        <p:nvSpPr>
+          <p:cNvPr id="4" name="文字方塊 3">
+            <a:extLst>
+              <a:ext uri="{FF2B5EF4-FFF2-40B4-BE49-F238E27FC236}">
+                <a16:creationId xmlns:a16="http://schemas.microsoft.com/office/drawing/2014/main" id="{0A4775BB-56F2-4186-B0E1-8F5E2415A046}"/>
+              </a:ext>
+            </a:extLst>
+          </p:cNvPr>
+          <p:cNvSpPr txBox="1"/>
+          <p:nvPr/>
+        </p:nvSpPr>
+        <p:spPr>
+          <a:xfrm>
+            <a:off x="6096000" y="5672030"/>
+            <a:ext cx="3178002" cy="369332"/>
+          </a:xfrm>
+          <a:prstGeom prst="rect">
+            <a:avLst/>
+          </a:prstGeom>
+          <a:noFill/>
+        </p:spPr>
+        <p:txBody>
+          <a:bodyPr wrap="square" rtlCol="0">
+            <a:spAutoFit/>
+          </a:bodyPr>
+          <a:lstStyle/>
+          <a:p>
+            <a:r>
+              <a:rPr lang="en-US" altLang="zh-TW" dirty="0"/>
+              <a:t>GenericSample_10</a:t>
+            </a:r>
+            <a:endParaRPr lang="zh-TW" altLang="en-US" dirty="0"/>
+          </a:p>
+        </p:txBody>
+      </p:sp>
+    </p:spTree>
+    <p:extLst>
+      <p:ext uri="{BB962C8B-B14F-4D97-AF65-F5344CB8AC3E}">
+        <p14:creationId xmlns:p14="http://schemas.microsoft.com/office/powerpoint/2010/main" val="1605558318"/>
+      </p:ext>
+    </p:extLst>
+  </p:cSld>
+  <p:clrMapOvr>
+    <a:masterClrMapping/>
+  </p:clrMapOvr>
+</p:sld>
+</file>
+
+<file path=ppt/slides/slide19.xml><?xml version="1.0" encoding="utf-8"?>
+<p:sld xmlns:a="http://schemas.openxmlformats.org/drawingml/2006/main" xmlns:r="http://schemas.openxmlformats.org/officeDocument/2006/relationships" xmlns:p="http://schemas.openxmlformats.org/presentationml/2006/main">
+  <p:cSld>
+    <p:spTree>
+      <p:nvGrpSpPr>
+        <p:cNvPr id="1" name=""/>
+        <p:cNvGrpSpPr/>
+        <p:nvPr/>
+      </p:nvGrpSpPr>
+      <p:grpSpPr>
+        <a:xfrm>
+          <a:off x="0" y="0"/>
+          <a:ext cx="0" cy="0"/>
+          <a:chOff x="0" y="0"/>
+          <a:chExt cx="0" cy="0"/>
+        </a:xfrm>
+      </p:grpSpPr>
+      <p:sp>
+        <p:nvSpPr>
+          <p:cNvPr id="2" name="標題 1">
+            <a:extLst>
+              <a:ext uri="{FF2B5EF4-FFF2-40B4-BE49-F238E27FC236}">
+                <a16:creationId xmlns:a16="http://schemas.microsoft.com/office/drawing/2014/main" id="{51AAE519-7BCD-4D8C-B614-B9283C20DB33}"/>
+              </a:ext>
+            </a:extLst>
+          </p:cNvPr>
+          <p:cNvSpPr>
+            <a:spLocks noGrp="1"/>
+          </p:cNvSpPr>
+          <p:nvPr>
+            <p:ph type="title"/>
+          </p:nvPr>
+        </p:nvSpPr>
+        <p:spPr/>
+        <p:txBody>
+          <a:bodyPr/>
+          <a:lstStyle/>
+          <a:p>
+            <a:r>
+              <a:rPr lang="zh-TW" altLang="en-US"/>
+              <a:t>泛型條件約束</a:t>
+            </a:r>
+            <a:endParaRPr lang="en-US" altLang="zh-TW"/>
+          </a:p>
+        </p:txBody>
+      </p:sp>
+      <p:sp>
+        <p:nvSpPr>
+          <p:cNvPr id="3" name="內容版面配置區 2">
+            <a:extLst>
+              <a:ext uri="{FF2B5EF4-FFF2-40B4-BE49-F238E27FC236}">
+                <a16:creationId xmlns:a16="http://schemas.microsoft.com/office/drawing/2014/main" id="{7467E32A-E302-401F-A84B-B6842F2EC954}"/>
+              </a:ext>
+            </a:extLst>
+          </p:cNvPr>
+          <p:cNvSpPr>
+            <a:spLocks noGrp="1"/>
+          </p:cNvSpPr>
+          <p:nvPr>
+            <p:ph idx="1"/>
+          </p:nvPr>
+        </p:nvSpPr>
+        <p:spPr/>
+        <p:txBody>
+          <a:bodyPr/>
+          <a:lstStyle/>
+          <a:p>
+            <a:r>
+              <a:rPr lang="en-US" altLang="zh-TW" dirty="0"/>
+              <a:t>where T : class</a:t>
+            </a:r>
+          </a:p>
+          <a:p>
+            <a:r>
+              <a:rPr lang="en-US" altLang="zh-TW" dirty="0"/>
+              <a:t>where T : &lt;Base Class Name&gt;</a:t>
+            </a:r>
+          </a:p>
+          <a:p>
+            <a:r>
+              <a:rPr lang="en-US" altLang="zh-TW" dirty="0"/>
+              <a:t>where T : &lt;Interface Name&gt;</a:t>
+            </a:r>
+          </a:p>
+          <a:p>
+            <a:r>
+              <a:rPr lang="en-US" altLang="zh-TW" dirty="0"/>
+              <a:t>where T : U</a:t>
+            </a:r>
+          </a:p>
+        </p:txBody>
+      </p:sp>
+      <p:sp>
+        <p:nvSpPr>
+          <p:cNvPr id="4" name="文字方塊 3">
+            <a:extLst>
+              <a:ext uri="{FF2B5EF4-FFF2-40B4-BE49-F238E27FC236}">
+                <a16:creationId xmlns:a16="http://schemas.microsoft.com/office/drawing/2014/main" id="{C6261526-B52C-4B7A-945A-D48D5E8E0E45}"/>
+              </a:ext>
+            </a:extLst>
+          </p:cNvPr>
+          <p:cNvSpPr txBox="1"/>
+          <p:nvPr/>
+        </p:nvSpPr>
+        <p:spPr>
+          <a:xfrm>
+            <a:off x="6096000" y="5672030"/>
+            <a:ext cx="3178002" cy="369332"/>
+          </a:xfrm>
+          <a:prstGeom prst="rect">
+            <a:avLst/>
+          </a:prstGeom>
+          <a:noFill/>
+        </p:spPr>
+        <p:txBody>
+          <a:bodyPr wrap="square" rtlCol="0">
+            <a:spAutoFit/>
+          </a:bodyPr>
+          <a:lstStyle/>
+          <a:p>
+            <a:r>
+              <a:rPr lang="en-US" altLang="zh-TW" dirty="0"/>
+              <a:t>GenericSample_11</a:t>
+            </a:r>
+            <a:endParaRPr lang="zh-TW" altLang="en-US" dirty="0"/>
+          </a:p>
+        </p:txBody>
+      </p:sp>
+    </p:spTree>
+    <p:extLst>
+      <p:ext uri="{BB962C8B-B14F-4D97-AF65-F5344CB8AC3E}">
+        <p14:creationId xmlns:p14="http://schemas.microsoft.com/office/powerpoint/2010/main" val="1327124537"/>
+      </p:ext>
+    </p:extLst>
+  </p:cSld>
+  <p:clrMapOvr>
+    <a:masterClrMapping/>
+  </p:clrMapOvr>
+</p:sld>
+</file>
+
+<file path=ppt/slides/slide2.xml><?xml version="1.0" encoding="utf-8"?>
+<p:sld xmlns:a="http://schemas.openxmlformats.org/drawingml/2006/main" xmlns:r="http://schemas.openxmlformats.org/officeDocument/2006/relationships" xmlns:p="http://schemas.openxmlformats.org/presentationml/2006/main">
+  <p:cSld>
+    <p:spTree>
+      <p:nvGrpSpPr>
+        <p:cNvPr id="1" name=""/>
+        <p:cNvGrpSpPr/>
+        <p:nvPr/>
+      </p:nvGrpSpPr>
+      <p:grpSpPr>
+        <a:xfrm>
+          <a:off x="0" y="0"/>
+          <a:ext cx="0" cy="0"/>
+          <a:chOff x="0" y="0"/>
+          <a:chExt cx="0" cy="0"/>
+        </a:xfrm>
+      </p:grpSpPr>
+      <p:sp>
+        <p:nvSpPr>
+          <p:cNvPr id="2" name="標題 1">
+            <a:extLst>
+              <a:ext uri="{FF2B5EF4-FFF2-40B4-BE49-F238E27FC236}">
+                <a16:creationId xmlns:a16="http://schemas.microsoft.com/office/drawing/2014/main" id="{51AAE519-7BCD-4D8C-B614-B9283C20DB33}"/>
+              </a:ext>
+            </a:extLst>
+          </p:cNvPr>
+          <p:cNvSpPr>
+            <a:spLocks noGrp="1"/>
+          </p:cNvSpPr>
+          <p:nvPr>
+            <p:ph type="title"/>
+          </p:nvPr>
+        </p:nvSpPr>
+        <p:spPr/>
+        <p:txBody>
+          <a:bodyPr/>
+          <a:lstStyle/>
+          <a:p>
+            <a:r>
+              <a:rPr lang="en-US" altLang="zh-TW" dirty="0"/>
+              <a:t>Generics</a:t>
+            </a:r>
+            <a:endParaRPr lang="zh-TW" altLang="en-US" dirty="0"/>
+          </a:p>
+        </p:txBody>
+      </p:sp>
+      <p:sp>
+        <p:nvSpPr>
+          <p:cNvPr id="4" name="文字版面配置區 3">
+            <a:extLst>
+              <a:ext uri="{FF2B5EF4-FFF2-40B4-BE49-F238E27FC236}">
+                <a16:creationId xmlns:a16="http://schemas.microsoft.com/office/drawing/2014/main" id="{5284A54C-C065-4FDD-BF29-E44B077DB4AD}"/>
+              </a:ext>
+            </a:extLst>
+          </p:cNvPr>
+          <p:cNvSpPr>
+            <a:spLocks noGrp="1"/>
+          </p:cNvSpPr>
+          <p:nvPr>
+            <p:ph type="body" idx="1"/>
+          </p:nvPr>
+        </p:nvSpPr>
+        <p:spPr/>
+        <p:txBody>
+          <a:bodyPr/>
+          <a:lstStyle/>
+          <a:p>
+            <a:r>
+              <a:rPr lang="zh-TW" altLang="en-US" dirty="0"/>
+              <a:t>泛型</a:t>
+            </a:r>
+          </a:p>
+        </p:txBody>
+      </p:sp>
+    </p:spTree>
+    <p:extLst>
+      <p:ext uri="{BB962C8B-B14F-4D97-AF65-F5344CB8AC3E}">
+        <p14:creationId xmlns:p14="http://schemas.microsoft.com/office/powerpoint/2010/main" val="619185329"/>
+      </p:ext>
+    </p:extLst>
+  </p:cSld>
+  <p:clrMapOvr>
+    <a:masterClrMapping/>
+  </p:clrMapOvr>
+</p:sld>
+</file>
+
+<file path=ppt/slides/slide20.xml><?xml version="1.0" encoding="utf-8"?>
+<p:sld xmlns:a="http://schemas.openxmlformats.org/drawingml/2006/main" xmlns:r="http://schemas.openxmlformats.org/officeDocument/2006/relationships" xmlns:p="http://schemas.openxmlformats.org/presentationml/2006/main">
+  <p:cSld>
+    <p:spTree>
+      <p:nvGrpSpPr>
+        <p:cNvPr id="1" name=""/>
+        <p:cNvGrpSpPr/>
+        <p:nvPr/>
+      </p:nvGrpSpPr>
+      <p:grpSpPr>
+        <a:xfrm>
+          <a:off x="0" y="0"/>
+          <a:ext cx="0" cy="0"/>
+          <a:chOff x="0" y="0"/>
+          <a:chExt cx="0" cy="0"/>
+        </a:xfrm>
+      </p:grpSpPr>
+      <p:sp>
+        <p:nvSpPr>
+          <p:cNvPr id="2" name="標題 1">
+            <a:extLst>
+              <a:ext uri="{FF2B5EF4-FFF2-40B4-BE49-F238E27FC236}">
+                <a16:creationId xmlns:a16="http://schemas.microsoft.com/office/drawing/2014/main" id="{51AAE519-7BCD-4D8C-B614-B9283C20DB33}"/>
+              </a:ext>
+            </a:extLst>
+          </p:cNvPr>
+          <p:cNvSpPr>
+            <a:spLocks noGrp="1"/>
+          </p:cNvSpPr>
+          <p:nvPr>
+            <p:ph type="title"/>
+          </p:nvPr>
+        </p:nvSpPr>
+        <p:spPr/>
+        <p:txBody>
+          <a:bodyPr/>
+          <a:lstStyle/>
+          <a:p>
+            <a:r>
+              <a:rPr lang="zh-TW" altLang="en-US"/>
+              <a:t>泛型條件約束</a:t>
+            </a:r>
+            <a:endParaRPr lang="en-US" altLang="zh-TW"/>
+          </a:p>
+        </p:txBody>
+      </p:sp>
+      <p:sp>
+        <p:nvSpPr>
+          <p:cNvPr id="3" name="內容版面配置區 2">
+            <a:extLst>
+              <a:ext uri="{FF2B5EF4-FFF2-40B4-BE49-F238E27FC236}">
+                <a16:creationId xmlns:a16="http://schemas.microsoft.com/office/drawing/2014/main" id="{7467E32A-E302-401F-A84B-B6842F2EC954}"/>
+              </a:ext>
+            </a:extLst>
+          </p:cNvPr>
+          <p:cNvSpPr>
+            <a:spLocks noGrp="1"/>
+          </p:cNvSpPr>
+          <p:nvPr>
+            <p:ph idx="1"/>
+          </p:nvPr>
+        </p:nvSpPr>
+        <p:spPr/>
+        <p:txBody>
+          <a:bodyPr/>
+          <a:lstStyle/>
+          <a:p>
+            <a:r>
+              <a:rPr lang="en-US" altLang="zh-TW" dirty="0"/>
+              <a:t>where T : struct</a:t>
+            </a:r>
+          </a:p>
+          <a:p>
+            <a:r>
+              <a:rPr lang="en-US" altLang="zh-TW" dirty="0"/>
+              <a:t>where T : </a:t>
+            </a:r>
+            <a:r>
+              <a:rPr lang="en-US" altLang="zh-TW" dirty="0" err="1"/>
+              <a:t>enum</a:t>
+            </a:r>
+            <a:r>
+              <a:rPr lang="en-US" altLang="zh-TW" dirty="0"/>
+              <a:t> (C# 7.3+)</a:t>
+            </a:r>
+          </a:p>
+          <a:p>
+            <a:r>
+              <a:rPr lang="en-US" altLang="zh-TW" dirty="0"/>
+              <a:t>where T : delegate</a:t>
+            </a:r>
+          </a:p>
+          <a:p>
+            <a:r>
+              <a:rPr lang="en-US" altLang="zh-TW" dirty="0"/>
+              <a:t>where T : </a:t>
+            </a:r>
+            <a:r>
+              <a:rPr lang="en-US" altLang="zh-TW" dirty="0" err="1"/>
+              <a:t>notnull</a:t>
+            </a:r>
+            <a:endParaRPr lang="en-US" altLang="zh-TW" dirty="0"/>
+          </a:p>
+        </p:txBody>
+      </p:sp>
+      <p:sp>
+        <p:nvSpPr>
+          <p:cNvPr id="4" name="文字方塊 3">
+            <a:extLst>
+              <a:ext uri="{FF2B5EF4-FFF2-40B4-BE49-F238E27FC236}">
+                <a16:creationId xmlns:a16="http://schemas.microsoft.com/office/drawing/2014/main" id="{2442BE6C-2D0D-4E4C-8100-88026C4B02AC}"/>
+              </a:ext>
+            </a:extLst>
+          </p:cNvPr>
+          <p:cNvSpPr txBox="1"/>
+          <p:nvPr/>
+        </p:nvSpPr>
+        <p:spPr>
+          <a:xfrm>
+            <a:off x="6096000" y="5672030"/>
+            <a:ext cx="3178002" cy="369332"/>
+          </a:xfrm>
+          <a:prstGeom prst="rect">
+            <a:avLst/>
+          </a:prstGeom>
+          <a:noFill/>
+        </p:spPr>
+        <p:txBody>
+          <a:bodyPr wrap="square" rtlCol="0">
+            <a:spAutoFit/>
+          </a:bodyPr>
+          <a:lstStyle/>
+          <a:p>
+            <a:r>
+              <a:rPr lang="en-US" altLang="zh-TW" dirty="0"/>
+              <a:t>GenericSample_11</a:t>
+            </a:r>
+            <a:endParaRPr lang="zh-TW" altLang="en-US" dirty="0"/>
+          </a:p>
+        </p:txBody>
+      </p:sp>
+    </p:spTree>
+    <p:extLst>
+      <p:ext uri="{BB962C8B-B14F-4D97-AF65-F5344CB8AC3E}">
+        <p14:creationId xmlns:p14="http://schemas.microsoft.com/office/powerpoint/2010/main" val="2579912518"/>
+      </p:ext>
+    </p:extLst>
+  </p:cSld>
+  <p:clrMapOvr>
+    <a:masterClrMapping/>
+  </p:clrMapOvr>
+</p:sld>
+</file>
+
+<file path=ppt/slides/slide21.xml><?xml version="1.0" encoding="utf-8"?>
+<p:sld xmlns:a="http://schemas.openxmlformats.org/drawingml/2006/main" xmlns:r="http://schemas.openxmlformats.org/officeDocument/2006/relationships" xmlns:p="http://schemas.openxmlformats.org/presentationml/2006/main">
+  <p:cSld>
+    <p:spTree>
+      <p:nvGrpSpPr>
+        <p:cNvPr id="1" name=""/>
+        <p:cNvGrpSpPr/>
+        <p:nvPr/>
+      </p:nvGrpSpPr>
+      <p:grpSpPr>
+        <a:xfrm>
+          <a:off x="0" y="0"/>
+          <a:ext cx="0" cy="0"/>
+          <a:chOff x="0" y="0"/>
+          <a:chExt cx="0" cy="0"/>
+        </a:xfrm>
+      </p:grpSpPr>
+      <p:sp>
+        <p:nvSpPr>
+          <p:cNvPr id="2" name="標題 1">
+            <a:extLst>
+              <a:ext uri="{FF2B5EF4-FFF2-40B4-BE49-F238E27FC236}">
+                <a16:creationId xmlns:a16="http://schemas.microsoft.com/office/drawing/2014/main" id="{51AAE519-7BCD-4D8C-B614-B9283C20DB33}"/>
+              </a:ext>
+            </a:extLst>
+          </p:cNvPr>
+          <p:cNvSpPr>
+            <a:spLocks noGrp="1"/>
+          </p:cNvSpPr>
+          <p:nvPr>
+            <p:ph type="title"/>
+          </p:nvPr>
+        </p:nvSpPr>
+        <p:spPr/>
+        <p:txBody>
+          <a:bodyPr/>
+          <a:lstStyle/>
+          <a:p>
+            <a:r>
+              <a:rPr lang="en-US" altLang="zh-TW" dirty="0" err="1"/>
+              <a:t>Func</a:t>
+            </a:r>
+            <a:endParaRPr lang="en-US" altLang="zh-TW" dirty="0"/>
+          </a:p>
+        </p:txBody>
+      </p:sp>
+      <p:sp>
+        <p:nvSpPr>
+          <p:cNvPr id="4" name="文字方塊 3">
+            <a:extLst>
+              <a:ext uri="{FF2B5EF4-FFF2-40B4-BE49-F238E27FC236}">
+                <a16:creationId xmlns:a16="http://schemas.microsoft.com/office/drawing/2014/main" id="{2442BE6C-2D0D-4E4C-8100-88026C4B02AC}"/>
+              </a:ext>
+            </a:extLst>
+          </p:cNvPr>
+          <p:cNvSpPr txBox="1"/>
+          <p:nvPr/>
+        </p:nvSpPr>
+        <p:spPr>
+          <a:xfrm>
+            <a:off x="6096000" y="5672030"/>
+            <a:ext cx="3178002" cy="369332"/>
+          </a:xfrm>
+          <a:prstGeom prst="rect">
+            <a:avLst/>
+          </a:prstGeom>
+          <a:noFill/>
+        </p:spPr>
+        <p:txBody>
+          <a:bodyPr wrap="square" rtlCol="0">
+            <a:spAutoFit/>
+          </a:bodyPr>
+          <a:lstStyle/>
+          <a:p>
+            <a:r>
+              <a:rPr lang="en-US" altLang="zh-TW" dirty="0"/>
+              <a:t>FuncSample_1</a:t>
+            </a:r>
+            <a:endParaRPr lang="zh-TW" altLang="en-US" dirty="0"/>
+          </a:p>
+        </p:txBody>
+      </p:sp>
+      <p:pic>
+        <p:nvPicPr>
+          <p:cNvPr id="6" name="內容版面配置區 3">
+            <a:extLst>
+              <a:ext uri="{FF2B5EF4-FFF2-40B4-BE49-F238E27FC236}">
+                <a16:creationId xmlns:a16="http://schemas.microsoft.com/office/drawing/2014/main" id="{502EF0FD-A2BC-4521-AA0D-3EAF99C83BA3}"/>
+              </a:ext>
+            </a:extLst>
+          </p:cNvPr>
+          <p:cNvPicPr>
+            <a:picLocks noGrp="1" noChangeAspect="1"/>
+          </p:cNvPicPr>
+          <p:nvPr>
+            <p:ph idx="1"/>
+          </p:nvPr>
+        </p:nvPicPr>
+        <p:blipFill>
+          <a:blip r:embed="rId3"/>
+          <a:stretch>
+            <a:fillRect/>
+          </a:stretch>
+        </p:blipFill>
+        <p:spPr>
+          <a:xfrm>
+            <a:off x="677333" y="1270000"/>
+            <a:ext cx="5107449" cy="5329702"/>
+          </a:xfrm>
+          <a:prstGeom prst="rect">
+            <a:avLst/>
+          </a:prstGeom>
+        </p:spPr>
+      </p:pic>
+    </p:spTree>
+    <p:extLst>
+      <p:ext uri="{BB962C8B-B14F-4D97-AF65-F5344CB8AC3E}">
+        <p14:creationId xmlns:p14="http://schemas.microsoft.com/office/powerpoint/2010/main" val="1086790313"/>
+      </p:ext>
+    </p:extLst>
+  </p:cSld>
+  <p:clrMapOvr>
+    <a:masterClrMapping/>
+  </p:clrMapOvr>
+</p:sld>
+</file>
+
+<file path=ppt/slides/slide22.xml><?xml version="1.0" encoding="utf-8"?>
+<p:sld xmlns:a="http://schemas.openxmlformats.org/drawingml/2006/main" xmlns:r="http://schemas.openxmlformats.org/officeDocument/2006/relationships" xmlns:p="http://schemas.openxmlformats.org/presentationml/2006/main">
+  <p:cSld>
+    <p:spTree>
+      <p:nvGrpSpPr>
+        <p:cNvPr id="1" name=""/>
+        <p:cNvGrpSpPr/>
+        <p:nvPr/>
+      </p:nvGrpSpPr>
+      <p:grpSpPr>
+        <a:xfrm>
+          <a:off x="0" y="0"/>
+          <a:ext cx="0" cy="0"/>
+          <a:chOff x="0" y="0"/>
+          <a:chExt cx="0" cy="0"/>
+        </a:xfrm>
+      </p:grpSpPr>
+      <p:sp>
+        <p:nvSpPr>
+          <p:cNvPr id="2" name="標題 1">
+            <a:extLst>
+              <a:ext uri="{FF2B5EF4-FFF2-40B4-BE49-F238E27FC236}">
+                <a16:creationId xmlns:a16="http://schemas.microsoft.com/office/drawing/2014/main" id="{51AAE519-7BCD-4D8C-B614-B9283C20DB33}"/>
+              </a:ext>
+            </a:extLst>
+          </p:cNvPr>
+          <p:cNvSpPr>
+            <a:spLocks noGrp="1"/>
+          </p:cNvSpPr>
+          <p:nvPr>
+            <p:ph type="title"/>
+          </p:nvPr>
+        </p:nvSpPr>
+        <p:spPr/>
+        <p:txBody>
+          <a:bodyPr/>
+          <a:lstStyle/>
+          <a:p>
+            <a:r>
+              <a:rPr lang="en-US" altLang="zh-TW" dirty="0" err="1"/>
+              <a:t>Func</a:t>
+            </a:r>
+            <a:endParaRPr lang="en-US" altLang="zh-TW" dirty="0"/>
+          </a:p>
+        </p:txBody>
+      </p:sp>
+      <p:sp>
+        <p:nvSpPr>
+          <p:cNvPr id="3" name="內容版面配置區 2">
+            <a:extLst>
+              <a:ext uri="{FF2B5EF4-FFF2-40B4-BE49-F238E27FC236}">
+                <a16:creationId xmlns:a16="http://schemas.microsoft.com/office/drawing/2014/main" id="{7467E32A-E302-401F-A84B-B6842F2EC954}"/>
+              </a:ext>
+            </a:extLst>
+          </p:cNvPr>
+          <p:cNvSpPr>
+            <a:spLocks noGrp="1"/>
+          </p:cNvSpPr>
+          <p:nvPr>
+            <p:ph idx="1"/>
+          </p:nvPr>
+        </p:nvSpPr>
+        <p:spPr/>
+        <p:txBody>
+          <a:bodyPr/>
+          <a:lstStyle/>
+          <a:p>
+            <a:r>
+              <a:rPr lang="en-US" altLang="zh-TW" dirty="0"/>
+              <a:t>Method</a:t>
+            </a:r>
+          </a:p>
+        </p:txBody>
+      </p:sp>
+      <p:sp>
+        <p:nvSpPr>
+          <p:cNvPr id="4" name="文字方塊 3">
+            <a:extLst>
+              <a:ext uri="{FF2B5EF4-FFF2-40B4-BE49-F238E27FC236}">
+                <a16:creationId xmlns:a16="http://schemas.microsoft.com/office/drawing/2014/main" id="{2442BE6C-2D0D-4E4C-8100-88026C4B02AC}"/>
+              </a:ext>
+            </a:extLst>
+          </p:cNvPr>
+          <p:cNvSpPr txBox="1"/>
+          <p:nvPr/>
+        </p:nvSpPr>
+        <p:spPr>
+          <a:xfrm>
+            <a:off x="6096000" y="5672030"/>
+            <a:ext cx="3178002" cy="369332"/>
+          </a:xfrm>
+          <a:prstGeom prst="rect">
+            <a:avLst/>
+          </a:prstGeom>
+          <a:noFill/>
+        </p:spPr>
+        <p:txBody>
+          <a:bodyPr wrap="square" rtlCol="0">
+            <a:spAutoFit/>
+          </a:bodyPr>
+          <a:lstStyle/>
+          <a:p>
+            <a:r>
+              <a:rPr lang="en-US" altLang="zh-TW" dirty="0"/>
+              <a:t>FuncSample_2</a:t>
+            </a:r>
+            <a:endParaRPr lang="zh-TW" altLang="en-US" dirty="0"/>
+          </a:p>
+        </p:txBody>
+      </p:sp>
+    </p:spTree>
+    <p:extLst>
+      <p:ext uri="{BB962C8B-B14F-4D97-AF65-F5344CB8AC3E}">
+        <p14:creationId xmlns:p14="http://schemas.microsoft.com/office/powerpoint/2010/main" val="362384549"/>
+      </p:ext>
+    </p:extLst>
+  </p:cSld>
+  <p:clrMapOvr>
+    <a:masterClrMapping/>
+  </p:clrMapOvr>
+</p:sld>
+</file>
+
+<file path=ppt/slides/slide23.xml><?xml version="1.0" encoding="utf-8"?>
+<p:sld xmlns:a="http://schemas.openxmlformats.org/drawingml/2006/main" xmlns:r="http://schemas.openxmlformats.org/officeDocument/2006/relationships" xmlns:p="http://schemas.openxmlformats.org/presentationml/2006/main">
+  <p:cSld>
+    <p:spTree>
+      <p:nvGrpSpPr>
+        <p:cNvPr id="1" name=""/>
+        <p:cNvGrpSpPr/>
+        <p:nvPr/>
+      </p:nvGrpSpPr>
+      <p:grpSpPr>
+        <a:xfrm>
+          <a:off x="0" y="0"/>
+          <a:ext cx="0" cy="0"/>
+          <a:chOff x="0" y="0"/>
+          <a:chExt cx="0" cy="0"/>
+        </a:xfrm>
+      </p:grpSpPr>
+      <p:sp>
+        <p:nvSpPr>
+          <p:cNvPr id="2" name="標題 1">
+            <a:extLst>
+              <a:ext uri="{FF2B5EF4-FFF2-40B4-BE49-F238E27FC236}">
+                <a16:creationId xmlns:a16="http://schemas.microsoft.com/office/drawing/2014/main" id="{51AAE519-7BCD-4D8C-B614-B9283C20DB33}"/>
+              </a:ext>
+            </a:extLst>
+          </p:cNvPr>
+          <p:cNvSpPr>
+            <a:spLocks noGrp="1"/>
+          </p:cNvSpPr>
+          <p:nvPr>
+            <p:ph type="title"/>
+          </p:nvPr>
+        </p:nvSpPr>
+        <p:spPr/>
+        <p:txBody>
+          <a:bodyPr/>
+          <a:lstStyle/>
+          <a:p>
+            <a:r>
+              <a:rPr lang="zh-TW" altLang="en-US" dirty="0"/>
+              <a:t>怎麼實做一個</a:t>
+            </a:r>
+            <a:r>
+              <a:rPr lang="en-US" altLang="zh-TW" dirty="0"/>
+              <a:t>Where</a:t>
+            </a:r>
+            <a:r>
+              <a:rPr lang="zh-TW" altLang="en-US" dirty="0"/>
+              <a:t>？</a:t>
+            </a:r>
+            <a:endParaRPr lang="en-US" altLang="zh-TW" dirty="0"/>
+          </a:p>
+        </p:txBody>
+      </p:sp>
+      <p:sp>
+        <p:nvSpPr>
+          <p:cNvPr id="3" name="內容版面配置區 2">
+            <a:extLst>
+              <a:ext uri="{FF2B5EF4-FFF2-40B4-BE49-F238E27FC236}">
+                <a16:creationId xmlns:a16="http://schemas.microsoft.com/office/drawing/2014/main" id="{7467E32A-E302-401F-A84B-B6842F2EC954}"/>
+              </a:ext>
+            </a:extLst>
+          </p:cNvPr>
+          <p:cNvSpPr>
+            <a:spLocks noGrp="1"/>
+          </p:cNvSpPr>
+          <p:nvPr>
+            <p:ph idx="1"/>
+          </p:nvPr>
+        </p:nvSpPr>
+        <p:spPr/>
+        <p:txBody>
+          <a:bodyPr/>
+          <a:lstStyle/>
+          <a:p>
+            <a:endParaRPr lang="en-US" altLang="zh-TW" dirty="0"/>
+          </a:p>
+        </p:txBody>
+      </p:sp>
+      <p:sp>
+        <p:nvSpPr>
+          <p:cNvPr id="4" name="文字方塊 3">
+            <a:extLst>
+              <a:ext uri="{FF2B5EF4-FFF2-40B4-BE49-F238E27FC236}">
+                <a16:creationId xmlns:a16="http://schemas.microsoft.com/office/drawing/2014/main" id="{2442BE6C-2D0D-4E4C-8100-88026C4B02AC}"/>
+              </a:ext>
+            </a:extLst>
+          </p:cNvPr>
+          <p:cNvSpPr txBox="1"/>
+          <p:nvPr/>
+        </p:nvSpPr>
+        <p:spPr>
+          <a:xfrm>
+            <a:off x="6096000" y="5672030"/>
+            <a:ext cx="3178002" cy="369332"/>
+          </a:xfrm>
+          <a:prstGeom prst="rect">
+            <a:avLst/>
+          </a:prstGeom>
+          <a:noFill/>
+        </p:spPr>
+        <p:txBody>
+          <a:bodyPr wrap="square" rtlCol="0">
+            <a:spAutoFit/>
+          </a:bodyPr>
+          <a:lstStyle/>
+          <a:p>
+            <a:r>
+              <a:rPr lang="en-US" altLang="zh-TW" dirty="0"/>
+              <a:t>FuncSample_3</a:t>
+            </a:r>
+            <a:endParaRPr lang="zh-TW" altLang="en-US" dirty="0"/>
+          </a:p>
+        </p:txBody>
+      </p:sp>
+    </p:spTree>
+    <p:extLst>
+      <p:ext uri="{BB962C8B-B14F-4D97-AF65-F5344CB8AC3E}">
+        <p14:creationId xmlns:p14="http://schemas.microsoft.com/office/powerpoint/2010/main" val="2099299505"/>
+      </p:ext>
+    </p:extLst>
+  </p:cSld>
+  <p:clrMapOvr>
+    <a:masterClrMapping/>
+  </p:clrMapOvr>
+</p:sld>
+</file>
+
+<file path=ppt/slides/slide24.xml><?xml version="1.0" encoding="utf-8"?>
+<p:sld xmlns:a="http://schemas.openxmlformats.org/drawingml/2006/main" xmlns:r="http://schemas.openxmlformats.org/officeDocument/2006/relationships" xmlns:p="http://schemas.openxmlformats.org/presentationml/2006/main">
+  <p:cSld>
+    <p:spTree>
+      <p:nvGrpSpPr>
+        <p:cNvPr id="1" name=""/>
+        <p:cNvGrpSpPr/>
+        <p:nvPr/>
+      </p:nvGrpSpPr>
+      <p:grpSpPr>
+        <a:xfrm>
+          <a:off x="0" y="0"/>
+          <a:ext cx="0" cy="0"/>
+          <a:chOff x="0" y="0"/>
+          <a:chExt cx="0" cy="0"/>
+        </a:xfrm>
+      </p:grpSpPr>
+      <p:sp>
+        <p:nvSpPr>
+          <p:cNvPr id="2" name="標題 1">
+            <a:extLst>
+              <a:ext uri="{FF2B5EF4-FFF2-40B4-BE49-F238E27FC236}">
+                <a16:creationId xmlns:a16="http://schemas.microsoft.com/office/drawing/2014/main" id="{51AAE519-7BCD-4D8C-B614-B9283C20DB33}"/>
+              </a:ext>
+            </a:extLst>
+          </p:cNvPr>
+          <p:cNvSpPr>
+            <a:spLocks noGrp="1"/>
+          </p:cNvSpPr>
+          <p:nvPr>
+            <p:ph type="title"/>
+          </p:nvPr>
+        </p:nvSpPr>
+        <p:spPr/>
+        <p:txBody>
+          <a:bodyPr/>
+          <a:lstStyle/>
+          <a:p>
+            <a:r>
+              <a:rPr lang="en-US" altLang="zh-TW" dirty="0"/>
+              <a:t>Action</a:t>
+            </a:r>
+          </a:p>
+        </p:txBody>
+      </p:sp>
+      <p:sp>
+        <p:nvSpPr>
+          <p:cNvPr id="4" name="文字方塊 3">
+            <a:extLst>
+              <a:ext uri="{FF2B5EF4-FFF2-40B4-BE49-F238E27FC236}">
+                <a16:creationId xmlns:a16="http://schemas.microsoft.com/office/drawing/2014/main" id="{2442BE6C-2D0D-4E4C-8100-88026C4B02AC}"/>
+              </a:ext>
+            </a:extLst>
+          </p:cNvPr>
+          <p:cNvSpPr txBox="1"/>
+          <p:nvPr/>
+        </p:nvSpPr>
+        <p:spPr>
+          <a:xfrm>
+            <a:off x="6096000" y="5672030"/>
+            <a:ext cx="3178002" cy="369332"/>
+          </a:xfrm>
+          <a:prstGeom prst="rect">
+            <a:avLst/>
+          </a:prstGeom>
+          <a:noFill/>
+        </p:spPr>
+        <p:txBody>
+          <a:bodyPr wrap="square" rtlCol="0">
+            <a:spAutoFit/>
+          </a:bodyPr>
+          <a:lstStyle/>
+          <a:p>
+            <a:r>
+              <a:rPr lang="en-US" altLang="zh-TW" dirty="0"/>
+              <a:t>ActionSample_1</a:t>
+            </a:r>
+            <a:endParaRPr lang="zh-TW" altLang="en-US" dirty="0"/>
+          </a:p>
+        </p:txBody>
+      </p:sp>
+      <p:pic>
+        <p:nvPicPr>
+          <p:cNvPr id="9" name="內容版面配置區 3">
+            <a:extLst>
+              <a:ext uri="{FF2B5EF4-FFF2-40B4-BE49-F238E27FC236}">
+                <a16:creationId xmlns:a16="http://schemas.microsoft.com/office/drawing/2014/main" id="{B31FE51E-A463-4FD6-BB99-BC011A6A9CF6}"/>
+              </a:ext>
+            </a:extLst>
+          </p:cNvPr>
+          <p:cNvPicPr>
+            <a:picLocks noChangeAspect="1"/>
+          </p:cNvPicPr>
+          <p:nvPr/>
+        </p:nvPicPr>
+        <p:blipFill>
+          <a:blip r:embed="rId3"/>
+          <a:stretch>
+            <a:fillRect/>
+          </a:stretch>
+        </p:blipFill>
+        <p:spPr>
+          <a:xfrm>
+            <a:off x="677334" y="1233905"/>
+            <a:ext cx="4308734" cy="5111937"/>
+          </a:xfrm>
+          <a:prstGeom prst="rect">
+            <a:avLst/>
+          </a:prstGeom>
+        </p:spPr>
+      </p:pic>
+    </p:spTree>
+    <p:extLst>
+      <p:ext uri="{BB962C8B-B14F-4D97-AF65-F5344CB8AC3E}">
+        <p14:creationId xmlns:p14="http://schemas.microsoft.com/office/powerpoint/2010/main" val="1332126971"/>
+      </p:ext>
+    </p:extLst>
+  </p:cSld>
+  <p:clrMapOvr>
+    <a:masterClrMapping/>
+  </p:clrMapOvr>
+</p:sld>
+</file>
+
+<file path=ppt/slides/slide25.xml><?xml version="1.0" encoding="utf-8"?>
+<p:sld xmlns:a="http://schemas.openxmlformats.org/drawingml/2006/main" xmlns:r="http://schemas.openxmlformats.org/officeDocument/2006/relationships" xmlns:p="http://schemas.openxmlformats.org/presentationml/2006/main">
+  <p:cSld>
+    <p:spTree>
+      <p:nvGrpSpPr>
+        <p:cNvPr id="1" name=""/>
+        <p:cNvGrpSpPr/>
+        <p:nvPr/>
+      </p:nvGrpSpPr>
+      <p:grpSpPr>
+        <a:xfrm>
+          <a:off x="0" y="0"/>
+          <a:ext cx="0" cy="0"/>
+          <a:chOff x="0" y="0"/>
+          <a:chExt cx="0" cy="0"/>
+        </a:xfrm>
+      </p:grpSpPr>
+      <p:sp>
+        <p:nvSpPr>
+          <p:cNvPr id="8" name="標題 7">
+            <a:extLst>
+              <a:ext uri="{FF2B5EF4-FFF2-40B4-BE49-F238E27FC236}">
+                <a16:creationId xmlns:a16="http://schemas.microsoft.com/office/drawing/2014/main" id="{BD76B04D-56A6-46C5-B219-ED939D789505}"/>
+              </a:ext>
+            </a:extLst>
+          </p:cNvPr>
+          <p:cNvSpPr>
+            <a:spLocks noGrp="1"/>
+          </p:cNvSpPr>
+          <p:nvPr>
+            <p:ph type="title"/>
+          </p:nvPr>
+        </p:nvSpPr>
+        <p:spPr/>
+        <p:txBody>
+          <a:bodyPr/>
+          <a:lstStyle/>
+          <a:p>
+            <a:r>
+              <a:rPr lang="en-US" altLang="zh-TW" dirty="0"/>
+              <a:t>End</a:t>
+            </a:r>
+            <a:endParaRPr lang="zh-TW" altLang="en-US" dirty="0"/>
+          </a:p>
+        </p:txBody>
+      </p:sp>
+      <p:sp>
+        <p:nvSpPr>
+          <p:cNvPr id="9" name="文字版面配置區 8">
+            <a:extLst>
+              <a:ext uri="{FF2B5EF4-FFF2-40B4-BE49-F238E27FC236}">
+                <a16:creationId xmlns:a16="http://schemas.microsoft.com/office/drawing/2014/main" id="{3E859BED-F947-42BD-88D3-1B333AAB2344}"/>
+              </a:ext>
+            </a:extLst>
+          </p:cNvPr>
+          <p:cNvSpPr>
+            <a:spLocks noGrp="1"/>
+          </p:cNvSpPr>
+          <p:nvPr>
+            <p:ph type="body" idx="1"/>
+          </p:nvPr>
+        </p:nvSpPr>
+        <p:spPr/>
+        <p:txBody>
+          <a:bodyPr/>
+          <a:lstStyle/>
+          <a:p>
+            <a:endParaRPr lang="zh-TW" altLang="en-US"/>
+          </a:p>
+        </p:txBody>
+      </p:sp>
+    </p:spTree>
+    <p:extLst>
+      <p:ext uri="{BB962C8B-B14F-4D97-AF65-F5344CB8AC3E}">
+        <p14:creationId xmlns:p14="http://schemas.microsoft.com/office/powerpoint/2010/main" val="1359257216"/>
+      </p:ext>
+    </p:extLst>
+  </p:cSld>
+  <p:clrMapOvr>
+    <a:masterClrMapping/>
+  </p:clrMapOvr>
+</p:sld>
+</file>
+
+<file path=ppt/slides/slide3.xml><?xml version="1.0" encoding="utf-8"?>
+<p:sld xmlns:a="http://schemas.openxmlformats.org/drawingml/2006/main" xmlns:r="http://schemas.openxmlformats.org/officeDocument/2006/relationships" xmlns:p="http://schemas.openxmlformats.org/presentationml/2006/main">
+  <p:cSld>
+    <p:spTree>
+      <p:nvGrpSpPr>
+        <p:cNvPr id="1" name=""/>
+        <p:cNvGrpSpPr/>
+        <p:nvPr/>
+      </p:nvGrpSpPr>
+      <p:grpSpPr>
+        <a:xfrm>
+          <a:off x="0" y="0"/>
+          <a:ext cx="0" cy="0"/>
+          <a:chOff x="0" y="0"/>
+          <a:chExt cx="0" cy="0"/>
+        </a:xfrm>
+      </p:grpSpPr>
+      <p:sp>
+        <p:nvSpPr>
+          <p:cNvPr id="2" name="標題 1">
+            <a:extLst>
+              <a:ext uri="{FF2B5EF4-FFF2-40B4-BE49-F238E27FC236}">
+                <a16:creationId xmlns:a16="http://schemas.microsoft.com/office/drawing/2014/main" id="{51AAE519-7BCD-4D8C-B614-B9283C20DB33}"/>
+              </a:ext>
+            </a:extLst>
+          </p:cNvPr>
+          <p:cNvSpPr>
+            <a:spLocks noGrp="1"/>
+          </p:cNvSpPr>
+          <p:nvPr>
+            <p:ph type="title"/>
+          </p:nvPr>
+        </p:nvSpPr>
+        <p:spPr/>
+        <p:txBody>
+          <a:bodyPr/>
+          <a:lstStyle/>
+          <a:p>
+            <a:r>
+              <a:rPr lang="zh-TW" altLang="en-US" dirty="0"/>
+              <a:t>什麼是泛型？</a:t>
+            </a:r>
+            <a:endParaRPr lang="en-US" altLang="zh-TW" dirty="0"/>
+          </a:p>
+        </p:txBody>
+      </p:sp>
+      <p:sp>
+        <p:nvSpPr>
+          <p:cNvPr id="3" name="內容版面配置區 2">
+            <a:extLst>
+              <a:ext uri="{FF2B5EF4-FFF2-40B4-BE49-F238E27FC236}">
+                <a16:creationId xmlns:a16="http://schemas.microsoft.com/office/drawing/2014/main" id="{7467E32A-E302-401F-A84B-B6842F2EC954}"/>
+              </a:ext>
+            </a:extLst>
+          </p:cNvPr>
+          <p:cNvSpPr>
+            <a:spLocks noGrp="1"/>
+          </p:cNvSpPr>
+          <p:nvPr>
+            <p:ph idx="1"/>
+          </p:nvPr>
+        </p:nvSpPr>
+        <p:spPr/>
+        <p:txBody>
+          <a:bodyPr/>
+          <a:lstStyle/>
+          <a:p>
+            <a:endParaRPr lang="en-US" altLang="zh-TW" dirty="0"/>
+          </a:p>
+        </p:txBody>
+      </p:sp>
+      <p:sp>
+        <p:nvSpPr>
+          <p:cNvPr id="5" name="文字方塊 4">
+            <a:extLst>
+              <a:ext uri="{FF2B5EF4-FFF2-40B4-BE49-F238E27FC236}">
+                <a16:creationId xmlns:a16="http://schemas.microsoft.com/office/drawing/2014/main" id="{4E46B03E-CEFB-46D9-BCA5-CA5C12929C5D}"/>
+              </a:ext>
+            </a:extLst>
+          </p:cNvPr>
+          <p:cNvSpPr txBox="1"/>
+          <p:nvPr/>
+        </p:nvSpPr>
+        <p:spPr>
+          <a:xfrm>
+            <a:off x="6096000" y="5675602"/>
+            <a:ext cx="2005263" cy="365760"/>
+          </a:xfrm>
+          <a:prstGeom prst="rect">
+            <a:avLst/>
+          </a:prstGeom>
+          <a:noFill/>
+        </p:spPr>
+        <p:txBody>
+          <a:bodyPr wrap="square" rtlCol="0">
+            <a:spAutoFit/>
+          </a:bodyPr>
+          <a:lstStyle/>
+          <a:p>
+            <a:r>
+              <a:rPr lang="en-US" altLang="zh-TW" dirty="0"/>
+              <a:t>GenericSample_1</a:t>
+            </a:r>
+            <a:endParaRPr lang="zh-TW" altLang="en-US" dirty="0"/>
+          </a:p>
+        </p:txBody>
+      </p:sp>
+    </p:spTree>
+    <p:extLst>
+      <p:ext uri="{BB962C8B-B14F-4D97-AF65-F5344CB8AC3E}">
+        <p14:creationId xmlns:p14="http://schemas.microsoft.com/office/powerpoint/2010/main" val="724643835"/>
+      </p:ext>
+    </p:extLst>
+  </p:cSld>
+  <p:clrMapOvr>
+    <a:masterClrMapping/>
+  </p:clrMapOvr>
+</p:sld>
+</file>
+
+<file path=ppt/slides/slide4.xml><?xml version="1.0" encoding="utf-8"?>
+<p:sld xmlns:a="http://schemas.openxmlformats.org/drawingml/2006/main" xmlns:r="http://schemas.openxmlformats.org/officeDocument/2006/relationships" xmlns:p="http://schemas.openxmlformats.org/presentationml/2006/main">
+  <p:cSld>
+    <p:spTree>
+      <p:nvGrpSpPr>
+        <p:cNvPr id="1" name=""/>
+        <p:cNvGrpSpPr/>
+        <p:nvPr/>
+      </p:nvGrpSpPr>
+      <p:grpSpPr>
+        <a:xfrm>
+          <a:off x="0" y="0"/>
+          <a:ext cx="0" cy="0"/>
+          <a:chOff x="0" y="0"/>
+          <a:chExt cx="0" cy="0"/>
+        </a:xfrm>
+      </p:grpSpPr>
+      <p:sp>
+        <p:nvSpPr>
+          <p:cNvPr id="2" name="標題 1">
+            <a:extLst>
+              <a:ext uri="{FF2B5EF4-FFF2-40B4-BE49-F238E27FC236}">
+                <a16:creationId xmlns:a16="http://schemas.microsoft.com/office/drawing/2014/main" id="{51AAE519-7BCD-4D8C-B614-B9283C20DB33}"/>
+              </a:ext>
+            </a:extLst>
+          </p:cNvPr>
+          <p:cNvSpPr>
+            <a:spLocks noGrp="1"/>
+          </p:cNvSpPr>
+          <p:nvPr>
+            <p:ph type="title"/>
+          </p:nvPr>
+        </p:nvSpPr>
+        <p:spPr/>
+        <p:txBody>
+          <a:bodyPr/>
+          <a:lstStyle/>
+          <a:p>
+            <a:r>
+              <a:rPr lang="zh-TW" altLang="en-US"/>
+              <a:t>如果沒有泛型？</a:t>
+            </a:r>
+            <a:endParaRPr lang="en-US" altLang="zh-TW"/>
+          </a:p>
+        </p:txBody>
+      </p:sp>
+      <p:sp>
+        <p:nvSpPr>
+          <p:cNvPr id="3" name="內容版面配置區 2">
+            <a:extLst>
+              <a:ext uri="{FF2B5EF4-FFF2-40B4-BE49-F238E27FC236}">
+                <a16:creationId xmlns:a16="http://schemas.microsoft.com/office/drawing/2014/main" id="{7467E32A-E302-401F-A84B-B6842F2EC954}"/>
+              </a:ext>
+            </a:extLst>
+          </p:cNvPr>
+          <p:cNvSpPr>
+            <a:spLocks noGrp="1"/>
+          </p:cNvSpPr>
+          <p:nvPr>
+            <p:ph idx="1"/>
+          </p:nvPr>
+        </p:nvSpPr>
+        <p:spPr/>
+        <p:txBody>
+          <a:bodyPr/>
+          <a:lstStyle/>
+          <a:p>
+            <a:endParaRPr lang="en-US" altLang="zh-TW" dirty="0"/>
+          </a:p>
+        </p:txBody>
+      </p:sp>
+      <p:sp>
+        <p:nvSpPr>
+          <p:cNvPr id="5" name="文字方塊 4">
+            <a:extLst>
+              <a:ext uri="{FF2B5EF4-FFF2-40B4-BE49-F238E27FC236}">
+                <a16:creationId xmlns:a16="http://schemas.microsoft.com/office/drawing/2014/main" id="{329DA23C-8DB8-4FFB-B011-E4B2DC9CCC6C}"/>
+              </a:ext>
+            </a:extLst>
+          </p:cNvPr>
+          <p:cNvSpPr txBox="1"/>
+          <p:nvPr/>
+        </p:nvSpPr>
+        <p:spPr>
+          <a:xfrm>
+            <a:off x="6096000" y="5672030"/>
+            <a:ext cx="2005263" cy="369332"/>
+          </a:xfrm>
+          <a:prstGeom prst="rect">
+            <a:avLst/>
+          </a:prstGeom>
+          <a:noFill/>
+        </p:spPr>
+        <p:txBody>
+          <a:bodyPr wrap="square" rtlCol="0">
+            <a:spAutoFit/>
+          </a:bodyPr>
+          <a:lstStyle/>
+          <a:p>
+            <a:r>
+              <a:rPr lang="en-US" altLang="zh-TW" dirty="0"/>
+              <a:t>GenericSample_2</a:t>
+            </a:r>
+            <a:endParaRPr lang="zh-TW" altLang="en-US" dirty="0"/>
+          </a:p>
+        </p:txBody>
+      </p:sp>
+    </p:spTree>
+    <p:extLst>
+      <p:ext uri="{BB962C8B-B14F-4D97-AF65-F5344CB8AC3E}">
+        <p14:creationId xmlns:p14="http://schemas.microsoft.com/office/powerpoint/2010/main" val="3848845485"/>
+      </p:ext>
+    </p:extLst>
+  </p:cSld>
+  <p:clrMapOvr>
+    <a:masterClrMapping/>
+  </p:clrMapOvr>
+</p:sld>
+</file>
+
+<file path=ppt/slides/slide5.xml><?xml version="1.0" encoding="utf-8"?>
+<p:sld xmlns:a="http://schemas.openxmlformats.org/drawingml/2006/main" xmlns:r="http://schemas.openxmlformats.org/officeDocument/2006/relationships" xmlns:p="http://schemas.openxmlformats.org/presentationml/2006/main">
+  <p:cSld>
+    <p:spTree>
+      <p:nvGrpSpPr>
+        <p:cNvPr id="1" name=""/>
+        <p:cNvGrpSpPr/>
+        <p:nvPr/>
+      </p:nvGrpSpPr>
+      <p:grpSpPr>
+        <a:xfrm>
+          <a:off x="0" y="0"/>
+          <a:ext cx="0" cy="0"/>
+          <a:chOff x="0" y="0"/>
+          <a:chExt cx="0" cy="0"/>
+        </a:xfrm>
+      </p:grpSpPr>
+      <p:sp>
+        <p:nvSpPr>
+          <p:cNvPr id="2" name="標題 1">
+            <a:extLst>
+              <a:ext uri="{FF2B5EF4-FFF2-40B4-BE49-F238E27FC236}">
+                <a16:creationId xmlns:a16="http://schemas.microsoft.com/office/drawing/2014/main" id="{51AAE519-7BCD-4D8C-B614-B9283C20DB33}"/>
+              </a:ext>
+            </a:extLst>
+          </p:cNvPr>
+          <p:cNvSpPr>
+            <a:spLocks noGrp="1"/>
+          </p:cNvSpPr>
+          <p:nvPr>
+            <p:ph type="title"/>
+          </p:nvPr>
+        </p:nvSpPr>
+        <p:spPr/>
+        <p:txBody>
+          <a:bodyPr/>
+          <a:lstStyle/>
+          <a:p>
+            <a:r>
+              <a:rPr lang="en-US" altLang="zh-TW" err="1"/>
+              <a:t>ArrayList</a:t>
+            </a:r>
+            <a:endParaRPr lang="en-US" altLang="zh-TW"/>
+          </a:p>
+        </p:txBody>
+      </p:sp>
+      <p:sp>
+        <p:nvSpPr>
+          <p:cNvPr id="3" name="內容版面配置區 2">
+            <a:extLst>
+              <a:ext uri="{FF2B5EF4-FFF2-40B4-BE49-F238E27FC236}">
+                <a16:creationId xmlns:a16="http://schemas.microsoft.com/office/drawing/2014/main" id="{7467E32A-E302-401F-A84B-B6842F2EC954}"/>
+              </a:ext>
+            </a:extLst>
+          </p:cNvPr>
+          <p:cNvSpPr>
+            <a:spLocks noGrp="1"/>
+          </p:cNvSpPr>
+          <p:nvPr>
+            <p:ph idx="1"/>
+          </p:nvPr>
+        </p:nvSpPr>
+        <p:spPr/>
+        <p:txBody>
+          <a:bodyPr/>
+          <a:lstStyle/>
+          <a:p>
+            <a:endParaRPr lang="en-US" altLang="zh-TW" dirty="0"/>
+          </a:p>
+        </p:txBody>
+      </p:sp>
+      <p:sp>
+        <p:nvSpPr>
+          <p:cNvPr id="4" name="文字方塊 3">
+            <a:extLst>
+              <a:ext uri="{FF2B5EF4-FFF2-40B4-BE49-F238E27FC236}">
+                <a16:creationId xmlns:a16="http://schemas.microsoft.com/office/drawing/2014/main" id="{381F2A97-48D4-45B3-91B8-9AB7E32E5EA1}"/>
+              </a:ext>
+            </a:extLst>
+          </p:cNvPr>
+          <p:cNvSpPr txBox="1"/>
+          <p:nvPr/>
+        </p:nvSpPr>
+        <p:spPr>
+          <a:xfrm>
+            <a:off x="6096000" y="5672030"/>
+            <a:ext cx="2005263" cy="369332"/>
+          </a:xfrm>
+          <a:prstGeom prst="rect">
+            <a:avLst/>
+          </a:prstGeom>
+          <a:noFill/>
+        </p:spPr>
+        <p:txBody>
+          <a:bodyPr wrap="square" rtlCol="0">
+            <a:spAutoFit/>
+          </a:bodyPr>
+          <a:lstStyle/>
+          <a:p>
+            <a:r>
+              <a:rPr lang="en-US" altLang="zh-TW" dirty="0"/>
+              <a:t>GenericSample_3</a:t>
+            </a:r>
+            <a:endParaRPr lang="zh-TW" altLang="en-US" dirty="0"/>
+          </a:p>
+        </p:txBody>
+      </p:sp>
+      <p:pic>
+        <p:nvPicPr>
+          <p:cNvPr id="5" name="圖片 4">
+            <a:extLst>
+              <a:ext uri="{FF2B5EF4-FFF2-40B4-BE49-F238E27FC236}">
+                <a16:creationId xmlns:a16="http://schemas.microsoft.com/office/drawing/2014/main" id="{BE2DC1B1-CF0A-46FB-BE36-FAFB9700EA48}"/>
+              </a:ext>
+            </a:extLst>
+          </p:cNvPr>
+          <p:cNvPicPr>
+            <a:picLocks noChangeAspect="1"/>
+          </p:cNvPicPr>
+          <p:nvPr/>
+        </p:nvPicPr>
+        <p:blipFill>
+          <a:blip r:embed="rId3"/>
+          <a:stretch>
+            <a:fillRect/>
+          </a:stretch>
+        </p:blipFill>
+        <p:spPr>
+          <a:xfrm>
+            <a:off x="677334" y="2160590"/>
+            <a:ext cx="8159642" cy="3281252"/>
+          </a:xfrm>
+          <a:prstGeom prst="rect">
+            <a:avLst/>
+          </a:prstGeom>
+        </p:spPr>
+      </p:pic>
+    </p:spTree>
+    <p:extLst>
+      <p:ext uri="{BB962C8B-B14F-4D97-AF65-F5344CB8AC3E}">
+        <p14:creationId xmlns:p14="http://schemas.microsoft.com/office/powerpoint/2010/main" val="389947943"/>
+      </p:ext>
+    </p:extLst>
+  </p:cSld>
+  <p:clrMapOvr>
+    <a:masterClrMapping/>
+  </p:clrMapOvr>
+</p:sld>
+</file>
+
+<file path=ppt/slides/slide6.xml><?xml version="1.0" encoding="utf-8"?>
+<p:sld xmlns:a="http://schemas.openxmlformats.org/drawingml/2006/main" xmlns:r="http://schemas.openxmlformats.org/officeDocument/2006/relationships" xmlns:p="http://schemas.openxmlformats.org/presentationml/2006/main">
+  <p:cSld>
+    <p:spTree>
+      <p:nvGrpSpPr>
+        <p:cNvPr id="1" name=""/>
+        <p:cNvGrpSpPr/>
+        <p:nvPr/>
+      </p:nvGrpSpPr>
+      <p:grpSpPr>
+        <a:xfrm>
+          <a:off x="0" y="0"/>
+          <a:ext cx="0" cy="0"/>
+          <a:chOff x="0" y="0"/>
+          <a:chExt cx="0" cy="0"/>
+        </a:xfrm>
+      </p:grpSpPr>
+      <p:sp>
+        <p:nvSpPr>
+          <p:cNvPr id="2" name="標題 1">
+            <a:extLst>
+              <a:ext uri="{FF2B5EF4-FFF2-40B4-BE49-F238E27FC236}">
+                <a16:creationId xmlns:a16="http://schemas.microsoft.com/office/drawing/2014/main" id="{51AAE519-7BCD-4D8C-B614-B9283C20DB33}"/>
+              </a:ext>
+            </a:extLst>
+          </p:cNvPr>
+          <p:cNvSpPr>
+            <a:spLocks noGrp="1"/>
+          </p:cNvSpPr>
+          <p:nvPr>
+            <p:ph type="title"/>
+          </p:nvPr>
+        </p:nvSpPr>
+        <p:spPr/>
+        <p:txBody>
+          <a:bodyPr/>
+          <a:lstStyle/>
+          <a:p>
+            <a:r>
+              <a:rPr lang="zh-TW" altLang="en-US" dirty="0"/>
+              <a:t>可能造成什麼問題？</a:t>
+            </a:r>
+            <a:endParaRPr lang="en-US" altLang="zh-TW" dirty="0"/>
+          </a:p>
+        </p:txBody>
+      </p:sp>
+      <p:sp>
+        <p:nvSpPr>
+          <p:cNvPr id="3" name="內容版面配置區 2">
+            <a:extLst>
+              <a:ext uri="{FF2B5EF4-FFF2-40B4-BE49-F238E27FC236}">
+                <a16:creationId xmlns:a16="http://schemas.microsoft.com/office/drawing/2014/main" id="{7467E32A-E302-401F-A84B-B6842F2EC954}"/>
+              </a:ext>
+            </a:extLst>
+          </p:cNvPr>
+          <p:cNvSpPr>
+            <a:spLocks noGrp="1"/>
+          </p:cNvSpPr>
+          <p:nvPr>
+            <p:ph idx="1"/>
+          </p:nvPr>
+        </p:nvSpPr>
+        <p:spPr/>
+        <p:txBody>
+          <a:bodyPr/>
+          <a:lstStyle/>
+          <a:p>
+            <a:endParaRPr lang="en-US" altLang="zh-TW" dirty="0"/>
+          </a:p>
+        </p:txBody>
+      </p:sp>
+      <p:sp>
+        <p:nvSpPr>
+          <p:cNvPr id="7" name="文字方塊 6">
+            <a:extLst>
+              <a:ext uri="{FF2B5EF4-FFF2-40B4-BE49-F238E27FC236}">
+                <a16:creationId xmlns:a16="http://schemas.microsoft.com/office/drawing/2014/main" id="{7E5D05F0-1C04-42B6-8EDB-2C1AF81005AB}"/>
+              </a:ext>
+            </a:extLst>
+          </p:cNvPr>
+          <p:cNvSpPr txBox="1"/>
+          <p:nvPr/>
+        </p:nvSpPr>
+        <p:spPr>
+          <a:xfrm>
+            <a:off x="6096000" y="5672030"/>
+            <a:ext cx="2005263" cy="369332"/>
+          </a:xfrm>
+          <a:prstGeom prst="rect">
+            <a:avLst/>
+          </a:prstGeom>
+          <a:noFill/>
+        </p:spPr>
+        <p:txBody>
+          <a:bodyPr wrap="square" rtlCol="0">
+            <a:spAutoFit/>
+          </a:bodyPr>
+          <a:lstStyle/>
+          <a:p>
+            <a:r>
+              <a:rPr lang="en-US" altLang="zh-TW" dirty="0"/>
+              <a:t>GenericSample_4</a:t>
+            </a:r>
+            <a:endParaRPr lang="zh-TW" altLang="en-US" dirty="0"/>
+          </a:p>
+        </p:txBody>
+      </p:sp>
+    </p:spTree>
+    <p:extLst>
+      <p:ext uri="{BB962C8B-B14F-4D97-AF65-F5344CB8AC3E}">
+        <p14:creationId xmlns:p14="http://schemas.microsoft.com/office/powerpoint/2010/main" val="3779149577"/>
+      </p:ext>
+    </p:extLst>
+  </p:cSld>
+  <p:clrMapOvr>
+    <a:masterClrMapping/>
+  </p:clrMapOvr>
+</p:sld>
+</file>
+
+<file path=ppt/slides/slide7.xml><?xml version="1.0" encoding="utf-8"?>
+<p:sld xmlns:a="http://schemas.openxmlformats.org/drawingml/2006/main" xmlns:r="http://schemas.openxmlformats.org/officeDocument/2006/relationships" xmlns:p="http://schemas.openxmlformats.org/presentationml/2006/main">
+  <p:cSld>
+    <p:spTree>
+      <p:nvGrpSpPr>
+        <p:cNvPr id="1" name=""/>
+        <p:cNvGrpSpPr/>
+        <p:nvPr/>
+      </p:nvGrpSpPr>
+      <p:grpSpPr>
+        <a:xfrm>
+          <a:off x="0" y="0"/>
+          <a:ext cx="0" cy="0"/>
+          <a:chOff x="0" y="0"/>
+          <a:chExt cx="0" cy="0"/>
+        </a:xfrm>
+      </p:grpSpPr>
+      <p:sp>
+        <p:nvSpPr>
+          <p:cNvPr id="2" name="標題 1">
+            <a:extLst>
+              <a:ext uri="{FF2B5EF4-FFF2-40B4-BE49-F238E27FC236}">
+                <a16:creationId xmlns:a16="http://schemas.microsoft.com/office/drawing/2014/main" id="{51AAE519-7BCD-4D8C-B614-B9283C20DB33}"/>
+              </a:ext>
+            </a:extLst>
+          </p:cNvPr>
+          <p:cNvSpPr>
+            <a:spLocks noGrp="1"/>
+          </p:cNvSpPr>
+          <p:nvPr>
+            <p:ph type="title"/>
+          </p:nvPr>
+        </p:nvSpPr>
+        <p:spPr/>
+        <p:txBody>
+          <a:bodyPr/>
+          <a:lstStyle/>
+          <a:p>
+            <a:r>
+              <a:rPr lang="en-US" altLang="zh-TW" err="1"/>
+              <a:t>ArrayList</a:t>
+            </a:r>
+            <a:endParaRPr lang="en-US" altLang="zh-TW"/>
+          </a:p>
+        </p:txBody>
+      </p:sp>
+      <p:sp>
+        <p:nvSpPr>
+          <p:cNvPr id="3" name="內容版面配置區 2">
+            <a:extLst>
+              <a:ext uri="{FF2B5EF4-FFF2-40B4-BE49-F238E27FC236}">
+                <a16:creationId xmlns:a16="http://schemas.microsoft.com/office/drawing/2014/main" id="{7467E32A-E302-401F-A84B-B6842F2EC954}"/>
+              </a:ext>
+            </a:extLst>
+          </p:cNvPr>
+          <p:cNvSpPr>
+            <a:spLocks noGrp="1"/>
+          </p:cNvSpPr>
+          <p:nvPr>
+            <p:ph idx="1"/>
+          </p:nvPr>
+        </p:nvSpPr>
+        <p:spPr/>
+        <p:txBody>
+          <a:bodyPr/>
+          <a:lstStyle/>
+          <a:p>
+            <a:r>
+              <a:rPr lang="en-US" altLang="zh-TW"/>
+              <a:t>Boxing</a:t>
+            </a:r>
+          </a:p>
+          <a:p>
+            <a:r>
+              <a:rPr lang="en-US" altLang="zh-TW"/>
+              <a:t>Unboxing</a:t>
+            </a:r>
+          </a:p>
+        </p:txBody>
+      </p:sp>
+    </p:spTree>
+    <p:extLst>
+      <p:ext uri="{BB962C8B-B14F-4D97-AF65-F5344CB8AC3E}">
+        <p14:creationId xmlns:p14="http://schemas.microsoft.com/office/powerpoint/2010/main" val="37764581"/>
+      </p:ext>
+    </p:extLst>
+  </p:cSld>
+  <p:clrMapOvr>
+    <a:masterClrMapping/>
+  </p:clrMapOvr>
+</p:sld>
+</file>
+
+<file path=ppt/slides/slide8.xml><?xml version="1.0" encoding="utf-8"?>
 <p:sld xmlns:a="http://schemas.openxmlformats.org/drawingml/2006/main" xmlns:r="http://schemas.openxmlformats.org/officeDocument/2006/relationships" xmlns:p="http://schemas.openxmlformats.org/presentationml/2006/main">
   <p:cSld>
     <p:spTree>
@@ -10289,7 +12899,7 @@
 </p:sld>
 </file>
 
-<file path=ppt/slides/slide11.xml><?xml version="1.0" encoding="utf-8"?>
+<file path=ppt/slides/slide9.xml><?xml version="1.0" encoding="utf-8"?>
 <p:sld xmlns:a="http://schemas.openxmlformats.org/drawingml/2006/main" xmlns:r="http://schemas.openxmlformats.org/officeDocument/2006/relationships" xmlns:p="http://schemas.openxmlformats.org/presentationml/2006/main">
   <p:cSld>
     <p:spTree>
@@ -10376,2924 +12986,6 @@
     <p:extLst>
       <p:ext uri="{BB962C8B-B14F-4D97-AF65-F5344CB8AC3E}">
         <p14:creationId xmlns:p14="http://schemas.microsoft.com/office/powerpoint/2010/main" val="1515360737"/>
-      </p:ext>
-    </p:extLst>
-  </p:cSld>
-  <p:clrMapOvr>
-    <a:masterClrMapping/>
-  </p:clrMapOvr>
-</p:sld>
-</file>
-
-<file path=ppt/slides/slide12.xml><?xml version="1.0" encoding="utf-8"?>
-<p:sld xmlns:a="http://schemas.openxmlformats.org/drawingml/2006/main" xmlns:r="http://schemas.openxmlformats.org/officeDocument/2006/relationships" xmlns:p="http://schemas.openxmlformats.org/presentationml/2006/main">
-  <p:cSld>
-    <p:spTree>
-      <p:nvGrpSpPr>
-        <p:cNvPr id="1" name=""/>
-        <p:cNvGrpSpPr/>
-        <p:nvPr/>
-      </p:nvGrpSpPr>
-      <p:grpSpPr>
-        <a:xfrm>
-          <a:off x="0" y="0"/>
-          <a:ext cx="0" cy="0"/>
-          <a:chOff x="0" y="0"/>
-          <a:chExt cx="0" cy="0"/>
-        </a:xfrm>
-      </p:grpSpPr>
-      <p:sp>
-        <p:nvSpPr>
-          <p:cNvPr id="2" name="標題 1">
-            <a:extLst>
-              <a:ext uri="{FF2B5EF4-FFF2-40B4-BE49-F238E27FC236}">
-                <a16:creationId xmlns:a16="http://schemas.microsoft.com/office/drawing/2014/main" id="{51AAE519-7BCD-4D8C-B614-B9283C20DB33}"/>
-              </a:ext>
-            </a:extLst>
-          </p:cNvPr>
-          <p:cNvSpPr>
-            <a:spLocks noGrp="1"/>
-          </p:cNvSpPr>
-          <p:nvPr>
-            <p:ph type="title"/>
-          </p:nvPr>
-        </p:nvSpPr>
-        <p:spPr/>
-        <p:txBody>
-          <a:bodyPr/>
-          <a:lstStyle/>
-          <a:p>
-            <a:r>
-              <a:rPr lang="en-US" altLang="zh-TW" dirty="0"/>
-              <a:t>Boxing</a:t>
-            </a:r>
-            <a:r>
-              <a:rPr lang="zh-TW" altLang="en-US" dirty="0"/>
-              <a:t>、</a:t>
-            </a:r>
-            <a:r>
-              <a:rPr lang="en-US" altLang="zh-TW" dirty="0"/>
-              <a:t> Unboxing</a:t>
-            </a:r>
-          </a:p>
-        </p:txBody>
-      </p:sp>
-      <p:sp>
-        <p:nvSpPr>
-          <p:cNvPr id="3" name="內容版面配置區 2">
-            <a:extLst>
-              <a:ext uri="{FF2B5EF4-FFF2-40B4-BE49-F238E27FC236}">
-                <a16:creationId xmlns:a16="http://schemas.microsoft.com/office/drawing/2014/main" id="{7467E32A-E302-401F-A84B-B6842F2EC954}"/>
-              </a:ext>
-            </a:extLst>
-          </p:cNvPr>
-          <p:cNvSpPr>
-            <a:spLocks noGrp="1"/>
-          </p:cNvSpPr>
-          <p:nvPr>
-            <p:ph idx="1"/>
-          </p:nvPr>
-        </p:nvSpPr>
-        <p:spPr/>
-        <p:txBody>
-          <a:bodyPr/>
-          <a:lstStyle/>
-          <a:p>
-            <a:r>
-              <a:rPr lang="zh-TW" altLang="en-US" dirty="0"/>
-              <a:t>造成的效能問題？</a:t>
-            </a:r>
-            <a:endParaRPr lang="en-US" altLang="zh-TW" dirty="0"/>
-          </a:p>
-          <a:p>
-            <a:r>
-              <a:rPr lang="zh-TW" altLang="en-US" dirty="0"/>
-              <a:t>使用上的問題？</a:t>
-            </a:r>
-            <a:endParaRPr lang="en-US" altLang="zh-TW" dirty="0"/>
-          </a:p>
-        </p:txBody>
-      </p:sp>
-      <p:sp>
-        <p:nvSpPr>
-          <p:cNvPr id="4" name="文字方塊 3">
-            <a:extLst>
-              <a:ext uri="{FF2B5EF4-FFF2-40B4-BE49-F238E27FC236}">
-                <a16:creationId xmlns:a16="http://schemas.microsoft.com/office/drawing/2014/main" id="{F6306F26-DFF1-41CC-85C6-343A5FCE5582}"/>
-              </a:ext>
-            </a:extLst>
-          </p:cNvPr>
-          <p:cNvSpPr txBox="1"/>
-          <p:nvPr/>
-        </p:nvSpPr>
-        <p:spPr>
-          <a:xfrm>
-            <a:off x="6096000" y="5672030"/>
-            <a:ext cx="2005263" cy="369332"/>
-          </a:xfrm>
-          <a:prstGeom prst="rect">
-            <a:avLst/>
-          </a:prstGeom>
-          <a:noFill/>
-        </p:spPr>
-        <p:txBody>
-          <a:bodyPr wrap="square" rtlCol="0">
-            <a:spAutoFit/>
-          </a:bodyPr>
-          <a:lstStyle/>
-          <a:p>
-            <a:r>
-              <a:rPr lang="en-US" altLang="zh-TW" dirty="0"/>
-              <a:t>GenericSample_5</a:t>
-            </a:r>
-            <a:endParaRPr lang="zh-TW" altLang="en-US" dirty="0"/>
-          </a:p>
-        </p:txBody>
-      </p:sp>
-    </p:spTree>
-    <p:extLst>
-      <p:ext uri="{BB962C8B-B14F-4D97-AF65-F5344CB8AC3E}">
-        <p14:creationId xmlns:p14="http://schemas.microsoft.com/office/powerpoint/2010/main" val="2659107768"/>
-      </p:ext>
-    </p:extLst>
-  </p:cSld>
-  <p:clrMapOvr>
-    <a:masterClrMapping/>
-  </p:clrMapOvr>
-</p:sld>
-</file>
-
-<file path=ppt/slides/slide13.xml><?xml version="1.0" encoding="utf-8"?>
-<p:sld xmlns:a="http://schemas.openxmlformats.org/drawingml/2006/main" xmlns:r="http://schemas.openxmlformats.org/officeDocument/2006/relationships" xmlns:p="http://schemas.openxmlformats.org/presentationml/2006/main">
-  <p:cSld>
-    <p:spTree>
-      <p:nvGrpSpPr>
-        <p:cNvPr id="1" name=""/>
-        <p:cNvGrpSpPr/>
-        <p:nvPr/>
-      </p:nvGrpSpPr>
-      <p:grpSpPr>
-        <a:xfrm>
-          <a:off x="0" y="0"/>
-          <a:ext cx="0" cy="0"/>
-          <a:chOff x="0" y="0"/>
-          <a:chExt cx="0" cy="0"/>
-        </a:xfrm>
-      </p:grpSpPr>
-      <p:sp>
-        <p:nvSpPr>
-          <p:cNvPr id="2" name="標題 1">
-            <a:extLst>
-              <a:ext uri="{FF2B5EF4-FFF2-40B4-BE49-F238E27FC236}">
-                <a16:creationId xmlns:a16="http://schemas.microsoft.com/office/drawing/2014/main" id="{51AAE519-7BCD-4D8C-B614-B9283C20DB33}"/>
-              </a:ext>
-            </a:extLst>
-          </p:cNvPr>
-          <p:cNvSpPr>
-            <a:spLocks noGrp="1"/>
-          </p:cNvSpPr>
-          <p:nvPr>
-            <p:ph type="title"/>
-          </p:nvPr>
-        </p:nvSpPr>
-        <p:spPr/>
-        <p:txBody>
-          <a:bodyPr/>
-          <a:lstStyle/>
-          <a:p>
-            <a:r>
-              <a:rPr lang="zh-TW" altLang="en-US" dirty="0"/>
-              <a:t>泛型</a:t>
-            </a:r>
-          </a:p>
-        </p:txBody>
-      </p:sp>
-      <p:sp>
-        <p:nvSpPr>
-          <p:cNvPr id="3" name="內容版面配置區 2">
-            <a:extLst>
-              <a:ext uri="{FF2B5EF4-FFF2-40B4-BE49-F238E27FC236}">
-                <a16:creationId xmlns:a16="http://schemas.microsoft.com/office/drawing/2014/main" id="{7467E32A-E302-401F-A84B-B6842F2EC954}"/>
-              </a:ext>
-            </a:extLst>
-          </p:cNvPr>
-          <p:cNvSpPr>
-            <a:spLocks noGrp="1"/>
-          </p:cNvSpPr>
-          <p:nvPr>
-            <p:ph idx="1"/>
-          </p:nvPr>
-        </p:nvSpPr>
-        <p:spPr/>
-        <p:txBody>
-          <a:bodyPr/>
-          <a:lstStyle/>
-          <a:p>
-            <a:r>
-              <a:rPr lang="en-US" altLang="zh-TW" dirty="0"/>
-              <a:t>Member</a:t>
-            </a:r>
-          </a:p>
-          <a:p>
-            <a:pPr lvl="1"/>
-            <a:r>
-              <a:rPr lang="en-US" altLang="zh-TW" dirty="0"/>
-              <a:t>Class</a:t>
-            </a:r>
-          </a:p>
-          <a:p>
-            <a:pPr lvl="1"/>
-            <a:r>
-              <a:rPr lang="en-US" altLang="zh-TW" dirty="0"/>
-              <a:t>Interface</a:t>
-            </a:r>
-          </a:p>
-          <a:p>
-            <a:pPr lvl="1"/>
-            <a:r>
-              <a:rPr lang="en-US" altLang="zh-TW" dirty="0"/>
-              <a:t>Method</a:t>
-            </a:r>
-          </a:p>
-          <a:p>
-            <a:pPr lvl="1"/>
-            <a:r>
-              <a:rPr lang="en-US" altLang="zh-TW" dirty="0"/>
-              <a:t>Delegate</a:t>
-            </a:r>
-          </a:p>
-          <a:p>
-            <a:pPr lvl="1"/>
-            <a:r>
-              <a:rPr lang="en-US" altLang="zh-TW" dirty="0"/>
-              <a:t>Field</a:t>
-            </a:r>
-          </a:p>
-          <a:p>
-            <a:pPr lvl="1"/>
-            <a:r>
-              <a:rPr lang="en-US" altLang="zh-TW" dirty="0"/>
-              <a:t>Property</a:t>
-            </a:r>
-          </a:p>
-        </p:txBody>
-      </p:sp>
-      <p:sp>
-        <p:nvSpPr>
-          <p:cNvPr id="4" name="文字方塊 3">
-            <a:extLst>
-              <a:ext uri="{FF2B5EF4-FFF2-40B4-BE49-F238E27FC236}">
-                <a16:creationId xmlns:a16="http://schemas.microsoft.com/office/drawing/2014/main" id="{56C408CD-08CF-4CEA-B566-E56532FCD5A4}"/>
-              </a:ext>
-            </a:extLst>
-          </p:cNvPr>
-          <p:cNvSpPr txBox="1"/>
-          <p:nvPr/>
-        </p:nvSpPr>
-        <p:spPr>
-          <a:xfrm>
-            <a:off x="6096000" y="5672030"/>
-            <a:ext cx="2005263" cy="369332"/>
-          </a:xfrm>
-          <a:prstGeom prst="rect">
-            <a:avLst/>
-          </a:prstGeom>
-          <a:noFill/>
-        </p:spPr>
-        <p:txBody>
-          <a:bodyPr wrap="square" rtlCol="0">
-            <a:spAutoFit/>
-          </a:bodyPr>
-          <a:lstStyle/>
-          <a:p>
-            <a:r>
-              <a:rPr lang="en-US" altLang="zh-TW" dirty="0"/>
-              <a:t>GenericSample_6</a:t>
-            </a:r>
-            <a:endParaRPr lang="zh-TW" altLang="en-US" dirty="0"/>
-          </a:p>
-        </p:txBody>
-      </p:sp>
-    </p:spTree>
-    <p:extLst>
-      <p:ext uri="{BB962C8B-B14F-4D97-AF65-F5344CB8AC3E}">
-        <p14:creationId xmlns:p14="http://schemas.microsoft.com/office/powerpoint/2010/main" val="3805626618"/>
-      </p:ext>
-    </p:extLst>
-  </p:cSld>
-  <p:clrMapOvr>
-    <a:masterClrMapping/>
-  </p:clrMapOvr>
-</p:sld>
-</file>
-
-<file path=ppt/slides/slide14.xml><?xml version="1.0" encoding="utf-8"?>
-<p:sld xmlns:a="http://schemas.openxmlformats.org/drawingml/2006/main" xmlns:r="http://schemas.openxmlformats.org/officeDocument/2006/relationships" xmlns:p="http://schemas.openxmlformats.org/presentationml/2006/main">
-  <p:cSld>
-    <p:spTree>
-      <p:nvGrpSpPr>
-        <p:cNvPr id="1" name=""/>
-        <p:cNvGrpSpPr/>
-        <p:nvPr/>
-      </p:nvGrpSpPr>
-      <p:grpSpPr>
-        <a:xfrm>
-          <a:off x="0" y="0"/>
-          <a:ext cx="0" cy="0"/>
-          <a:chOff x="0" y="0"/>
-          <a:chExt cx="0" cy="0"/>
-        </a:xfrm>
-      </p:grpSpPr>
-      <p:sp>
-        <p:nvSpPr>
-          <p:cNvPr id="2" name="標題 1">
-            <a:extLst>
-              <a:ext uri="{FF2B5EF4-FFF2-40B4-BE49-F238E27FC236}">
-                <a16:creationId xmlns:a16="http://schemas.microsoft.com/office/drawing/2014/main" id="{51AAE519-7BCD-4D8C-B614-B9283C20DB33}"/>
-              </a:ext>
-            </a:extLst>
-          </p:cNvPr>
-          <p:cNvSpPr>
-            <a:spLocks noGrp="1"/>
-          </p:cNvSpPr>
-          <p:nvPr>
-            <p:ph type="title"/>
-          </p:nvPr>
-        </p:nvSpPr>
-        <p:spPr/>
-        <p:txBody>
-          <a:bodyPr/>
-          <a:lstStyle/>
-          <a:p>
-            <a:r>
-              <a:rPr lang="zh-TW" altLang="en-US" dirty="0"/>
-              <a:t>泛型</a:t>
-            </a:r>
-          </a:p>
-        </p:txBody>
-      </p:sp>
-      <p:sp>
-        <p:nvSpPr>
-          <p:cNvPr id="3" name="內容版面配置區 2">
-            <a:extLst>
-              <a:ext uri="{FF2B5EF4-FFF2-40B4-BE49-F238E27FC236}">
-                <a16:creationId xmlns:a16="http://schemas.microsoft.com/office/drawing/2014/main" id="{7467E32A-E302-401F-A84B-B6842F2EC954}"/>
-              </a:ext>
-            </a:extLst>
-          </p:cNvPr>
-          <p:cNvSpPr>
-            <a:spLocks noGrp="1"/>
-          </p:cNvSpPr>
-          <p:nvPr>
-            <p:ph idx="1"/>
-          </p:nvPr>
-        </p:nvSpPr>
-        <p:spPr/>
-        <p:txBody>
-          <a:bodyPr/>
-          <a:lstStyle/>
-          <a:p>
-            <a:r>
-              <a:rPr lang="en-US" altLang="zh-TW" dirty="0"/>
-              <a:t>&lt;T&gt;</a:t>
-            </a:r>
-          </a:p>
-          <a:p>
-            <a:r>
-              <a:rPr lang="en-US" altLang="zh-TW" dirty="0"/>
-              <a:t>Type Parameter</a:t>
-            </a:r>
-          </a:p>
-          <a:p>
-            <a:r>
-              <a:rPr lang="en-US" altLang="zh-TW" dirty="0"/>
-              <a:t>Type Argument</a:t>
-            </a:r>
-          </a:p>
-        </p:txBody>
-      </p:sp>
-      <p:sp>
-        <p:nvSpPr>
-          <p:cNvPr id="4" name="文字方塊 3">
-            <a:extLst>
-              <a:ext uri="{FF2B5EF4-FFF2-40B4-BE49-F238E27FC236}">
-                <a16:creationId xmlns:a16="http://schemas.microsoft.com/office/drawing/2014/main" id="{BE89AA13-4576-4C34-95FD-7D815E571201}"/>
-              </a:ext>
-            </a:extLst>
-          </p:cNvPr>
-          <p:cNvSpPr txBox="1"/>
-          <p:nvPr/>
-        </p:nvSpPr>
-        <p:spPr>
-          <a:xfrm>
-            <a:off x="6096000" y="5672030"/>
-            <a:ext cx="2005263" cy="369332"/>
-          </a:xfrm>
-          <a:prstGeom prst="rect">
-            <a:avLst/>
-          </a:prstGeom>
-          <a:noFill/>
-        </p:spPr>
-        <p:txBody>
-          <a:bodyPr wrap="square" rtlCol="0">
-            <a:spAutoFit/>
-          </a:bodyPr>
-          <a:lstStyle/>
-          <a:p>
-            <a:r>
-              <a:rPr lang="en-US" altLang="zh-TW" dirty="0"/>
-              <a:t>GenericSample_7</a:t>
-            </a:r>
-            <a:endParaRPr lang="zh-TW" altLang="en-US" dirty="0"/>
-          </a:p>
-        </p:txBody>
-      </p:sp>
-    </p:spTree>
-    <p:extLst>
-      <p:ext uri="{BB962C8B-B14F-4D97-AF65-F5344CB8AC3E}">
-        <p14:creationId xmlns:p14="http://schemas.microsoft.com/office/powerpoint/2010/main" val="2354601846"/>
-      </p:ext>
-    </p:extLst>
-  </p:cSld>
-  <p:clrMapOvr>
-    <a:masterClrMapping/>
-  </p:clrMapOvr>
-</p:sld>
-</file>
-
-<file path=ppt/slides/slide15.xml><?xml version="1.0" encoding="utf-8"?>
-<p:sld xmlns:a="http://schemas.openxmlformats.org/drawingml/2006/main" xmlns:r="http://schemas.openxmlformats.org/officeDocument/2006/relationships" xmlns:p="http://schemas.openxmlformats.org/presentationml/2006/main">
-  <p:cSld>
-    <p:spTree>
-      <p:nvGrpSpPr>
-        <p:cNvPr id="1" name=""/>
-        <p:cNvGrpSpPr/>
-        <p:nvPr/>
-      </p:nvGrpSpPr>
-      <p:grpSpPr>
-        <a:xfrm>
-          <a:off x="0" y="0"/>
-          <a:ext cx="0" cy="0"/>
-          <a:chOff x="0" y="0"/>
-          <a:chExt cx="0" cy="0"/>
-        </a:xfrm>
-      </p:grpSpPr>
-      <p:sp>
-        <p:nvSpPr>
-          <p:cNvPr id="2" name="標題 1">
-            <a:extLst>
-              <a:ext uri="{FF2B5EF4-FFF2-40B4-BE49-F238E27FC236}">
-                <a16:creationId xmlns:a16="http://schemas.microsoft.com/office/drawing/2014/main" id="{51AAE519-7BCD-4D8C-B614-B9283C20DB33}"/>
-              </a:ext>
-            </a:extLst>
-          </p:cNvPr>
-          <p:cNvSpPr>
-            <a:spLocks noGrp="1"/>
-          </p:cNvSpPr>
-          <p:nvPr>
-            <p:ph type="title"/>
-          </p:nvPr>
-        </p:nvSpPr>
-        <p:spPr/>
-        <p:txBody>
-          <a:bodyPr/>
-          <a:lstStyle/>
-          <a:p>
-            <a:r>
-              <a:rPr lang="zh-TW" altLang="en-US"/>
-              <a:t>泛型</a:t>
-            </a:r>
-            <a:endParaRPr lang="en-US" altLang="zh-TW"/>
-          </a:p>
-        </p:txBody>
-      </p:sp>
-      <p:sp>
-        <p:nvSpPr>
-          <p:cNvPr id="3" name="內容版面配置區 2">
-            <a:extLst>
-              <a:ext uri="{FF2B5EF4-FFF2-40B4-BE49-F238E27FC236}">
-                <a16:creationId xmlns:a16="http://schemas.microsoft.com/office/drawing/2014/main" id="{7467E32A-E302-401F-A84B-B6842F2EC954}"/>
-              </a:ext>
-            </a:extLst>
-          </p:cNvPr>
-          <p:cNvSpPr>
-            <a:spLocks noGrp="1"/>
-          </p:cNvSpPr>
-          <p:nvPr>
-            <p:ph idx="1"/>
-          </p:nvPr>
-        </p:nvSpPr>
-        <p:spPr/>
-        <p:txBody>
-          <a:bodyPr/>
-          <a:lstStyle/>
-          <a:p>
-            <a:r>
-              <a:rPr lang="zh-TW" altLang="en-US"/>
-              <a:t>自動推斷</a:t>
-            </a:r>
-            <a:r>
-              <a:rPr lang="en-US" altLang="zh-TW"/>
-              <a:t>&lt;T&gt;</a:t>
-            </a:r>
-            <a:r>
-              <a:rPr lang="zh-TW" altLang="en-US"/>
-              <a:t>的類型</a:t>
-            </a:r>
-            <a:endParaRPr lang="en-US" altLang="zh-TW"/>
-          </a:p>
-        </p:txBody>
-      </p:sp>
-      <p:sp>
-        <p:nvSpPr>
-          <p:cNvPr id="4" name="文字方塊 3">
-            <a:extLst>
-              <a:ext uri="{FF2B5EF4-FFF2-40B4-BE49-F238E27FC236}">
-                <a16:creationId xmlns:a16="http://schemas.microsoft.com/office/drawing/2014/main" id="{4C94C593-A8F7-44B4-A9C9-16481311C2C7}"/>
-              </a:ext>
-            </a:extLst>
-          </p:cNvPr>
-          <p:cNvSpPr txBox="1"/>
-          <p:nvPr/>
-        </p:nvSpPr>
-        <p:spPr>
-          <a:xfrm>
-            <a:off x="6096000" y="5672030"/>
-            <a:ext cx="2005263" cy="369332"/>
-          </a:xfrm>
-          <a:prstGeom prst="rect">
-            <a:avLst/>
-          </a:prstGeom>
-          <a:noFill/>
-        </p:spPr>
-        <p:txBody>
-          <a:bodyPr wrap="square" rtlCol="0">
-            <a:spAutoFit/>
-          </a:bodyPr>
-          <a:lstStyle/>
-          <a:p>
-            <a:r>
-              <a:rPr lang="en-US" altLang="zh-TW" dirty="0"/>
-              <a:t>GenericSample_8</a:t>
-            </a:r>
-            <a:endParaRPr lang="zh-TW" altLang="en-US" dirty="0"/>
-          </a:p>
-        </p:txBody>
-      </p:sp>
-    </p:spTree>
-    <p:extLst>
-      <p:ext uri="{BB962C8B-B14F-4D97-AF65-F5344CB8AC3E}">
-        <p14:creationId xmlns:p14="http://schemas.microsoft.com/office/powerpoint/2010/main" val="2711485464"/>
-      </p:ext>
-    </p:extLst>
-  </p:cSld>
-  <p:clrMapOvr>
-    <a:masterClrMapping/>
-  </p:clrMapOvr>
-</p:sld>
-</file>
-
-<file path=ppt/slides/slide16.xml><?xml version="1.0" encoding="utf-8"?>
-<p:sld xmlns:a="http://schemas.openxmlformats.org/drawingml/2006/main" xmlns:r="http://schemas.openxmlformats.org/officeDocument/2006/relationships" xmlns:p="http://schemas.openxmlformats.org/presentationml/2006/main">
-  <p:cSld>
-    <p:spTree>
-      <p:nvGrpSpPr>
-        <p:cNvPr id="1" name=""/>
-        <p:cNvGrpSpPr/>
-        <p:nvPr/>
-      </p:nvGrpSpPr>
-      <p:grpSpPr>
-        <a:xfrm>
-          <a:off x="0" y="0"/>
-          <a:ext cx="0" cy="0"/>
-          <a:chOff x="0" y="0"/>
-          <a:chExt cx="0" cy="0"/>
-        </a:xfrm>
-      </p:grpSpPr>
-      <p:sp>
-        <p:nvSpPr>
-          <p:cNvPr id="2" name="標題 1">
-            <a:extLst>
-              <a:ext uri="{FF2B5EF4-FFF2-40B4-BE49-F238E27FC236}">
-                <a16:creationId xmlns:a16="http://schemas.microsoft.com/office/drawing/2014/main" id="{51AAE519-7BCD-4D8C-B614-B9283C20DB33}"/>
-              </a:ext>
-            </a:extLst>
-          </p:cNvPr>
-          <p:cNvSpPr>
-            <a:spLocks noGrp="1"/>
-          </p:cNvSpPr>
-          <p:nvPr>
-            <p:ph type="title"/>
-          </p:nvPr>
-        </p:nvSpPr>
-        <p:spPr/>
-        <p:txBody>
-          <a:bodyPr/>
-          <a:lstStyle/>
-          <a:p>
-            <a:r>
-              <a:rPr lang="zh-TW" altLang="en-US" dirty="0"/>
-              <a:t>不同</a:t>
-            </a:r>
-            <a:r>
-              <a:rPr lang="en-US" altLang="zh-TW" dirty="0"/>
-              <a:t>type</a:t>
-            </a:r>
-            <a:r>
-              <a:rPr lang="zh-TW" altLang="en-US" dirty="0"/>
-              <a:t>的</a:t>
-            </a:r>
-            <a:r>
-              <a:rPr lang="en-US" altLang="zh-TW" dirty="0"/>
-              <a:t>&lt;T&gt;</a:t>
-            </a:r>
-            <a:r>
-              <a:rPr lang="zh-TW" altLang="en-US" dirty="0"/>
-              <a:t>是相同型別嗎？</a:t>
-            </a:r>
-          </a:p>
-        </p:txBody>
-      </p:sp>
-      <p:sp>
-        <p:nvSpPr>
-          <p:cNvPr id="3" name="內容版面配置區 2">
-            <a:extLst>
-              <a:ext uri="{FF2B5EF4-FFF2-40B4-BE49-F238E27FC236}">
-                <a16:creationId xmlns:a16="http://schemas.microsoft.com/office/drawing/2014/main" id="{7467E32A-E302-401F-A84B-B6842F2EC954}"/>
-              </a:ext>
-            </a:extLst>
-          </p:cNvPr>
-          <p:cNvSpPr>
-            <a:spLocks noGrp="1"/>
-          </p:cNvSpPr>
-          <p:nvPr>
-            <p:ph idx="1"/>
-          </p:nvPr>
-        </p:nvSpPr>
-        <p:spPr/>
-        <p:txBody>
-          <a:bodyPr/>
-          <a:lstStyle/>
-          <a:p>
-            <a:r>
-              <a:rPr lang="en-US" altLang="zh-TW" dirty="0"/>
-              <a:t>Ex:</a:t>
-            </a:r>
-          </a:p>
-          <a:p>
-            <a:r>
-              <a:rPr lang="en-US" altLang="zh-TW" dirty="0" err="1"/>
-              <a:t>MyClass</a:t>
-            </a:r>
-            <a:r>
-              <a:rPr lang="en-US" altLang="zh-TW" dirty="0"/>
-              <a:t>&lt;int&gt;</a:t>
-            </a:r>
-          </a:p>
-          <a:p>
-            <a:r>
-              <a:rPr lang="en-US" altLang="zh-TW" dirty="0" err="1"/>
-              <a:t>MyClass</a:t>
-            </a:r>
-            <a:r>
-              <a:rPr lang="en-US" altLang="zh-TW" dirty="0"/>
-              <a:t>&lt;string&gt;</a:t>
-            </a:r>
-          </a:p>
-        </p:txBody>
-      </p:sp>
-    </p:spTree>
-    <p:extLst>
-      <p:ext uri="{BB962C8B-B14F-4D97-AF65-F5344CB8AC3E}">
-        <p14:creationId xmlns:p14="http://schemas.microsoft.com/office/powerpoint/2010/main" val="3823825571"/>
-      </p:ext>
-    </p:extLst>
-  </p:cSld>
-  <p:clrMapOvr>
-    <a:masterClrMapping/>
-  </p:clrMapOvr>
-</p:sld>
-</file>
-
-<file path=ppt/slides/slide17.xml><?xml version="1.0" encoding="utf-8"?>
-<p:sld xmlns:a="http://schemas.openxmlformats.org/drawingml/2006/main" xmlns:r="http://schemas.openxmlformats.org/officeDocument/2006/relationships" xmlns:p="http://schemas.openxmlformats.org/presentationml/2006/main">
-  <p:cSld>
-    <p:spTree>
-      <p:nvGrpSpPr>
-        <p:cNvPr id="1" name=""/>
-        <p:cNvGrpSpPr/>
-        <p:nvPr/>
-      </p:nvGrpSpPr>
-      <p:grpSpPr>
-        <a:xfrm>
-          <a:off x="0" y="0"/>
-          <a:ext cx="0" cy="0"/>
-          <a:chOff x="0" y="0"/>
-          <a:chExt cx="0" cy="0"/>
-        </a:xfrm>
-      </p:grpSpPr>
-      <p:sp>
-        <p:nvSpPr>
-          <p:cNvPr id="2" name="標題 1">
-            <a:extLst>
-              <a:ext uri="{FF2B5EF4-FFF2-40B4-BE49-F238E27FC236}">
-                <a16:creationId xmlns:a16="http://schemas.microsoft.com/office/drawing/2014/main" id="{51AAE519-7BCD-4D8C-B614-B9283C20DB33}"/>
-              </a:ext>
-            </a:extLst>
-          </p:cNvPr>
-          <p:cNvSpPr>
-            <a:spLocks noGrp="1"/>
-          </p:cNvSpPr>
-          <p:nvPr>
-            <p:ph type="title"/>
-          </p:nvPr>
-        </p:nvSpPr>
-        <p:spPr/>
-        <p:txBody>
-          <a:bodyPr/>
-          <a:lstStyle/>
-          <a:p>
-            <a:r>
-              <a:rPr lang="zh-TW" altLang="en-US" dirty="0"/>
-              <a:t>泛型</a:t>
-            </a:r>
-            <a:endParaRPr lang="en-US" altLang="zh-TW" dirty="0"/>
-          </a:p>
-        </p:txBody>
-      </p:sp>
-      <p:sp>
-        <p:nvSpPr>
-          <p:cNvPr id="3" name="內容版面配置區 2">
-            <a:extLst>
-              <a:ext uri="{FF2B5EF4-FFF2-40B4-BE49-F238E27FC236}">
-                <a16:creationId xmlns:a16="http://schemas.microsoft.com/office/drawing/2014/main" id="{7467E32A-E302-401F-A84B-B6842F2EC954}"/>
-              </a:ext>
-            </a:extLst>
-          </p:cNvPr>
-          <p:cNvSpPr>
-            <a:spLocks noGrp="1"/>
-          </p:cNvSpPr>
-          <p:nvPr>
-            <p:ph idx="1"/>
-          </p:nvPr>
-        </p:nvSpPr>
-        <p:spPr/>
-        <p:txBody>
-          <a:bodyPr/>
-          <a:lstStyle/>
-          <a:p>
-            <a:r>
-              <a:rPr lang="en-US" altLang="zh-TW" dirty="0"/>
-              <a:t>Static Constructors</a:t>
-            </a:r>
-          </a:p>
-        </p:txBody>
-      </p:sp>
-      <p:sp>
-        <p:nvSpPr>
-          <p:cNvPr id="4" name="文字方塊 3">
-            <a:extLst>
-              <a:ext uri="{FF2B5EF4-FFF2-40B4-BE49-F238E27FC236}">
-                <a16:creationId xmlns:a16="http://schemas.microsoft.com/office/drawing/2014/main" id="{559C9831-F7DC-4B78-B4F3-CF197B3D9733}"/>
-              </a:ext>
-            </a:extLst>
-          </p:cNvPr>
-          <p:cNvSpPr txBox="1"/>
-          <p:nvPr/>
-        </p:nvSpPr>
-        <p:spPr>
-          <a:xfrm>
-            <a:off x="6096000" y="5672030"/>
-            <a:ext cx="2005263" cy="369332"/>
-          </a:xfrm>
-          <a:prstGeom prst="rect">
-            <a:avLst/>
-          </a:prstGeom>
-          <a:noFill/>
-        </p:spPr>
-        <p:txBody>
-          <a:bodyPr wrap="square" rtlCol="0">
-            <a:spAutoFit/>
-          </a:bodyPr>
-          <a:lstStyle/>
-          <a:p>
-            <a:r>
-              <a:rPr lang="en-US" altLang="zh-TW" dirty="0"/>
-              <a:t>GenericSample_9</a:t>
-            </a:r>
-            <a:endParaRPr lang="zh-TW" altLang="en-US" dirty="0"/>
-          </a:p>
-        </p:txBody>
-      </p:sp>
-    </p:spTree>
-    <p:extLst>
-      <p:ext uri="{BB962C8B-B14F-4D97-AF65-F5344CB8AC3E}">
-        <p14:creationId xmlns:p14="http://schemas.microsoft.com/office/powerpoint/2010/main" val="1264265781"/>
-      </p:ext>
-    </p:extLst>
-  </p:cSld>
-  <p:clrMapOvr>
-    <a:masterClrMapping/>
-  </p:clrMapOvr>
-</p:sld>
-</file>
-
-<file path=ppt/slides/slide18.xml><?xml version="1.0" encoding="utf-8"?>
-<p:sld xmlns:a="http://schemas.openxmlformats.org/drawingml/2006/main" xmlns:r="http://schemas.openxmlformats.org/officeDocument/2006/relationships" xmlns:p="http://schemas.openxmlformats.org/presentationml/2006/main">
-  <p:cSld>
-    <p:spTree>
-      <p:nvGrpSpPr>
-        <p:cNvPr id="1" name=""/>
-        <p:cNvGrpSpPr/>
-        <p:nvPr/>
-      </p:nvGrpSpPr>
-      <p:grpSpPr>
-        <a:xfrm>
-          <a:off x="0" y="0"/>
-          <a:ext cx="0" cy="0"/>
-          <a:chOff x="0" y="0"/>
-          <a:chExt cx="0" cy="0"/>
-        </a:xfrm>
-      </p:grpSpPr>
-      <p:sp>
-        <p:nvSpPr>
-          <p:cNvPr id="2" name="標題 1">
-            <a:extLst>
-              <a:ext uri="{FF2B5EF4-FFF2-40B4-BE49-F238E27FC236}">
-                <a16:creationId xmlns:a16="http://schemas.microsoft.com/office/drawing/2014/main" id="{51AAE519-7BCD-4D8C-B614-B9283C20DB33}"/>
-              </a:ext>
-            </a:extLst>
-          </p:cNvPr>
-          <p:cNvSpPr>
-            <a:spLocks noGrp="1"/>
-          </p:cNvSpPr>
-          <p:nvPr>
-            <p:ph type="title"/>
-          </p:nvPr>
-        </p:nvSpPr>
-        <p:spPr/>
-        <p:txBody>
-          <a:bodyPr/>
-          <a:lstStyle/>
-          <a:p>
-            <a:r>
-              <a:rPr lang="zh-TW" altLang="en-US" dirty="0"/>
-              <a:t>如果方法裡面會用到特定</a:t>
-            </a:r>
-            <a:r>
-              <a:rPr lang="en-US" altLang="zh-TW" dirty="0"/>
-              <a:t>Type</a:t>
-            </a:r>
-            <a:r>
-              <a:rPr lang="zh-TW" altLang="en-US" dirty="0"/>
-              <a:t>的</a:t>
-            </a:r>
-            <a:r>
-              <a:rPr lang="en-US" altLang="zh-TW" dirty="0"/>
-              <a:t>Member…</a:t>
-            </a:r>
-          </a:p>
-        </p:txBody>
-      </p:sp>
-      <p:sp>
-        <p:nvSpPr>
-          <p:cNvPr id="3" name="內容版面配置區 2">
-            <a:extLst>
-              <a:ext uri="{FF2B5EF4-FFF2-40B4-BE49-F238E27FC236}">
-                <a16:creationId xmlns:a16="http://schemas.microsoft.com/office/drawing/2014/main" id="{7467E32A-E302-401F-A84B-B6842F2EC954}"/>
-              </a:ext>
-            </a:extLst>
-          </p:cNvPr>
-          <p:cNvSpPr>
-            <a:spLocks noGrp="1"/>
-          </p:cNvSpPr>
-          <p:nvPr>
-            <p:ph idx="1"/>
-          </p:nvPr>
-        </p:nvSpPr>
-        <p:spPr/>
-        <p:txBody>
-          <a:bodyPr/>
-          <a:lstStyle/>
-          <a:p>
-            <a:endParaRPr lang="en-US" altLang="zh-TW" dirty="0"/>
-          </a:p>
-        </p:txBody>
-      </p:sp>
-      <p:sp>
-        <p:nvSpPr>
-          <p:cNvPr id="4" name="文字方塊 3">
-            <a:extLst>
-              <a:ext uri="{FF2B5EF4-FFF2-40B4-BE49-F238E27FC236}">
-                <a16:creationId xmlns:a16="http://schemas.microsoft.com/office/drawing/2014/main" id="{16B491FA-8595-4672-AAA7-64E879D67EF2}"/>
-              </a:ext>
-            </a:extLst>
-          </p:cNvPr>
-          <p:cNvSpPr txBox="1"/>
-          <p:nvPr/>
-        </p:nvSpPr>
-        <p:spPr>
-          <a:xfrm>
-            <a:off x="6096000" y="5672030"/>
-            <a:ext cx="2398143" cy="369332"/>
-          </a:xfrm>
-          <a:prstGeom prst="rect">
-            <a:avLst/>
-          </a:prstGeom>
-          <a:noFill/>
-        </p:spPr>
-        <p:txBody>
-          <a:bodyPr wrap="square" rtlCol="0">
-            <a:spAutoFit/>
-          </a:bodyPr>
-          <a:lstStyle/>
-          <a:p>
-            <a:r>
-              <a:rPr lang="en-US" altLang="zh-TW" dirty="0"/>
-              <a:t>GenericSample_13</a:t>
-            </a:r>
-            <a:endParaRPr lang="zh-TW" altLang="en-US" dirty="0"/>
-          </a:p>
-        </p:txBody>
-      </p:sp>
-    </p:spTree>
-    <p:extLst>
-      <p:ext uri="{BB962C8B-B14F-4D97-AF65-F5344CB8AC3E}">
-        <p14:creationId xmlns:p14="http://schemas.microsoft.com/office/powerpoint/2010/main" val="2090021945"/>
-      </p:ext>
-    </p:extLst>
-  </p:cSld>
-  <p:clrMapOvr>
-    <a:masterClrMapping/>
-  </p:clrMapOvr>
-</p:sld>
-</file>
-
-<file path=ppt/slides/slide19.xml><?xml version="1.0" encoding="utf-8"?>
-<p:sld xmlns:a="http://schemas.openxmlformats.org/drawingml/2006/main" xmlns:r="http://schemas.openxmlformats.org/officeDocument/2006/relationships" xmlns:p="http://schemas.openxmlformats.org/presentationml/2006/main">
-  <p:cSld>
-    <p:spTree>
-      <p:nvGrpSpPr>
-        <p:cNvPr id="1" name=""/>
-        <p:cNvGrpSpPr/>
-        <p:nvPr/>
-      </p:nvGrpSpPr>
-      <p:grpSpPr>
-        <a:xfrm>
-          <a:off x="0" y="0"/>
-          <a:ext cx="0" cy="0"/>
-          <a:chOff x="0" y="0"/>
-          <a:chExt cx="0" cy="0"/>
-        </a:xfrm>
-      </p:grpSpPr>
-      <p:sp>
-        <p:nvSpPr>
-          <p:cNvPr id="2" name="標題 1">
-            <a:extLst>
-              <a:ext uri="{FF2B5EF4-FFF2-40B4-BE49-F238E27FC236}">
-                <a16:creationId xmlns:a16="http://schemas.microsoft.com/office/drawing/2014/main" id="{51AAE519-7BCD-4D8C-B614-B9283C20DB33}"/>
-              </a:ext>
-            </a:extLst>
-          </p:cNvPr>
-          <p:cNvSpPr>
-            <a:spLocks noGrp="1"/>
-          </p:cNvSpPr>
-          <p:nvPr>
-            <p:ph type="title"/>
-          </p:nvPr>
-        </p:nvSpPr>
-        <p:spPr/>
-        <p:txBody>
-          <a:bodyPr/>
-          <a:lstStyle/>
-          <a:p>
-            <a:r>
-              <a:rPr lang="zh-TW" altLang="en-US" dirty="0"/>
-              <a:t>泛型</a:t>
-            </a:r>
-            <a:r>
-              <a:rPr lang="zh-TW" altLang="en-US"/>
-              <a:t>條件</a:t>
-            </a:r>
-            <a:r>
-              <a:rPr lang="zh-TW" altLang="en-US" dirty="0"/>
-              <a:t>約束</a:t>
-            </a:r>
-            <a:endParaRPr lang="en-US" altLang="zh-TW" dirty="0"/>
-          </a:p>
-        </p:txBody>
-      </p:sp>
-      <p:sp>
-        <p:nvSpPr>
-          <p:cNvPr id="3" name="內容版面配置區 2">
-            <a:extLst>
-              <a:ext uri="{FF2B5EF4-FFF2-40B4-BE49-F238E27FC236}">
-                <a16:creationId xmlns:a16="http://schemas.microsoft.com/office/drawing/2014/main" id="{7467E32A-E302-401F-A84B-B6842F2EC954}"/>
-              </a:ext>
-            </a:extLst>
-          </p:cNvPr>
-          <p:cNvSpPr>
-            <a:spLocks noGrp="1"/>
-          </p:cNvSpPr>
-          <p:nvPr>
-            <p:ph idx="1"/>
-          </p:nvPr>
-        </p:nvSpPr>
-        <p:spPr/>
-        <p:txBody>
-          <a:bodyPr/>
-          <a:lstStyle/>
-          <a:p>
-            <a:r>
-              <a:rPr lang="en-US" altLang="zh-TW" dirty="0"/>
-              <a:t>where</a:t>
-            </a:r>
-          </a:p>
-        </p:txBody>
-      </p:sp>
-    </p:spTree>
-    <p:extLst>
-      <p:ext uri="{BB962C8B-B14F-4D97-AF65-F5344CB8AC3E}">
-        <p14:creationId xmlns:p14="http://schemas.microsoft.com/office/powerpoint/2010/main" val="2559167005"/>
-      </p:ext>
-    </p:extLst>
-  </p:cSld>
-  <p:clrMapOvr>
-    <a:masterClrMapping/>
-  </p:clrMapOvr>
-</p:sld>
-</file>
-
-<file path=ppt/slides/slide2.xml><?xml version="1.0" encoding="utf-8"?>
-<p:sld xmlns:a="http://schemas.openxmlformats.org/drawingml/2006/main" xmlns:r="http://schemas.openxmlformats.org/officeDocument/2006/relationships" xmlns:p="http://schemas.openxmlformats.org/presentationml/2006/main">
-  <p:cSld>
-    <p:spTree>
-      <p:nvGrpSpPr>
-        <p:cNvPr id="1" name=""/>
-        <p:cNvGrpSpPr/>
-        <p:nvPr/>
-      </p:nvGrpSpPr>
-      <p:grpSpPr>
-        <a:xfrm>
-          <a:off x="0" y="0"/>
-          <a:ext cx="0" cy="0"/>
-          <a:chOff x="0" y="0"/>
-          <a:chExt cx="0" cy="0"/>
-        </a:xfrm>
-      </p:grpSpPr>
-      <p:sp>
-        <p:nvSpPr>
-          <p:cNvPr id="5" name="標題 4">
-            <a:extLst>
-              <a:ext uri="{FF2B5EF4-FFF2-40B4-BE49-F238E27FC236}">
-                <a16:creationId xmlns:a16="http://schemas.microsoft.com/office/drawing/2014/main" id="{52DD3EDC-1F62-45B3-912F-CED16695C8C9}"/>
-              </a:ext>
-            </a:extLst>
-          </p:cNvPr>
-          <p:cNvSpPr>
-            <a:spLocks noGrp="1"/>
-          </p:cNvSpPr>
-          <p:nvPr>
-            <p:ph type="title"/>
-          </p:nvPr>
-        </p:nvSpPr>
-        <p:spPr/>
-        <p:txBody>
-          <a:bodyPr/>
-          <a:lstStyle/>
-          <a:p>
-            <a:r>
-              <a:rPr lang="zh-TW" altLang="en-US" dirty="0"/>
-              <a:t>繼承 </a:t>
-            </a:r>
-            <a:r>
-              <a:rPr lang="en-US" altLang="zh-TW" dirty="0"/>
-              <a:t>vs </a:t>
-            </a:r>
-            <a:r>
-              <a:rPr lang="zh-TW" altLang="en-US" dirty="0"/>
-              <a:t>介面</a:t>
-            </a:r>
-          </a:p>
-        </p:txBody>
-      </p:sp>
-      <p:sp>
-        <p:nvSpPr>
-          <p:cNvPr id="6" name="內容版面配置區 5">
-            <a:extLst>
-              <a:ext uri="{FF2B5EF4-FFF2-40B4-BE49-F238E27FC236}">
-                <a16:creationId xmlns:a16="http://schemas.microsoft.com/office/drawing/2014/main" id="{573FB38E-D772-4F80-AF8A-99E24956122B}"/>
-              </a:ext>
-            </a:extLst>
-          </p:cNvPr>
-          <p:cNvSpPr>
-            <a:spLocks noGrp="1"/>
-          </p:cNvSpPr>
-          <p:nvPr>
-            <p:ph idx="1"/>
-          </p:nvPr>
-        </p:nvSpPr>
-        <p:spPr/>
-        <p:txBody>
-          <a:bodyPr/>
-          <a:lstStyle/>
-          <a:p>
-            <a:r>
-              <a:rPr lang="zh-TW" altLang="en-US" dirty="0"/>
-              <a:t>什麼情境下適合用哪個？</a:t>
-            </a:r>
-          </a:p>
-        </p:txBody>
-      </p:sp>
-    </p:spTree>
-    <p:extLst>
-      <p:ext uri="{BB962C8B-B14F-4D97-AF65-F5344CB8AC3E}">
-        <p14:creationId xmlns:p14="http://schemas.microsoft.com/office/powerpoint/2010/main" val="266536735"/>
-      </p:ext>
-    </p:extLst>
-  </p:cSld>
-  <p:clrMapOvr>
-    <a:masterClrMapping/>
-  </p:clrMapOvr>
-</p:sld>
-</file>
-
-<file path=ppt/slides/slide20.xml><?xml version="1.0" encoding="utf-8"?>
-<p:sld xmlns:a="http://schemas.openxmlformats.org/drawingml/2006/main" xmlns:r="http://schemas.openxmlformats.org/officeDocument/2006/relationships" xmlns:p="http://schemas.openxmlformats.org/presentationml/2006/main">
-  <p:cSld>
-    <p:spTree>
-      <p:nvGrpSpPr>
-        <p:cNvPr id="1" name=""/>
-        <p:cNvGrpSpPr/>
-        <p:nvPr/>
-      </p:nvGrpSpPr>
-      <p:grpSpPr>
-        <a:xfrm>
-          <a:off x="0" y="0"/>
-          <a:ext cx="0" cy="0"/>
-          <a:chOff x="0" y="0"/>
-          <a:chExt cx="0" cy="0"/>
-        </a:xfrm>
-      </p:grpSpPr>
-      <p:sp>
-        <p:nvSpPr>
-          <p:cNvPr id="2" name="標題 1">
-            <a:extLst>
-              <a:ext uri="{FF2B5EF4-FFF2-40B4-BE49-F238E27FC236}">
-                <a16:creationId xmlns:a16="http://schemas.microsoft.com/office/drawing/2014/main" id="{51AAE519-7BCD-4D8C-B614-B9283C20DB33}"/>
-              </a:ext>
-            </a:extLst>
-          </p:cNvPr>
-          <p:cNvSpPr>
-            <a:spLocks noGrp="1"/>
-          </p:cNvSpPr>
-          <p:nvPr>
-            <p:ph type="title"/>
-          </p:nvPr>
-        </p:nvSpPr>
-        <p:spPr/>
-        <p:txBody>
-          <a:bodyPr/>
-          <a:lstStyle/>
-          <a:p>
-            <a:r>
-              <a:rPr lang="zh-TW" altLang="en-US"/>
-              <a:t>泛型條件約束</a:t>
-            </a:r>
-            <a:endParaRPr lang="en-US" altLang="zh-TW"/>
-          </a:p>
-        </p:txBody>
-      </p:sp>
-      <p:sp>
-        <p:nvSpPr>
-          <p:cNvPr id="3" name="內容版面配置區 2">
-            <a:extLst>
-              <a:ext uri="{FF2B5EF4-FFF2-40B4-BE49-F238E27FC236}">
-                <a16:creationId xmlns:a16="http://schemas.microsoft.com/office/drawing/2014/main" id="{7467E32A-E302-401F-A84B-B6842F2EC954}"/>
-              </a:ext>
-            </a:extLst>
-          </p:cNvPr>
-          <p:cNvSpPr>
-            <a:spLocks noGrp="1"/>
-          </p:cNvSpPr>
-          <p:nvPr>
-            <p:ph idx="1"/>
-          </p:nvPr>
-        </p:nvSpPr>
-        <p:spPr/>
-        <p:txBody>
-          <a:bodyPr/>
-          <a:lstStyle/>
-          <a:p>
-            <a:r>
-              <a:rPr lang="en-US" altLang="zh-TW"/>
-              <a:t>new()</a:t>
-            </a:r>
-          </a:p>
-        </p:txBody>
-      </p:sp>
-      <p:sp>
-        <p:nvSpPr>
-          <p:cNvPr id="4" name="文字方塊 3">
-            <a:extLst>
-              <a:ext uri="{FF2B5EF4-FFF2-40B4-BE49-F238E27FC236}">
-                <a16:creationId xmlns:a16="http://schemas.microsoft.com/office/drawing/2014/main" id="{0A4775BB-56F2-4186-B0E1-8F5E2415A046}"/>
-              </a:ext>
-            </a:extLst>
-          </p:cNvPr>
-          <p:cNvSpPr txBox="1"/>
-          <p:nvPr/>
-        </p:nvSpPr>
-        <p:spPr>
-          <a:xfrm>
-            <a:off x="6096000" y="5672030"/>
-            <a:ext cx="3178002" cy="369332"/>
-          </a:xfrm>
-          <a:prstGeom prst="rect">
-            <a:avLst/>
-          </a:prstGeom>
-          <a:noFill/>
-        </p:spPr>
-        <p:txBody>
-          <a:bodyPr wrap="square" rtlCol="0">
-            <a:spAutoFit/>
-          </a:bodyPr>
-          <a:lstStyle/>
-          <a:p>
-            <a:r>
-              <a:rPr lang="en-US" altLang="zh-TW" dirty="0"/>
-              <a:t>GenericSample_10</a:t>
-            </a:r>
-            <a:endParaRPr lang="zh-TW" altLang="en-US" dirty="0"/>
-          </a:p>
-        </p:txBody>
-      </p:sp>
-    </p:spTree>
-    <p:extLst>
-      <p:ext uri="{BB962C8B-B14F-4D97-AF65-F5344CB8AC3E}">
-        <p14:creationId xmlns:p14="http://schemas.microsoft.com/office/powerpoint/2010/main" val="1605558318"/>
-      </p:ext>
-    </p:extLst>
-  </p:cSld>
-  <p:clrMapOvr>
-    <a:masterClrMapping/>
-  </p:clrMapOvr>
-</p:sld>
-</file>
-
-<file path=ppt/slides/slide21.xml><?xml version="1.0" encoding="utf-8"?>
-<p:sld xmlns:a="http://schemas.openxmlformats.org/drawingml/2006/main" xmlns:r="http://schemas.openxmlformats.org/officeDocument/2006/relationships" xmlns:p="http://schemas.openxmlformats.org/presentationml/2006/main">
-  <p:cSld>
-    <p:spTree>
-      <p:nvGrpSpPr>
-        <p:cNvPr id="1" name=""/>
-        <p:cNvGrpSpPr/>
-        <p:nvPr/>
-      </p:nvGrpSpPr>
-      <p:grpSpPr>
-        <a:xfrm>
-          <a:off x="0" y="0"/>
-          <a:ext cx="0" cy="0"/>
-          <a:chOff x="0" y="0"/>
-          <a:chExt cx="0" cy="0"/>
-        </a:xfrm>
-      </p:grpSpPr>
-      <p:sp>
-        <p:nvSpPr>
-          <p:cNvPr id="2" name="標題 1">
-            <a:extLst>
-              <a:ext uri="{FF2B5EF4-FFF2-40B4-BE49-F238E27FC236}">
-                <a16:creationId xmlns:a16="http://schemas.microsoft.com/office/drawing/2014/main" id="{51AAE519-7BCD-4D8C-B614-B9283C20DB33}"/>
-              </a:ext>
-            </a:extLst>
-          </p:cNvPr>
-          <p:cNvSpPr>
-            <a:spLocks noGrp="1"/>
-          </p:cNvSpPr>
-          <p:nvPr>
-            <p:ph type="title"/>
-          </p:nvPr>
-        </p:nvSpPr>
-        <p:spPr/>
-        <p:txBody>
-          <a:bodyPr/>
-          <a:lstStyle/>
-          <a:p>
-            <a:r>
-              <a:rPr lang="zh-TW" altLang="en-US"/>
-              <a:t>泛型條件約束</a:t>
-            </a:r>
-            <a:endParaRPr lang="en-US" altLang="zh-TW"/>
-          </a:p>
-        </p:txBody>
-      </p:sp>
-      <p:sp>
-        <p:nvSpPr>
-          <p:cNvPr id="3" name="內容版面配置區 2">
-            <a:extLst>
-              <a:ext uri="{FF2B5EF4-FFF2-40B4-BE49-F238E27FC236}">
-                <a16:creationId xmlns:a16="http://schemas.microsoft.com/office/drawing/2014/main" id="{7467E32A-E302-401F-A84B-B6842F2EC954}"/>
-              </a:ext>
-            </a:extLst>
-          </p:cNvPr>
-          <p:cNvSpPr>
-            <a:spLocks noGrp="1"/>
-          </p:cNvSpPr>
-          <p:nvPr>
-            <p:ph idx="1"/>
-          </p:nvPr>
-        </p:nvSpPr>
-        <p:spPr/>
-        <p:txBody>
-          <a:bodyPr/>
-          <a:lstStyle/>
-          <a:p>
-            <a:r>
-              <a:rPr lang="en-US" altLang="zh-TW" dirty="0"/>
-              <a:t>where T : class</a:t>
-            </a:r>
-          </a:p>
-          <a:p>
-            <a:r>
-              <a:rPr lang="en-US" altLang="zh-TW" dirty="0"/>
-              <a:t>where T : &lt;Base Class Name&gt;</a:t>
-            </a:r>
-          </a:p>
-          <a:p>
-            <a:r>
-              <a:rPr lang="en-US" altLang="zh-TW" dirty="0"/>
-              <a:t>where T : &lt;Interface Name&gt;</a:t>
-            </a:r>
-          </a:p>
-          <a:p>
-            <a:r>
-              <a:rPr lang="en-US" altLang="zh-TW" dirty="0"/>
-              <a:t>where T : U</a:t>
-            </a:r>
-          </a:p>
-        </p:txBody>
-      </p:sp>
-      <p:sp>
-        <p:nvSpPr>
-          <p:cNvPr id="4" name="文字方塊 3">
-            <a:extLst>
-              <a:ext uri="{FF2B5EF4-FFF2-40B4-BE49-F238E27FC236}">
-                <a16:creationId xmlns:a16="http://schemas.microsoft.com/office/drawing/2014/main" id="{C6261526-B52C-4B7A-945A-D48D5E8E0E45}"/>
-              </a:ext>
-            </a:extLst>
-          </p:cNvPr>
-          <p:cNvSpPr txBox="1"/>
-          <p:nvPr/>
-        </p:nvSpPr>
-        <p:spPr>
-          <a:xfrm>
-            <a:off x="6096000" y="5672030"/>
-            <a:ext cx="3178002" cy="369332"/>
-          </a:xfrm>
-          <a:prstGeom prst="rect">
-            <a:avLst/>
-          </a:prstGeom>
-          <a:noFill/>
-        </p:spPr>
-        <p:txBody>
-          <a:bodyPr wrap="square" rtlCol="0">
-            <a:spAutoFit/>
-          </a:bodyPr>
-          <a:lstStyle/>
-          <a:p>
-            <a:r>
-              <a:rPr lang="en-US" altLang="zh-TW" dirty="0"/>
-              <a:t>GenericSample_11</a:t>
-            </a:r>
-            <a:endParaRPr lang="zh-TW" altLang="en-US" dirty="0"/>
-          </a:p>
-        </p:txBody>
-      </p:sp>
-    </p:spTree>
-    <p:extLst>
-      <p:ext uri="{BB962C8B-B14F-4D97-AF65-F5344CB8AC3E}">
-        <p14:creationId xmlns:p14="http://schemas.microsoft.com/office/powerpoint/2010/main" val="1327124537"/>
-      </p:ext>
-    </p:extLst>
-  </p:cSld>
-  <p:clrMapOvr>
-    <a:masterClrMapping/>
-  </p:clrMapOvr>
-</p:sld>
-</file>
-
-<file path=ppt/slides/slide22.xml><?xml version="1.0" encoding="utf-8"?>
-<p:sld xmlns:a="http://schemas.openxmlformats.org/drawingml/2006/main" xmlns:r="http://schemas.openxmlformats.org/officeDocument/2006/relationships" xmlns:p="http://schemas.openxmlformats.org/presentationml/2006/main">
-  <p:cSld>
-    <p:spTree>
-      <p:nvGrpSpPr>
-        <p:cNvPr id="1" name=""/>
-        <p:cNvGrpSpPr/>
-        <p:nvPr/>
-      </p:nvGrpSpPr>
-      <p:grpSpPr>
-        <a:xfrm>
-          <a:off x="0" y="0"/>
-          <a:ext cx="0" cy="0"/>
-          <a:chOff x="0" y="0"/>
-          <a:chExt cx="0" cy="0"/>
-        </a:xfrm>
-      </p:grpSpPr>
-      <p:sp>
-        <p:nvSpPr>
-          <p:cNvPr id="2" name="標題 1">
-            <a:extLst>
-              <a:ext uri="{FF2B5EF4-FFF2-40B4-BE49-F238E27FC236}">
-                <a16:creationId xmlns:a16="http://schemas.microsoft.com/office/drawing/2014/main" id="{51AAE519-7BCD-4D8C-B614-B9283C20DB33}"/>
-              </a:ext>
-            </a:extLst>
-          </p:cNvPr>
-          <p:cNvSpPr>
-            <a:spLocks noGrp="1"/>
-          </p:cNvSpPr>
-          <p:nvPr>
-            <p:ph type="title"/>
-          </p:nvPr>
-        </p:nvSpPr>
-        <p:spPr/>
-        <p:txBody>
-          <a:bodyPr/>
-          <a:lstStyle/>
-          <a:p>
-            <a:r>
-              <a:rPr lang="zh-TW" altLang="en-US"/>
-              <a:t>泛型條件約束</a:t>
-            </a:r>
-            <a:endParaRPr lang="en-US" altLang="zh-TW"/>
-          </a:p>
-        </p:txBody>
-      </p:sp>
-      <p:sp>
-        <p:nvSpPr>
-          <p:cNvPr id="3" name="內容版面配置區 2">
-            <a:extLst>
-              <a:ext uri="{FF2B5EF4-FFF2-40B4-BE49-F238E27FC236}">
-                <a16:creationId xmlns:a16="http://schemas.microsoft.com/office/drawing/2014/main" id="{7467E32A-E302-401F-A84B-B6842F2EC954}"/>
-              </a:ext>
-            </a:extLst>
-          </p:cNvPr>
-          <p:cNvSpPr>
-            <a:spLocks noGrp="1"/>
-          </p:cNvSpPr>
-          <p:nvPr>
-            <p:ph idx="1"/>
-          </p:nvPr>
-        </p:nvSpPr>
-        <p:spPr/>
-        <p:txBody>
-          <a:bodyPr/>
-          <a:lstStyle/>
-          <a:p>
-            <a:r>
-              <a:rPr lang="en-US" altLang="zh-TW" dirty="0"/>
-              <a:t>where T : struct</a:t>
-            </a:r>
-          </a:p>
-          <a:p>
-            <a:r>
-              <a:rPr lang="en-US" altLang="zh-TW" dirty="0"/>
-              <a:t>where T : </a:t>
-            </a:r>
-            <a:r>
-              <a:rPr lang="en-US" altLang="zh-TW" dirty="0" err="1"/>
-              <a:t>enum</a:t>
-            </a:r>
-            <a:r>
-              <a:rPr lang="en-US" altLang="zh-TW" dirty="0"/>
-              <a:t> (C# 7.3+)</a:t>
-            </a:r>
-          </a:p>
-          <a:p>
-            <a:r>
-              <a:rPr lang="en-US" altLang="zh-TW" dirty="0"/>
-              <a:t>where T : delegate</a:t>
-            </a:r>
-          </a:p>
-          <a:p>
-            <a:r>
-              <a:rPr lang="en-US" altLang="zh-TW" dirty="0"/>
-              <a:t>where T : </a:t>
-            </a:r>
-            <a:r>
-              <a:rPr lang="en-US" altLang="zh-TW" dirty="0" err="1"/>
-              <a:t>notnull</a:t>
-            </a:r>
-            <a:endParaRPr lang="en-US" altLang="zh-TW" dirty="0"/>
-          </a:p>
-        </p:txBody>
-      </p:sp>
-      <p:sp>
-        <p:nvSpPr>
-          <p:cNvPr id="4" name="文字方塊 3">
-            <a:extLst>
-              <a:ext uri="{FF2B5EF4-FFF2-40B4-BE49-F238E27FC236}">
-                <a16:creationId xmlns:a16="http://schemas.microsoft.com/office/drawing/2014/main" id="{2442BE6C-2D0D-4E4C-8100-88026C4B02AC}"/>
-              </a:ext>
-            </a:extLst>
-          </p:cNvPr>
-          <p:cNvSpPr txBox="1"/>
-          <p:nvPr/>
-        </p:nvSpPr>
-        <p:spPr>
-          <a:xfrm>
-            <a:off x="6096000" y="5672030"/>
-            <a:ext cx="3178002" cy="369332"/>
-          </a:xfrm>
-          <a:prstGeom prst="rect">
-            <a:avLst/>
-          </a:prstGeom>
-          <a:noFill/>
-        </p:spPr>
-        <p:txBody>
-          <a:bodyPr wrap="square" rtlCol="0">
-            <a:spAutoFit/>
-          </a:bodyPr>
-          <a:lstStyle/>
-          <a:p>
-            <a:r>
-              <a:rPr lang="en-US" altLang="zh-TW" dirty="0"/>
-              <a:t>GenericSample_11</a:t>
-            </a:r>
-            <a:endParaRPr lang="zh-TW" altLang="en-US" dirty="0"/>
-          </a:p>
-        </p:txBody>
-      </p:sp>
-    </p:spTree>
-    <p:extLst>
-      <p:ext uri="{BB962C8B-B14F-4D97-AF65-F5344CB8AC3E}">
-        <p14:creationId xmlns:p14="http://schemas.microsoft.com/office/powerpoint/2010/main" val="2579912518"/>
-      </p:ext>
-    </p:extLst>
-  </p:cSld>
-  <p:clrMapOvr>
-    <a:masterClrMapping/>
-  </p:clrMapOvr>
-</p:sld>
-</file>
-
-<file path=ppt/slides/slide23.xml><?xml version="1.0" encoding="utf-8"?>
-<p:sld xmlns:a="http://schemas.openxmlformats.org/drawingml/2006/main" xmlns:r="http://schemas.openxmlformats.org/officeDocument/2006/relationships" xmlns:p="http://schemas.openxmlformats.org/presentationml/2006/main">
-  <p:cSld>
-    <p:spTree>
-      <p:nvGrpSpPr>
-        <p:cNvPr id="1" name=""/>
-        <p:cNvGrpSpPr/>
-        <p:nvPr/>
-      </p:nvGrpSpPr>
-      <p:grpSpPr>
-        <a:xfrm>
-          <a:off x="0" y="0"/>
-          <a:ext cx="0" cy="0"/>
-          <a:chOff x="0" y="0"/>
-          <a:chExt cx="0" cy="0"/>
-        </a:xfrm>
-      </p:grpSpPr>
-      <p:sp>
-        <p:nvSpPr>
-          <p:cNvPr id="2" name="標題 1">
-            <a:extLst>
-              <a:ext uri="{FF2B5EF4-FFF2-40B4-BE49-F238E27FC236}">
-                <a16:creationId xmlns:a16="http://schemas.microsoft.com/office/drawing/2014/main" id="{51AAE519-7BCD-4D8C-B614-B9283C20DB33}"/>
-              </a:ext>
-            </a:extLst>
-          </p:cNvPr>
-          <p:cNvSpPr>
-            <a:spLocks noGrp="1"/>
-          </p:cNvSpPr>
-          <p:nvPr>
-            <p:ph type="title"/>
-          </p:nvPr>
-        </p:nvSpPr>
-        <p:spPr/>
-        <p:txBody>
-          <a:bodyPr/>
-          <a:lstStyle/>
-          <a:p>
-            <a:r>
-              <a:rPr lang="en-US" altLang="zh-TW" dirty="0" err="1"/>
-              <a:t>Func</a:t>
-            </a:r>
-            <a:endParaRPr lang="en-US" altLang="zh-TW" dirty="0"/>
-          </a:p>
-        </p:txBody>
-      </p:sp>
-      <p:sp>
-        <p:nvSpPr>
-          <p:cNvPr id="4" name="文字方塊 3">
-            <a:extLst>
-              <a:ext uri="{FF2B5EF4-FFF2-40B4-BE49-F238E27FC236}">
-                <a16:creationId xmlns:a16="http://schemas.microsoft.com/office/drawing/2014/main" id="{2442BE6C-2D0D-4E4C-8100-88026C4B02AC}"/>
-              </a:ext>
-            </a:extLst>
-          </p:cNvPr>
-          <p:cNvSpPr txBox="1"/>
-          <p:nvPr/>
-        </p:nvSpPr>
-        <p:spPr>
-          <a:xfrm>
-            <a:off x="6096000" y="5672030"/>
-            <a:ext cx="3178002" cy="369332"/>
-          </a:xfrm>
-          <a:prstGeom prst="rect">
-            <a:avLst/>
-          </a:prstGeom>
-          <a:noFill/>
-        </p:spPr>
-        <p:txBody>
-          <a:bodyPr wrap="square" rtlCol="0">
-            <a:spAutoFit/>
-          </a:bodyPr>
-          <a:lstStyle/>
-          <a:p>
-            <a:r>
-              <a:rPr lang="en-US" altLang="zh-TW" dirty="0"/>
-              <a:t>FuncSample_1</a:t>
-            </a:r>
-            <a:endParaRPr lang="zh-TW" altLang="en-US" dirty="0"/>
-          </a:p>
-        </p:txBody>
-      </p:sp>
-      <p:pic>
-        <p:nvPicPr>
-          <p:cNvPr id="6" name="內容版面配置區 3">
-            <a:extLst>
-              <a:ext uri="{FF2B5EF4-FFF2-40B4-BE49-F238E27FC236}">
-                <a16:creationId xmlns:a16="http://schemas.microsoft.com/office/drawing/2014/main" id="{502EF0FD-A2BC-4521-AA0D-3EAF99C83BA3}"/>
-              </a:ext>
-            </a:extLst>
-          </p:cNvPr>
-          <p:cNvPicPr>
-            <a:picLocks noGrp="1" noChangeAspect="1"/>
-          </p:cNvPicPr>
-          <p:nvPr>
-            <p:ph idx="1"/>
-          </p:nvPr>
-        </p:nvPicPr>
-        <p:blipFill>
-          <a:blip r:embed="rId3"/>
-          <a:stretch>
-            <a:fillRect/>
-          </a:stretch>
-        </p:blipFill>
-        <p:spPr>
-          <a:xfrm>
-            <a:off x="677333" y="1270000"/>
-            <a:ext cx="5107449" cy="5329702"/>
-          </a:xfrm>
-          <a:prstGeom prst="rect">
-            <a:avLst/>
-          </a:prstGeom>
-        </p:spPr>
-      </p:pic>
-    </p:spTree>
-    <p:extLst>
-      <p:ext uri="{BB962C8B-B14F-4D97-AF65-F5344CB8AC3E}">
-        <p14:creationId xmlns:p14="http://schemas.microsoft.com/office/powerpoint/2010/main" val="1086790313"/>
-      </p:ext>
-    </p:extLst>
-  </p:cSld>
-  <p:clrMapOvr>
-    <a:masterClrMapping/>
-  </p:clrMapOvr>
-</p:sld>
-</file>
-
-<file path=ppt/slides/slide24.xml><?xml version="1.0" encoding="utf-8"?>
-<p:sld xmlns:a="http://schemas.openxmlformats.org/drawingml/2006/main" xmlns:r="http://schemas.openxmlformats.org/officeDocument/2006/relationships" xmlns:p="http://schemas.openxmlformats.org/presentationml/2006/main">
-  <p:cSld>
-    <p:spTree>
-      <p:nvGrpSpPr>
-        <p:cNvPr id="1" name=""/>
-        <p:cNvGrpSpPr/>
-        <p:nvPr/>
-      </p:nvGrpSpPr>
-      <p:grpSpPr>
-        <a:xfrm>
-          <a:off x="0" y="0"/>
-          <a:ext cx="0" cy="0"/>
-          <a:chOff x="0" y="0"/>
-          <a:chExt cx="0" cy="0"/>
-        </a:xfrm>
-      </p:grpSpPr>
-      <p:sp>
-        <p:nvSpPr>
-          <p:cNvPr id="2" name="標題 1">
-            <a:extLst>
-              <a:ext uri="{FF2B5EF4-FFF2-40B4-BE49-F238E27FC236}">
-                <a16:creationId xmlns:a16="http://schemas.microsoft.com/office/drawing/2014/main" id="{51AAE519-7BCD-4D8C-B614-B9283C20DB33}"/>
-              </a:ext>
-            </a:extLst>
-          </p:cNvPr>
-          <p:cNvSpPr>
-            <a:spLocks noGrp="1"/>
-          </p:cNvSpPr>
-          <p:nvPr>
-            <p:ph type="title"/>
-          </p:nvPr>
-        </p:nvSpPr>
-        <p:spPr/>
-        <p:txBody>
-          <a:bodyPr/>
-          <a:lstStyle/>
-          <a:p>
-            <a:r>
-              <a:rPr lang="en-US" altLang="zh-TW" dirty="0" err="1"/>
-              <a:t>Func</a:t>
-            </a:r>
-            <a:endParaRPr lang="en-US" altLang="zh-TW" dirty="0"/>
-          </a:p>
-        </p:txBody>
-      </p:sp>
-      <p:sp>
-        <p:nvSpPr>
-          <p:cNvPr id="3" name="內容版面配置區 2">
-            <a:extLst>
-              <a:ext uri="{FF2B5EF4-FFF2-40B4-BE49-F238E27FC236}">
-                <a16:creationId xmlns:a16="http://schemas.microsoft.com/office/drawing/2014/main" id="{7467E32A-E302-401F-A84B-B6842F2EC954}"/>
-              </a:ext>
-            </a:extLst>
-          </p:cNvPr>
-          <p:cNvSpPr>
-            <a:spLocks noGrp="1"/>
-          </p:cNvSpPr>
-          <p:nvPr>
-            <p:ph idx="1"/>
-          </p:nvPr>
-        </p:nvSpPr>
-        <p:spPr/>
-        <p:txBody>
-          <a:bodyPr/>
-          <a:lstStyle/>
-          <a:p>
-            <a:r>
-              <a:rPr lang="en-US" altLang="zh-TW" dirty="0"/>
-              <a:t>Method</a:t>
-            </a:r>
-          </a:p>
-        </p:txBody>
-      </p:sp>
-      <p:sp>
-        <p:nvSpPr>
-          <p:cNvPr id="4" name="文字方塊 3">
-            <a:extLst>
-              <a:ext uri="{FF2B5EF4-FFF2-40B4-BE49-F238E27FC236}">
-                <a16:creationId xmlns:a16="http://schemas.microsoft.com/office/drawing/2014/main" id="{2442BE6C-2D0D-4E4C-8100-88026C4B02AC}"/>
-              </a:ext>
-            </a:extLst>
-          </p:cNvPr>
-          <p:cNvSpPr txBox="1"/>
-          <p:nvPr/>
-        </p:nvSpPr>
-        <p:spPr>
-          <a:xfrm>
-            <a:off x="6096000" y="5672030"/>
-            <a:ext cx="3178002" cy="369332"/>
-          </a:xfrm>
-          <a:prstGeom prst="rect">
-            <a:avLst/>
-          </a:prstGeom>
-          <a:noFill/>
-        </p:spPr>
-        <p:txBody>
-          <a:bodyPr wrap="square" rtlCol="0">
-            <a:spAutoFit/>
-          </a:bodyPr>
-          <a:lstStyle/>
-          <a:p>
-            <a:r>
-              <a:rPr lang="en-US" altLang="zh-TW" dirty="0"/>
-              <a:t>FuncSample_2</a:t>
-            </a:r>
-            <a:endParaRPr lang="zh-TW" altLang="en-US" dirty="0"/>
-          </a:p>
-        </p:txBody>
-      </p:sp>
-    </p:spTree>
-    <p:extLst>
-      <p:ext uri="{BB962C8B-B14F-4D97-AF65-F5344CB8AC3E}">
-        <p14:creationId xmlns:p14="http://schemas.microsoft.com/office/powerpoint/2010/main" val="362384549"/>
-      </p:ext>
-    </p:extLst>
-  </p:cSld>
-  <p:clrMapOvr>
-    <a:masterClrMapping/>
-  </p:clrMapOvr>
-</p:sld>
-</file>
-
-<file path=ppt/slides/slide25.xml><?xml version="1.0" encoding="utf-8"?>
-<p:sld xmlns:a="http://schemas.openxmlformats.org/drawingml/2006/main" xmlns:r="http://schemas.openxmlformats.org/officeDocument/2006/relationships" xmlns:p="http://schemas.openxmlformats.org/presentationml/2006/main">
-  <p:cSld>
-    <p:spTree>
-      <p:nvGrpSpPr>
-        <p:cNvPr id="1" name=""/>
-        <p:cNvGrpSpPr/>
-        <p:nvPr/>
-      </p:nvGrpSpPr>
-      <p:grpSpPr>
-        <a:xfrm>
-          <a:off x="0" y="0"/>
-          <a:ext cx="0" cy="0"/>
-          <a:chOff x="0" y="0"/>
-          <a:chExt cx="0" cy="0"/>
-        </a:xfrm>
-      </p:grpSpPr>
-      <p:sp>
-        <p:nvSpPr>
-          <p:cNvPr id="2" name="標題 1">
-            <a:extLst>
-              <a:ext uri="{FF2B5EF4-FFF2-40B4-BE49-F238E27FC236}">
-                <a16:creationId xmlns:a16="http://schemas.microsoft.com/office/drawing/2014/main" id="{51AAE519-7BCD-4D8C-B614-B9283C20DB33}"/>
-              </a:ext>
-            </a:extLst>
-          </p:cNvPr>
-          <p:cNvSpPr>
-            <a:spLocks noGrp="1"/>
-          </p:cNvSpPr>
-          <p:nvPr>
-            <p:ph type="title"/>
-          </p:nvPr>
-        </p:nvSpPr>
-        <p:spPr/>
-        <p:txBody>
-          <a:bodyPr/>
-          <a:lstStyle/>
-          <a:p>
-            <a:r>
-              <a:rPr lang="zh-TW" altLang="en-US" dirty="0"/>
-              <a:t>怎麼實做一個</a:t>
-            </a:r>
-            <a:r>
-              <a:rPr lang="en-US" altLang="zh-TW" dirty="0"/>
-              <a:t>Where</a:t>
-            </a:r>
-            <a:r>
-              <a:rPr lang="zh-TW" altLang="en-US" dirty="0"/>
-              <a:t>？</a:t>
-            </a:r>
-            <a:endParaRPr lang="en-US" altLang="zh-TW" dirty="0"/>
-          </a:p>
-        </p:txBody>
-      </p:sp>
-      <p:sp>
-        <p:nvSpPr>
-          <p:cNvPr id="3" name="內容版面配置區 2">
-            <a:extLst>
-              <a:ext uri="{FF2B5EF4-FFF2-40B4-BE49-F238E27FC236}">
-                <a16:creationId xmlns:a16="http://schemas.microsoft.com/office/drawing/2014/main" id="{7467E32A-E302-401F-A84B-B6842F2EC954}"/>
-              </a:ext>
-            </a:extLst>
-          </p:cNvPr>
-          <p:cNvSpPr>
-            <a:spLocks noGrp="1"/>
-          </p:cNvSpPr>
-          <p:nvPr>
-            <p:ph idx="1"/>
-          </p:nvPr>
-        </p:nvSpPr>
-        <p:spPr/>
-        <p:txBody>
-          <a:bodyPr/>
-          <a:lstStyle/>
-          <a:p>
-            <a:endParaRPr lang="en-US" altLang="zh-TW" dirty="0"/>
-          </a:p>
-        </p:txBody>
-      </p:sp>
-      <p:sp>
-        <p:nvSpPr>
-          <p:cNvPr id="4" name="文字方塊 3">
-            <a:extLst>
-              <a:ext uri="{FF2B5EF4-FFF2-40B4-BE49-F238E27FC236}">
-                <a16:creationId xmlns:a16="http://schemas.microsoft.com/office/drawing/2014/main" id="{2442BE6C-2D0D-4E4C-8100-88026C4B02AC}"/>
-              </a:ext>
-            </a:extLst>
-          </p:cNvPr>
-          <p:cNvSpPr txBox="1"/>
-          <p:nvPr/>
-        </p:nvSpPr>
-        <p:spPr>
-          <a:xfrm>
-            <a:off x="6096000" y="5672030"/>
-            <a:ext cx="3178002" cy="369332"/>
-          </a:xfrm>
-          <a:prstGeom prst="rect">
-            <a:avLst/>
-          </a:prstGeom>
-          <a:noFill/>
-        </p:spPr>
-        <p:txBody>
-          <a:bodyPr wrap="square" rtlCol="0">
-            <a:spAutoFit/>
-          </a:bodyPr>
-          <a:lstStyle/>
-          <a:p>
-            <a:r>
-              <a:rPr lang="en-US" altLang="zh-TW" dirty="0"/>
-              <a:t>FuncSample_3</a:t>
-            </a:r>
-            <a:endParaRPr lang="zh-TW" altLang="en-US" dirty="0"/>
-          </a:p>
-        </p:txBody>
-      </p:sp>
-    </p:spTree>
-    <p:extLst>
-      <p:ext uri="{BB962C8B-B14F-4D97-AF65-F5344CB8AC3E}">
-        <p14:creationId xmlns:p14="http://schemas.microsoft.com/office/powerpoint/2010/main" val="2099299505"/>
-      </p:ext>
-    </p:extLst>
-  </p:cSld>
-  <p:clrMapOvr>
-    <a:masterClrMapping/>
-  </p:clrMapOvr>
-</p:sld>
-</file>
-
-<file path=ppt/slides/slide26.xml><?xml version="1.0" encoding="utf-8"?>
-<p:sld xmlns:a="http://schemas.openxmlformats.org/drawingml/2006/main" xmlns:r="http://schemas.openxmlformats.org/officeDocument/2006/relationships" xmlns:p="http://schemas.openxmlformats.org/presentationml/2006/main">
-  <p:cSld>
-    <p:spTree>
-      <p:nvGrpSpPr>
-        <p:cNvPr id="1" name=""/>
-        <p:cNvGrpSpPr/>
-        <p:nvPr/>
-      </p:nvGrpSpPr>
-      <p:grpSpPr>
-        <a:xfrm>
-          <a:off x="0" y="0"/>
-          <a:ext cx="0" cy="0"/>
-          <a:chOff x="0" y="0"/>
-          <a:chExt cx="0" cy="0"/>
-        </a:xfrm>
-      </p:grpSpPr>
-      <p:sp>
-        <p:nvSpPr>
-          <p:cNvPr id="2" name="標題 1">
-            <a:extLst>
-              <a:ext uri="{FF2B5EF4-FFF2-40B4-BE49-F238E27FC236}">
-                <a16:creationId xmlns:a16="http://schemas.microsoft.com/office/drawing/2014/main" id="{51AAE519-7BCD-4D8C-B614-B9283C20DB33}"/>
-              </a:ext>
-            </a:extLst>
-          </p:cNvPr>
-          <p:cNvSpPr>
-            <a:spLocks noGrp="1"/>
-          </p:cNvSpPr>
-          <p:nvPr>
-            <p:ph type="title"/>
-          </p:nvPr>
-        </p:nvSpPr>
-        <p:spPr/>
-        <p:txBody>
-          <a:bodyPr/>
-          <a:lstStyle/>
-          <a:p>
-            <a:r>
-              <a:rPr lang="en-US" altLang="zh-TW" dirty="0"/>
-              <a:t>Action</a:t>
-            </a:r>
-          </a:p>
-        </p:txBody>
-      </p:sp>
-      <p:sp>
-        <p:nvSpPr>
-          <p:cNvPr id="4" name="文字方塊 3">
-            <a:extLst>
-              <a:ext uri="{FF2B5EF4-FFF2-40B4-BE49-F238E27FC236}">
-                <a16:creationId xmlns:a16="http://schemas.microsoft.com/office/drawing/2014/main" id="{2442BE6C-2D0D-4E4C-8100-88026C4B02AC}"/>
-              </a:ext>
-            </a:extLst>
-          </p:cNvPr>
-          <p:cNvSpPr txBox="1"/>
-          <p:nvPr/>
-        </p:nvSpPr>
-        <p:spPr>
-          <a:xfrm>
-            <a:off x="6096000" y="5672030"/>
-            <a:ext cx="3178002" cy="369332"/>
-          </a:xfrm>
-          <a:prstGeom prst="rect">
-            <a:avLst/>
-          </a:prstGeom>
-          <a:noFill/>
-        </p:spPr>
-        <p:txBody>
-          <a:bodyPr wrap="square" rtlCol="0">
-            <a:spAutoFit/>
-          </a:bodyPr>
-          <a:lstStyle/>
-          <a:p>
-            <a:r>
-              <a:rPr lang="en-US" altLang="zh-TW" dirty="0"/>
-              <a:t>ActionSample_1</a:t>
-            </a:r>
-            <a:endParaRPr lang="zh-TW" altLang="en-US" dirty="0"/>
-          </a:p>
-        </p:txBody>
-      </p:sp>
-      <p:pic>
-        <p:nvPicPr>
-          <p:cNvPr id="9" name="內容版面配置區 3">
-            <a:extLst>
-              <a:ext uri="{FF2B5EF4-FFF2-40B4-BE49-F238E27FC236}">
-                <a16:creationId xmlns:a16="http://schemas.microsoft.com/office/drawing/2014/main" id="{B31FE51E-A463-4FD6-BB99-BC011A6A9CF6}"/>
-              </a:ext>
-            </a:extLst>
-          </p:cNvPr>
-          <p:cNvPicPr>
-            <a:picLocks noChangeAspect="1"/>
-          </p:cNvPicPr>
-          <p:nvPr/>
-        </p:nvPicPr>
-        <p:blipFill>
-          <a:blip r:embed="rId3"/>
-          <a:stretch>
-            <a:fillRect/>
-          </a:stretch>
-        </p:blipFill>
-        <p:spPr>
-          <a:xfrm>
-            <a:off x="677334" y="1233905"/>
-            <a:ext cx="4308734" cy="5111937"/>
-          </a:xfrm>
-          <a:prstGeom prst="rect">
-            <a:avLst/>
-          </a:prstGeom>
-        </p:spPr>
-      </p:pic>
-    </p:spTree>
-    <p:extLst>
-      <p:ext uri="{BB962C8B-B14F-4D97-AF65-F5344CB8AC3E}">
-        <p14:creationId xmlns:p14="http://schemas.microsoft.com/office/powerpoint/2010/main" val="1332126971"/>
-      </p:ext>
-    </p:extLst>
-  </p:cSld>
-  <p:clrMapOvr>
-    <a:masterClrMapping/>
-  </p:clrMapOvr>
-</p:sld>
-</file>
-
-<file path=ppt/slides/slide27.xml><?xml version="1.0" encoding="utf-8"?>
-<p:sld xmlns:a="http://schemas.openxmlformats.org/drawingml/2006/main" xmlns:r="http://schemas.openxmlformats.org/officeDocument/2006/relationships" xmlns:p="http://schemas.openxmlformats.org/presentationml/2006/main">
-  <p:cSld>
-    <p:spTree>
-      <p:nvGrpSpPr>
-        <p:cNvPr id="1" name=""/>
-        <p:cNvGrpSpPr/>
-        <p:nvPr/>
-      </p:nvGrpSpPr>
-      <p:grpSpPr>
-        <a:xfrm>
-          <a:off x="0" y="0"/>
-          <a:ext cx="0" cy="0"/>
-          <a:chOff x="0" y="0"/>
-          <a:chExt cx="0" cy="0"/>
-        </a:xfrm>
-      </p:grpSpPr>
-      <p:sp>
-        <p:nvSpPr>
-          <p:cNvPr id="8" name="標題 7">
-            <a:extLst>
-              <a:ext uri="{FF2B5EF4-FFF2-40B4-BE49-F238E27FC236}">
-                <a16:creationId xmlns:a16="http://schemas.microsoft.com/office/drawing/2014/main" id="{BD76B04D-56A6-46C5-B219-ED939D789505}"/>
-              </a:ext>
-            </a:extLst>
-          </p:cNvPr>
-          <p:cNvSpPr>
-            <a:spLocks noGrp="1"/>
-          </p:cNvSpPr>
-          <p:nvPr>
-            <p:ph type="title"/>
-          </p:nvPr>
-        </p:nvSpPr>
-        <p:spPr/>
-        <p:txBody>
-          <a:bodyPr/>
-          <a:lstStyle/>
-          <a:p>
-            <a:r>
-              <a:rPr lang="en-US" altLang="zh-TW" dirty="0"/>
-              <a:t>End</a:t>
-            </a:r>
-            <a:endParaRPr lang="zh-TW" altLang="en-US" dirty="0"/>
-          </a:p>
-        </p:txBody>
-      </p:sp>
-      <p:sp>
-        <p:nvSpPr>
-          <p:cNvPr id="9" name="文字版面配置區 8">
-            <a:extLst>
-              <a:ext uri="{FF2B5EF4-FFF2-40B4-BE49-F238E27FC236}">
-                <a16:creationId xmlns:a16="http://schemas.microsoft.com/office/drawing/2014/main" id="{3E859BED-F947-42BD-88D3-1B333AAB2344}"/>
-              </a:ext>
-            </a:extLst>
-          </p:cNvPr>
-          <p:cNvSpPr>
-            <a:spLocks noGrp="1"/>
-          </p:cNvSpPr>
-          <p:nvPr>
-            <p:ph type="body" idx="1"/>
-          </p:nvPr>
-        </p:nvSpPr>
-        <p:spPr/>
-        <p:txBody>
-          <a:bodyPr/>
-          <a:lstStyle/>
-          <a:p>
-            <a:endParaRPr lang="zh-TW" altLang="en-US"/>
-          </a:p>
-        </p:txBody>
-      </p:sp>
-    </p:spTree>
-    <p:extLst>
-      <p:ext uri="{BB962C8B-B14F-4D97-AF65-F5344CB8AC3E}">
-        <p14:creationId xmlns:p14="http://schemas.microsoft.com/office/powerpoint/2010/main" val="1359257216"/>
-      </p:ext>
-    </p:extLst>
-  </p:cSld>
-  <p:clrMapOvr>
-    <a:masterClrMapping/>
-  </p:clrMapOvr>
-</p:sld>
-</file>
-
-<file path=ppt/slides/slide3.xml><?xml version="1.0" encoding="utf-8"?>
-<p:sld xmlns:a="http://schemas.openxmlformats.org/drawingml/2006/main" xmlns:r="http://schemas.openxmlformats.org/officeDocument/2006/relationships" xmlns:p="http://schemas.openxmlformats.org/presentationml/2006/main">
-  <p:cSld>
-    <p:spTree>
-      <p:nvGrpSpPr>
-        <p:cNvPr id="1" name=""/>
-        <p:cNvGrpSpPr/>
-        <p:nvPr/>
-      </p:nvGrpSpPr>
-      <p:grpSpPr>
-        <a:xfrm>
-          <a:off x="0" y="0"/>
-          <a:ext cx="0" cy="0"/>
-          <a:chOff x="0" y="0"/>
-          <a:chExt cx="0" cy="0"/>
-        </a:xfrm>
-      </p:grpSpPr>
-      <p:sp>
-        <p:nvSpPr>
-          <p:cNvPr id="5" name="標題 4">
-            <a:extLst>
-              <a:ext uri="{FF2B5EF4-FFF2-40B4-BE49-F238E27FC236}">
-                <a16:creationId xmlns:a16="http://schemas.microsoft.com/office/drawing/2014/main" id="{52DD3EDC-1F62-45B3-912F-CED16695C8C9}"/>
-              </a:ext>
-            </a:extLst>
-          </p:cNvPr>
-          <p:cNvSpPr>
-            <a:spLocks noGrp="1"/>
-          </p:cNvSpPr>
-          <p:nvPr>
-            <p:ph type="title"/>
-          </p:nvPr>
-        </p:nvSpPr>
-        <p:spPr/>
-        <p:txBody>
-          <a:bodyPr/>
-          <a:lstStyle/>
-          <a:p>
-            <a:r>
-              <a:rPr lang="zh-TW" altLang="en-US" dirty="0"/>
-              <a:t>明確轉換 </a:t>
-            </a:r>
-            <a:r>
-              <a:rPr lang="en-US" altLang="zh-TW" dirty="0"/>
-              <a:t>vs “as”</a:t>
-            </a:r>
-            <a:endParaRPr lang="zh-TW" altLang="en-US" dirty="0"/>
-          </a:p>
-        </p:txBody>
-      </p:sp>
-      <p:sp>
-        <p:nvSpPr>
-          <p:cNvPr id="6" name="內容版面配置區 5">
-            <a:extLst>
-              <a:ext uri="{FF2B5EF4-FFF2-40B4-BE49-F238E27FC236}">
-                <a16:creationId xmlns:a16="http://schemas.microsoft.com/office/drawing/2014/main" id="{573FB38E-D772-4F80-AF8A-99E24956122B}"/>
-              </a:ext>
-            </a:extLst>
-          </p:cNvPr>
-          <p:cNvSpPr>
-            <a:spLocks noGrp="1"/>
-          </p:cNvSpPr>
-          <p:nvPr>
-            <p:ph idx="1"/>
-          </p:nvPr>
-        </p:nvSpPr>
-        <p:spPr/>
-        <p:txBody>
-          <a:bodyPr/>
-          <a:lstStyle/>
-          <a:p>
-            <a:r>
-              <a:rPr lang="zh-TW" altLang="en-US" dirty="0"/>
-              <a:t>什麼情境下適合用哪個？</a:t>
-            </a:r>
-          </a:p>
-        </p:txBody>
-      </p:sp>
-    </p:spTree>
-    <p:extLst>
-      <p:ext uri="{BB962C8B-B14F-4D97-AF65-F5344CB8AC3E}">
-        <p14:creationId xmlns:p14="http://schemas.microsoft.com/office/powerpoint/2010/main" val="2578535719"/>
-      </p:ext>
-    </p:extLst>
-  </p:cSld>
-  <p:clrMapOvr>
-    <a:masterClrMapping/>
-  </p:clrMapOvr>
-</p:sld>
-</file>
-
-<file path=ppt/slides/slide4.xml><?xml version="1.0" encoding="utf-8"?>
-<p:sld xmlns:a="http://schemas.openxmlformats.org/drawingml/2006/main" xmlns:r="http://schemas.openxmlformats.org/officeDocument/2006/relationships" xmlns:p="http://schemas.openxmlformats.org/presentationml/2006/main">
-  <p:cSld>
-    <p:spTree>
-      <p:nvGrpSpPr>
-        <p:cNvPr id="1" name=""/>
-        <p:cNvGrpSpPr/>
-        <p:nvPr/>
-      </p:nvGrpSpPr>
-      <p:grpSpPr>
-        <a:xfrm>
-          <a:off x="0" y="0"/>
-          <a:ext cx="0" cy="0"/>
-          <a:chOff x="0" y="0"/>
-          <a:chExt cx="0" cy="0"/>
-        </a:xfrm>
-      </p:grpSpPr>
-      <p:sp>
-        <p:nvSpPr>
-          <p:cNvPr id="2" name="標題 1">
-            <a:extLst>
-              <a:ext uri="{FF2B5EF4-FFF2-40B4-BE49-F238E27FC236}">
-                <a16:creationId xmlns:a16="http://schemas.microsoft.com/office/drawing/2014/main" id="{51AAE519-7BCD-4D8C-B614-B9283C20DB33}"/>
-              </a:ext>
-            </a:extLst>
-          </p:cNvPr>
-          <p:cNvSpPr>
-            <a:spLocks noGrp="1"/>
-          </p:cNvSpPr>
-          <p:nvPr>
-            <p:ph type="title"/>
-          </p:nvPr>
-        </p:nvSpPr>
-        <p:spPr/>
-        <p:txBody>
-          <a:bodyPr/>
-          <a:lstStyle/>
-          <a:p>
-            <a:r>
-              <a:rPr lang="en-US" altLang="zh-TW" dirty="0"/>
-              <a:t>Generics</a:t>
-            </a:r>
-            <a:endParaRPr lang="zh-TW" altLang="en-US" dirty="0"/>
-          </a:p>
-        </p:txBody>
-      </p:sp>
-      <p:sp>
-        <p:nvSpPr>
-          <p:cNvPr id="4" name="文字版面配置區 3">
-            <a:extLst>
-              <a:ext uri="{FF2B5EF4-FFF2-40B4-BE49-F238E27FC236}">
-                <a16:creationId xmlns:a16="http://schemas.microsoft.com/office/drawing/2014/main" id="{5284A54C-C065-4FDD-BF29-E44B077DB4AD}"/>
-              </a:ext>
-            </a:extLst>
-          </p:cNvPr>
-          <p:cNvSpPr>
-            <a:spLocks noGrp="1"/>
-          </p:cNvSpPr>
-          <p:nvPr>
-            <p:ph type="body" idx="1"/>
-          </p:nvPr>
-        </p:nvSpPr>
-        <p:spPr/>
-        <p:txBody>
-          <a:bodyPr/>
-          <a:lstStyle/>
-          <a:p>
-            <a:r>
-              <a:rPr lang="zh-TW" altLang="en-US" dirty="0"/>
-              <a:t>泛型</a:t>
-            </a:r>
-          </a:p>
-        </p:txBody>
-      </p:sp>
-    </p:spTree>
-    <p:extLst>
-      <p:ext uri="{BB962C8B-B14F-4D97-AF65-F5344CB8AC3E}">
-        <p14:creationId xmlns:p14="http://schemas.microsoft.com/office/powerpoint/2010/main" val="619185329"/>
-      </p:ext>
-    </p:extLst>
-  </p:cSld>
-  <p:clrMapOvr>
-    <a:masterClrMapping/>
-  </p:clrMapOvr>
-</p:sld>
-</file>
-
-<file path=ppt/slides/slide5.xml><?xml version="1.0" encoding="utf-8"?>
-<p:sld xmlns:a="http://schemas.openxmlformats.org/drawingml/2006/main" xmlns:r="http://schemas.openxmlformats.org/officeDocument/2006/relationships" xmlns:p="http://schemas.openxmlformats.org/presentationml/2006/main">
-  <p:cSld>
-    <p:spTree>
-      <p:nvGrpSpPr>
-        <p:cNvPr id="1" name=""/>
-        <p:cNvGrpSpPr/>
-        <p:nvPr/>
-      </p:nvGrpSpPr>
-      <p:grpSpPr>
-        <a:xfrm>
-          <a:off x="0" y="0"/>
-          <a:ext cx="0" cy="0"/>
-          <a:chOff x="0" y="0"/>
-          <a:chExt cx="0" cy="0"/>
-        </a:xfrm>
-      </p:grpSpPr>
-      <p:sp>
-        <p:nvSpPr>
-          <p:cNvPr id="2" name="標題 1">
-            <a:extLst>
-              <a:ext uri="{FF2B5EF4-FFF2-40B4-BE49-F238E27FC236}">
-                <a16:creationId xmlns:a16="http://schemas.microsoft.com/office/drawing/2014/main" id="{51AAE519-7BCD-4D8C-B614-B9283C20DB33}"/>
-              </a:ext>
-            </a:extLst>
-          </p:cNvPr>
-          <p:cNvSpPr>
-            <a:spLocks noGrp="1"/>
-          </p:cNvSpPr>
-          <p:nvPr>
-            <p:ph type="title"/>
-          </p:nvPr>
-        </p:nvSpPr>
-        <p:spPr/>
-        <p:txBody>
-          <a:bodyPr/>
-          <a:lstStyle/>
-          <a:p>
-            <a:r>
-              <a:rPr lang="zh-TW" altLang="en-US" dirty="0"/>
-              <a:t>什麼是泛型？</a:t>
-            </a:r>
-            <a:endParaRPr lang="en-US" altLang="zh-TW" dirty="0"/>
-          </a:p>
-        </p:txBody>
-      </p:sp>
-      <p:sp>
-        <p:nvSpPr>
-          <p:cNvPr id="3" name="內容版面配置區 2">
-            <a:extLst>
-              <a:ext uri="{FF2B5EF4-FFF2-40B4-BE49-F238E27FC236}">
-                <a16:creationId xmlns:a16="http://schemas.microsoft.com/office/drawing/2014/main" id="{7467E32A-E302-401F-A84B-B6842F2EC954}"/>
-              </a:ext>
-            </a:extLst>
-          </p:cNvPr>
-          <p:cNvSpPr>
-            <a:spLocks noGrp="1"/>
-          </p:cNvSpPr>
-          <p:nvPr>
-            <p:ph idx="1"/>
-          </p:nvPr>
-        </p:nvSpPr>
-        <p:spPr/>
-        <p:txBody>
-          <a:bodyPr/>
-          <a:lstStyle/>
-          <a:p>
-            <a:endParaRPr lang="en-US" altLang="zh-TW" dirty="0"/>
-          </a:p>
-        </p:txBody>
-      </p:sp>
-      <p:sp>
-        <p:nvSpPr>
-          <p:cNvPr id="5" name="文字方塊 4">
-            <a:extLst>
-              <a:ext uri="{FF2B5EF4-FFF2-40B4-BE49-F238E27FC236}">
-                <a16:creationId xmlns:a16="http://schemas.microsoft.com/office/drawing/2014/main" id="{4E46B03E-CEFB-46D9-BCA5-CA5C12929C5D}"/>
-              </a:ext>
-            </a:extLst>
-          </p:cNvPr>
-          <p:cNvSpPr txBox="1"/>
-          <p:nvPr/>
-        </p:nvSpPr>
-        <p:spPr>
-          <a:xfrm>
-            <a:off x="6096000" y="5675602"/>
-            <a:ext cx="2005263" cy="365760"/>
-          </a:xfrm>
-          <a:prstGeom prst="rect">
-            <a:avLst/>
-          </a:prstGeom>
-          <a:noFill/>
-        </p:spPr>
-        <p:txBody>
-          <a:bodyPr wrap="square" rtlCol="0">
-            <a:spAutoFit/>
-          </a:bodyPr>
-          <a:lstStyle/>
-          <a:p>
-            <a:r>
-              <a:rPr lang="en-US" altLang="zh-TW" dirty="0"/>
-              <a:t>GenericSample_1</a:t>
-            </a:r>
-            <a:endParaRPr lang="zh-TW" altLang="en-US" dirty="0"/>
-          </a:p>
-        </p:txBody>
-      </p:sp>
-    </p:spTree>
-    <p:extLst>
-      <p:ext uri="{BB962C8B-B14F-4D97-AF65-F5344CB8AC3E}">
-        <p14:creationId xmlns:p14="http://schemas.microsoft.com/office/powerpoint/2010/main" val="724643835"/>
-      </p:ext>
-    </p:extLst>
-  </p:cSld>
-  <p:clrMapOvr>
-    <a:masterClrMapping/>
-  </p:clrMapOvr>
-</p:sld>
-</file>
-
-<file path=ppt/slides/slide6.xml><?xml version="1.0" encoding="utf-8"?>
-<p:sld xmlns:a="http://schemas.openxmlformats.org/drawingml/2006/main" xmlns:r="http://schemas.openxmlformats.org/officeDocument/2006/relationships" xmlns:p="http://schemas.openxmlformats.org/presentationml/2006/main">
-  <p:cSld>
-    <p:spTree>
-      <p:nvGrpSpPr>
-        <p:cNvPr id="1" name=""/>
-        <p:cNvGrpSpPr/>
-        <p:nvPr/>
-      </p:nvGrpSpPr>
-      <p:grpSpPr>
-        <a:xfrm>
-          <a:off x="0" y="0"/>
-          <a:ext cx="0" cy="0"/>
-          <a:chOff x="0" y="0"/>
-          <a:chExt cx="0" cy="0"/>
-        </a:xfrm>
-      </p:grpSpPr>
-      <p:sp>
-        <p:nvSpPr>
-          <p:cNvPr id="2" name="標題 1">
-            <a:extLst>
-              <a:ext uri="{FF2B5EF4-FFF2-40B4-BE49-F238E27FC236}">
-                <a16:creationId xmlns:a16="http://schemas.microsoft.com/office/drawing/2014/main" id="{51AAE519-7BCD-4D8C-B614-B9283C20DB33}"/>
-              </a:ext>
-            </a:extLst>
-          </p:cNvPr>
-          <p:cNvSpPr>
-            <a:spLocks noGrp="1"/>
-          </p:cNvSpPr>
-          <p:nvPr>
-            <p:ph type="title"/>
-          </p:nvPr>
-        </p:nvSpPr>
-        <p:spPr/>
-        <p:txBody>
-          <a:bodyPr/>
-          <a:lstStyle/>
-          <a:p>
-            <a:r>
-              <a:rPr lang="zh-TW" altLang="en-US"/>
-              <a:t>如果沒有泛型？</a:t>
-            </a:r>
-            <a:endParaRPr lang="en-US" altLang="zh-TW"/>
-          </a:p>
-        </p:txBody>
-      </p:sp>
-      <p:sp>
-        <p:nvSpPr>
-          <p:cNvPr id="3" name="內容版面配置區 2">
-            <a:extLst>
-              <a:ext uri="{FF2B5EF4-FFF2-40B4-BE49-F238E27FC236}">
-                <a16:creationId xmlns:a16="http://schemas.microsoft.com/office/drawing/2014/main" id="{7467E32A-E302-401F-A84B-B6842F2EC954}"/>
-              </a:ext>
-            </a:extLst>
-          </p:cNvPr>
-          <p:cNvSpPr>
-            <a:spLocks noGrp="1"/>
-          </p:cNvSpPr>
-          <p:nvPr>
-            <p:ph idx="1"/>
-          </p:nvPr>
-        </p:nvSpPr>
-        <p:spPr/>
-        <p:txBody>
-          <a:bodyPr/>
-          <a:lstStyle/>
-          <a:p>
-            <a:endParaRPr lang="en-US" altLang="zh-TW" dirty="0"/>
-          </a:p>
-        </p:txBody>
-      </p:sp>
-      <p:sp>
-        <p:nvSpPr>
-          <p:cNvPr id="5" name="文字方塊 4">
-            <a:extLst>
-              <a:ext uri="{FF2B5EF4-FFF2-40B4-BE49-F238E27FC236}">
-                <a16:creationId xmlns:a16="http://schemas.microsoft.com/office/drawing/2014/main" id="{329DA23C-8DB8-4FFB-B011-E4B2DC9CCC6C}"/>
-              </a:ext>
-            </a:extLst>
-          </p:cNvPr>
-          <p:cNvSpPr txBox="1"/>
-          <p:nvPr/>
-        </p:nvSpPr>
-        <p:spPr>
-          <a:xfrm>
-            <a:off x="6096000" y="5672030"/>
-            <a:ext cx="2005263" cy="369332"/>
-          </a:xfrm>
-          <a:prstGeom prst="rect">
-            <a:avLst/>
-          </a:prstGeom>
-          <a:noFill/>
-        </p:spPr>
-        <p:txBody>
-          <a:bodyPr wrap="square" rtlCol="0">
-            <a:spAutoFit/>
-          </a:bodyPr>
-          <a:lstStyle/>
-          <a:p>
-            <a:r>
-              <a:rPr lang="en-US" altLang="zh-TW" dirty="0"/>
-              <a:t>GenericSample_2</a:t>
-            </a:r>
-            <a:endParaRPr lang="zh-TW" altLang="en-US" dirty="0"/>
-          </a:p>
-        </p:txBody>
-      </p:sp>
-    </p:spTree>
-    <p:extLst>
-      <p:ext uri="{BB962C8B-B14F-4D97-AF65-F5344CB8AC3E}">
-        <p14:creationId xmlns:p14="http://schemas.microsoft.com/office/powerpoint/2010/main" val="3848845485"/>
-      </p:ext>
-    </p:extLst>
-  </p:cSld>
-  <p:clrMapOvr>
-    <a:masterClrMapping/>
-  </p:clrMapOvr>
-</p:sld>
-</file>
-
-<file path=ppt/slides/slide7.xml><?xml version="1.0" encoding="utf-8"?>
-<p:sld xmlns:a="http://schemas.openxmlformats.org/drawingml/2006/main" xmlns:r="http://schemas.openxmlformats.org/officeDocument/2006/relationships" xmlns:p="http://schemas.openxmlformats.org/presentationml/2006/main">
-  <p:cSld>
-    <p:spTree>
-      <p:nvGrpSpPr>
-        <p:cNvPr id="1" name=""/>
-        <p:cNvGrpSpPr/>
-        <p:nvPr/>
-      </p:nvGrpSpPr>
-      <p:grpSpPr>
-        <a:xfrm>
-          <a:off x="0" y="0"/>
-          <a:ext cx="0" cy="0"/>
-          <a:chOff x="0" y="0"/>
-          <a:chExt cx="0" cy="0"/>
-        </a:xfrm>
-      </p:grpSpPr>
-      <p:sp>
-        <p:nvSpPr>
-          <p:cNvPr id="2" name="標題 1">
-            <a:extLst>
-              <a:ext uri="{FF2B5EF4-FFF2-40B4-BE49-F238E27FC236}">
-                <a16:creationId xmlns:a16="http://schemas.microsoft.com/office/drawing/2014/main" id="{51AAE519-7BCD-4D8C-B614-B9283C20DB33}"/>
-              </a:ext>
-            </a:extLst>
-          </p:cNvPr>
-          <p:cNvSpPr>
-            <a:spLocks noGrp="1"/>
-          </p:cNvSpPr>
-          <p:nvPr>
-            <p:ph type="title"/>
-          </p:nvPr>
-        </p:nvSpPr>
-        <p:spPr/>
-        <p:txBody>
-          <a:bodyPr/>
-          <a:lstStyle/>
-          <a:p>
-            <a:r>
-              <a:rPr lang="en-US" altLang="zh-TW" err="1"/>
-              <a:t>ArrayList</a:t>
-            </a:r>
-            <a:endParaRPr lang="en-US" altLang="zh-TW"/>
-          </a:p>
-        </p:txBody>
-      </p:sp>
-      <p:sp>
-        <p:nvSpPr>
-          <p:cNvPr id="3" name="內容版面配置區 2">
-            <a:extLst>
-              <a:ext uri="{FF2B5EF4-FFF2-40B4-BE49-F238E27FC236}">
-                <a16:creationId xmlns:a16="http://schemas.microsoft.com/office/drawing/2014/main" id="{7467E32A-E302-401F-A84B-B6842F2EC954}"/>
-              </a:ext>
-            </a:extLst>
-          </p:cNvPr>
-          <p:cNvSpPr>
-            <a:spLocks noGrp="1"/>
-          </p:cNvSpPr>
-          <p:nvPr>
-            <p:ph idx="1"/>
-          </p:nvPr>
-        </p:nvSpPr>
-        <p:spPr/>
-        <p:txBody>
-          <a:bodyPr/>
-          <a:lstStyle/>
-          <a:p>
-            <a:endParaRPr lang="en-US" altLang="zh-TW" dirty="0"/>
-          </a:p>
-        </p:txBody>
-      </p:sp>
-      <p:sp>
-        <p:nvSpPr>
-          <p:cNvPr id="4" name="文字方塊 3">
-            <a:extLst>
-              <a:ext uri="{FF2B5EF4-FFF2-40B4-BE49-F238E27FC236}">
-                <a16:creationId xmlns:a16="http://schemas.microsoft.com/office/drawing/2014/main" id="{381F2A97-48D4-45B3-91B8-9AB7E32E5EA1}"/>
-              </a:ext>
-            </a:extLst>
-          </p:cNvPr>
-          <p:cNvSpPr txBox="1"/>
-          <p:nvPr/>
-        </p:nvSpPr>
-        <p:spPr>
-          <a:xfrm>
-            <a:off x="6096000" y="5672030"/>
-            <a:ext cx="2005263" cy="369332"/>
-          </a:xfrm>
-          <a:prstGeom prst="rect">
-            <a:avLst/>
-          </a:prstGeom>
-          <a:noFill/>
-        </p:spPr>
-        <p:txBody>
-          <a:bodyPr wrap="square" rtlCol="0">
-            <a:spAutoFit/>
-          </a:bodyPr>
-          <a:lstStyle/>
-          <a:p>
-            <a:r>
-              <a:rPr lang="en-US" altLang="zh-TW" dirty="0"/>
-              <a:t>GenericSample_3</a:t>
-            </a:r>
-            <a:endParaRPr lang="zh-TW" altLang="en-US" dirty="0"/>
-          </a:p>
-        </p:txBody>
-      </p:sp>
-      <p:pic>
-        <p:nvPicPr>
-          <p:cNvPr id="5" name="圖片 4">
-            <a:extLst>
-              <a:ext uri="{FF2B5EF4-FFF2-40B4-BE49-F238E27FC236}">
-                <a16:creationId xmlns:a16="http://schemas.microsoft.com/office/drawing/2014/main" id="{BE2DC1B1-CF0A-46FB-BE36-FAFB9700EA48}"/>
-              </a:ext>
-            </a:extLst>
-          </p:cNvPr>
-          <p:cNvPicPr>
-            <a:picLocks noChangeAspect="1"/>
-          </p:cNvPicPr>
-          <p:nvPr/>
-        </p:nvPicPr>
-        <p:blipFill>
-          <a:blip r:embed="rId3"/>
-          <a:stretch>
-            <a:fillRect/>
-          </a:stretch>
-        </p:blipFill>
-        <p:spPr>
-          <a:xfrm>
-            <a:off x="677334" y="2160590"/>
-            <a:ext cx="8159642" cy="3281252"/>
-          </a:xfrm>
-          <a:prstGeom prst="rect">
-            <a:avLst/>
-          </a:prstGeom>
-        </p:spPr>
-      </p:pic>
-    </p:spTree>
-    <p:extLst>
-      <p:ext uri="{BB962C8B-B14F-4D97-AF65-F5344CB8AC3E}">
-        <p14:creationId xmlns:p14="http://schemas.microsoft.com/office/powerpoint/2010/main" val="389947943"/>
-      </p:ext>
-    </p:extLst>
-  </p:cSld>
-  <p:clrMapOvr>
-    <a:masterClrMapping/>
-  </p:clrMapOvr>
-</p:sld>
-</file>
-
-<file path=ppt/slides/slide8.xml><?xml version="1.0" encoding="utf-8"?>
-<p:sld xmlns:a="http://schemas.openxmlformats.org/drawingml/2006/main" xmlns:r="http://schemas.openxmlformats.org/officeDocument/2006/relationships" xmlns:p="http://schemas.openxmlformats.org/presentationml/2006/main">
-  <p:cSld>
-    <p:spTree>
-      <p:nvGrpSpPr>
-        <p:cNvPr id="1" name=""/>
-        <p:cNvGrpSpPr/>
-        <p:nvPr/>
-      </p:nvGrpSpPr>
-      <p:grpSpPr>
-        <a:xfrm>
-          <a:off x="0" y="0"/>
-          <a:ext cx="0" cy="0"/>
-          <a:chOff x="0" y="0"/>
-          <a:chExt cx="0" cy="0"/>
-        </a:xfrm>
-      </p:grpSpPr>
-      <p:sp>
-        <p:nvSpPr>
-          <p:cNvPr id="2" name="標題 1">
-            <a:extLst>
-              <a:ext uri="{FF2B5EF4-FFF2-40B4-BE49-F238E27FC236}">
-                <a16:creationId xmlns:a16="http://schemas.microsoft.com/office/drawing/2014/main" id="{51AAE519-7BCD-4D8C-B614-B9283C20DB33}"/>
-              </a:ext>
-            </a:extLst>
-          </p:cNvPr>
-          <p:cNvSpPr>
-            <a:spLocks noGrp="1"/>
-          </p:cNvSpPr>
-          <p:nvPr>
-            <p:ph type="title"/>
-          </p:nvPr>
-        </p:nvSpPr>
-        <p:spPr/>
-        <p:txBody>
-          <a:bodyPr/>
-          <a:lstStyle/>
-          <a:p>
-            <a:r>
-              <a:rPr lang="zh-TW" altLang="en-US" dirty="0"/>
-              <a:t>可能造成什麼問題？</a:t>
-            </a:r>
-            <a:endParaRPr lang="en-US" altLang="zh-TW" dirty="0"/>
-          </a:p>
-        </p:txBody>
-      </p:sp>
-      <p:sp>
-        <p:nvSpPr>
-          <p:cNvPr id="3" name="內容版面配置區 2">
-            <a:extLst>
-              <a:ext uri="{FF2B5EF4-FFF2-40B4-BE49-F238E27FC236}">
-                <a16:creationId xmlns:a16="http://schemas.microsoft.com/office/drawing/2014/main" id="{7467E32A-E302-401F-A84B-B6842F2EC954}"/>
-              </a:ext>
-            </a:extLst>
-          </p:cNvPr>
-          <p:cNvSpPr>
-            <a:spLocks noGrp="1"/>
-          </p:cNvSpPr>
-          <p:nvPr>
-            <p:ph idx="1"/>
-          </p:nvPr>
-        </p:nvSpPr>
-        <p:spPr/>
-        <p:txBody>
-          <a:bodyPr/>
-          <a:lstStyle/>
-          <a:p>
-            <a:endParaRPr lang="en-US" altLang="zh-TW" dirty="0"/>
-          </a:p>
-        </p:txBody>
-      </p:sp>
-      <p:sp>
-        <p:nvSpPr>
-          <p:cNvPr id="7" name="文字方塊 6">
-            <a:extLst>
-              <a:ext uri="{FF2B5EF4-FFF2-40B4-BE49-F238E27FC236}">
-                <a16:creationId xmlns:a16="http://schemas.microsoft.com/office/drawing/2014/main" id="{7E5D05F0-1C04-42B6-8EDB-2C1AF81005AB}"/>
-              </a:ext>
-            </a:extLst>
-          </p:cNvPr>
-          <p:cNvSpPr txBox="1"/>
-          <p:nvPr/>
-        </p:nvSpPr>
-        <p:spPr>
-          <a:xfrm>
-            <a:off x="6096000" y="5672030"/>
-            <a:ext cx="2005263" cy="369332"/>
-          </a:xfrm>
-          <a:prstGeom prst="rect">
-            <a:avLst/>
-          </a:prstGeom>
-          <a:noFill/>
-        </p:spPr>
-        <p:txBody>
-          <a:bodyPr wrap="square" rtlCol="0">
-            <a:spAutoFit/>
-          </a:bodyPr>
-          <a:lstStyle/>
-          <a:p>
-            <a:r>
-              <a:rPr lang="en-US" altLang="zh-TW" dirty="0"/>
-              <a:t>GenericSample_4</a:t>
-            </a:r>
-            <a:endParaRPr lang="zh-TW" altLang="en-US" dirty="0"/>
-          </a:p>
-        </p:txBody>
-      </p:sp>
-    </p:spTree>
-    <p:extLst>
-      <p:ext uri="{BB962C8B-B14F-4D97-AF65-F5344CB8AC3E}">
-        <p14:creationId xmlns:p14="http://schemas.microsoft.com/office/powerpoint/2010/main" val="3779149577"/>
-      </p:ext>
-    </p:extLst>
-  </p:cSld>
-  <p:clrMapOvr>
-    <a:masterClrMapping/>
-  </p:clrMapOvr>
-</p:sld>
-</file>
-
-<file path=ppt/slides/slide9.xml><?xml version="1.0" encoding="utf-8"?>
-<p:sld xmlns:a="http://schemas.openxmlformats.org/drawingml/2006/main" xmlns:r="http://schemas.openxmlformats.org/officeDocument/2006/relationships" xmlns:p="http://schemas.openxmlformats.org/presentationml/2006/main">
-  <p:cSld>
-    <p:spTree>
-      <p:nvGrpSpPr>
-        <p:cNvPr id="1" name=""/>
-        <p:cNvGrpSpPr/>
-        <p:nvPr/>
-      </p:nvGrpSpPr>
-      <p:grpSpPr>
-        <a:xfrm>
-          <a:off x="0" y="0"/>
-          <a:ext cx="0" cy="0"/>
-          <a:chOff x="0" y="0"/>
-          <a:chExt cx="0" cy="0"/>
-        </a:xfrm>
-      </p:grpSpPr>
-      <p:sp>
-        <p:nvSpPr>
-          <p:cNvPr id="2" name="標題 1">
-            <a:extLst>
-              <a:ext uri="{FF2B5EF4-FFF2-40B4-BE49-F238E27FC236}">
-                <a16:creationId xmlns:a16="http://schemas.microsoft.com/office/drawing/2014/main" id="{51AAE519-7BCD-4D8C-B614-B9283C20DB33}"/>
-              </a:ext>
-            </a:extLst>
-          </p:cNvPr>
-          <p:cNvSpPr>
-            <a:spLocks noGrp="1"/>
-          </p:cNvSpPr>
-          <p:nvPr>
-            <p:ph type="title"/>
-          </p:nvPr>
-        </p:nvSpPr>
-        <p:spPr/>
-        <p:txBody>
-          <a:bodyPr/>
-          <a:lstStyle/>
-          <a:p>
-            <a:r>
-              <a:rPr lang="en-US" altLang="zh-TW" err="1"/>
-              <a:t>ArrayList</a:t>
-            </a:r>
-            <a:endParaRPr lang="en-US" altLang="zh-TW"/>
-          </a:p>
-        </p:txBody>
-      </p:sp>
-      <p:sp>
-        <p:nvSpPr>
-          <p:cNvPr id="3" name="內容版面配置區 2">
-            <a:extLst>
-              <a:ext uri="{FF2B5EF4-FFF2-40B4-BE49-F238E27FC236}">
-                <a16:creationId xmlns:a16="http://schemas.microsoft.com/office/drawing/2014/main" id="{7467E32A-E302-401F-A84B-B6842F2EC954}"/>
-              </a:ext>
-            </a:extLst>
-          </p:cNvPr>
-          <p:cNvSpPr>
-            <a:spLocks noGrp="1"/>
-          </p:cNvSpPr>
-          <p:nvPr>
-            <p:ph idx="1"/>
-          </p:nvPr>
-        </p:nvSpPr>
-        <p:spPr/>
-        <p:txBody>
-          <a:bodyPr/>
-          <a:lstStyle/>
-          <a:p>
-            <a:r>
-              <a:rPr lang="en-US" altLang="zh-TW"/>
-              <a:t>Boxing</a:t>
-            </a:r>
-          </a:p>
-          <a:p>
-            <a:r>
-              <a:rPr lang="en-US" altLang="zh-TW"/>
-              <a:t>Unboxing</a:t>
-            </a:r>
-          </a:p>
-        </p:txBody>
-      </p:sp>
-    </p:spTree>
-    <p:extLst>
-      <p:ext uri="{BB962C8B-B14F-4D97-AF65-F5344CB8AC3E}">
-        <p14:creationId xmlns:p14="http://schemas.microsoft.com/office/powerpoint/2010/main" val="37764581"/>
       </p:ext>
     </p:extLst>
   </p:cSld>
